--- a/week02/Lab02.pptx
+++ b/week02/Lab02.pptx
@@ -5,40 +5,40 @@
     <p:sldMasterId id="2147483648" r:id="rId1"/>
   </p:sldMasterIdLst>
   <p:notesMasterIdLst>
-    <p:notesMasterId r:id="rId6"/>
+    <p:notesMasterId r:id="rId28"/>
   </p:notesMasterIdLst>
   <p:sldIdLst>
-    <p:sldId id="256" r:id="rId3"/>
-    <p:sldId id="583" r:id="rId4"/>
-    <p:sldId id="568" r:id="rId5"/>
-    <p:sldId id="468" r:id="rId7"/>
-    <p:sldId id="569" r:id="rId8"/>
-    <p:sldId id="470" r:id="rId9"/>
-    <p:sldId id="570" r:id="rId10"/>
-    <p:sldId id="571" r:id="rId11"/>
-    <p:sldId id="572" r:id="rId12"/>
-    <p:sldId id="469" r:id="rId13"/>
-    <p:sldId id="459" r:id="rId14"/>
-    <p:sldId id="616" r:id="rId15"/>
-    <p:sldId id="617" r:id="rId16"/>
-    <p:sldId id="585" r:id="rId17"/>
-    <p:sldId id="604" r:id="rId18"/>
-    <p:sldId id="586" r:id="rId19"/>
-    <p:sldId id="606" r:id="rId20"/>
-    <p:sldId id="587" r:id="rId21"/>
-    <p:sldId id="607" r:id="rId22"/>
-    <p:sldId id="589" r:id="rId23"/>
-    <p:sldId id="588" r:id="rId24"/>
-    <p:sldId id="567" r:id="rId25"/>
-    <p:sldId id="479" r:id="rId26"/>
-    <p:sldId id="564" r:id="rId27"/>
-    <p:sldId id="566" r:id="rId28"/>
-    <p:sldId id="573" r:id="rId29"/>
+    <p:sldId id="256" r:id="rId2"/>
+    <p:sldId id="583" r:id="rId3"/>
+    <p:sldId id="568" r:id="rId4"/>
+    <p:sldId id="468" r:id="rId5"/>
+    <p:sldId id="569" r:id="rId6"/>
+    <p:sldId id="470" r:id="rId7"/>
+    <p:sldId id="570" r:id="rId8"/>
+    <p:sldId id="571" r:id="rId9"/>
+    <p:sldId id="572" r:id="rId10"/>
+    <p:sldId id="469" r:id="rId11"/>
+    <p:sldId id="459" r:id="rId12"/>
+    <p:sldId id="616" r:id="rId13"/>
+    <p:sldId id="617" r:id="rId14"/>
+    <p:sldId id="585" r:id="rId15"/>
+    <p:sldId id="604" r:id="rId16"/>
+    <p:sldId id="586" r:id="rId17"/>
+    <p:sldId id="606" r:id="rId18"/>
+    <p:sldId id="587" r:id="rId19"/>
+    <p:sldId id="607" r:id="rId20"/>
+    <p:sldId id="589" r:id="rId21"/>
+    <p:sldId id="588" r:id="rId22"/>
+    <p:sldId id="567" r:id="rId23"/>
+    <p:sldId id="479" r:id="rId24"/>
+    <p:sldId id="564" r:id="rId25"/>
+    <p:sldId id="566" r:id="rId26"/>
+    <p:sldId id="573" r:id="rId27"/>
   </p:sldIdLst>
   <p:sldSz cx="12192000" cy="6858000"/>
   <p:notesSz cx="6858000" cy="9144000"/>
   <p:custDataLst>
-    <p:tags r:id="rId33"/>
+    <p:tags r:id="rId29"/>
   </p:custDataLst>
   <p:defaultTextStyle>
     <a:defPPr>
@@ -135,6 +135,11 @@
       </a:defRPr>
     </a:lvl9pPr>
   </p:defaultTextStyle>
+  <p:extLst>
+    <p:ext uri="{EFAFB233-063F-42B5-8137-9DF3F51BA10A}">
+      <p15:sldGuideLst xmlns:p15="http://schemas.microsoft.com/office/powerpoint/2012/main"/>
+    </p:ext>
+  </p:extLst>
 </p:presentation>
 </file>
 
@@ -220,6 +225,7 @@
           <a:p>
             <a:fld id="{D1237EF7-A117-46B7-88A8-1B7FB98FF0F2}" type="datetimeFigureOut">
               <a:rPr lang="zh-CN" altLang="en-US" smtClean="0"/>
+              <a:t>2025/9/21</a:t>
             </a:fld>
             <a:endParaRPr lang="zh-CN" altLang="en-US"/>
           </a:p>
@@ -286,7 +292,6 @@
               <a:rPr lang="zh-CN" altLang="en-US"/>
               <a:t>单击此处编辑母版文本样式</a:t>
             </a:r>
-            <a:endParaRPr lang="zh-CN" altLang="en-US"/>
           </a:p>
           <a:p>
             <a:pPr lvl="1"/>
@@ -294,7 +299,6 @@
               <a:rPr lang="zh-CN" altLang="en-US"/>
               <a:t>二级</a:t>
             </a:r>
-            <a:endParaRPr lang="zh-CN" altLang="en-US"/>
           </a:p>
           <a:p>
             <a:pPr lvl="2"/>
@@ -302,7 +306,6 @@
               <a:rPr lang="zh-CN" altLang="en-US"/>
               <a:t>三级</a:t>
             </a:r>
-            <a:endParaRPr lang="zh-CN" altLang="en-US"/>
           </a:p>
           <a:p>
             <a:pPr lvl="3"/>
@@ -310,7 +313,6 @@
               <a:rPr lang="zh-CN" altLang="en-US"/>
               <a:t>四级</a:t>
             </a:r>
-            <a:endParaRPr lang="zh-CN" altLang="en-US"/>
           </a:p>
           <a:p>
             <a:pPr lvl="4"/>
@@ -318,7 +320,6 @@
               <a:rPr lang="zh-CN" altLang="en-US"/>
               <a:t>五级</a:t>
             </a:r>
-            <a:endParaRPr lang="zh-CN" altLang="en-US"/>
           </a:p>
         </p:txBody>
       </p:sp>
@@ -382,6 +383,7 @@
           <a:p>
             <a:fld id="{7B705520-EB74-4E10-9207-DDFEA7EA0F0E}" type="slidenum">
               <a:rPr lang="zh-CN" altLang="en-US" smtClean="0"/>
+              <a:t>‹#›</a:t>
             </a:fld>
             <a:endParaRPr lang="zh-CN" altLang="en-US"/>
           </a:p>
@@ -494,12 +496,19 @@
         <p:cNvGrpSpPr/>
         <p:nvPr/>
       </p:nvGrpSpPr>
-      <p:grpSpPr/>
+      <p:grpSpPr>
+        <a:xfrm>
+          <a:off x="0" y="0"/>
+          <a:ext cx="0" cy="0"/>
+          <a:chOff x="0" y="0"/>
+          <a:chExt cx="0" cy="0"/>
+        </a:xfrm>
+      </p:grpSpPr>
       <p:sp>
         <p:nvSpPr>
           <p:cNvPr id="2" name="幻灯片图像占位符 1"/>
           <p:cNvSpPr>
-            <a:spLocks noGrp="1"/>
+            <a:spLocks noGrp="1" noRot="1" noChangeAspect="1"/>
           </p:cNvSpPr>
           <p:nvPr>
             <p:ph type="sldImg" idx="2"/>
@@ -520,6 +529,7 @@
         <p:spPr/>
         <p:txBody>
           <a:bodyPr/>
+          <a:lstStyle/>
           <a:p>
             <a:r>
               <a:rPr lang="en-US" altLang="zh-CN" dirty="0">
@@ -528,64 +538,53 @@
               <a:t>exponent  </a:t>
             </a:r>
             <a:r>
-              <a:rPr lang="zh-CN" altLang="en-US"/>
+              <a:rPr lang="zh-CN" altLang="en-US" dirty="0"/>
               <a:t>指数</a:t>
             </a:r>
-            <a:endParaRPr lang="zh-CN" altLang="en-US"/>
-          </a:p>
-          <a:p>
-            <a:r>
-              <a:rPr lang="zh-CN" altLang="en-US"/>
+          </a:p>
+          <a:p>
+            <a:r>
+              <a:rPr lang="zh-CN" altLang="en-US" dirty="0"/>
               <a:t>科学计数法一般用于指数大于等于</a:t>
             </a:r>
             <a:r>
-              <a:rPr lang="en-US" altLang="zh-CN"/>
+              <a:rPr lang="en-US" altLang="zh-CN" dirty="0"/>
               <a:t>6</a:t>
             </a:r>
             <a:r>
-              <a:rPr lang="zh-CN" altLang="en-US"/>
+              <a:rPr lang="zh-CN" altLang="en-US" dirty="0"/>
               <a:t>或者小于等于</a:t>
             </a:r>
             <a:r>
-              <a:rPr lang="en-US" altLang="zh-CN"/>
+              <a:rPr lang="en-US" altLang="zh-CN" dirty="0"/>
               <a:t>-5</a:t>
             </a:r>
             <a:r>
-              <a:rPr lang="zh-CN" altLang="en-US"/>
-              <a:t>的</a:t>
-            </a:r>
-            <a:r>
-              <a:rPr lang="zh-CN" altLang="en-US"/>
-              <a:t>情况</a:t>
-            </a:r>
-            <a:endParaRPr lang="zh-CN" altLang="en-US"/>
-          </a:p>
-          <a:p>
-            <a:r>
-              <a:rPr lang="zh-CN" altLang="en-US"/>
+              <a:rPr lang="zh-CN" altLang="en-US" dirty="0"/>
+              <a:t>的情况</a:t>
+            </a:r>
+          </a:p>
+          <a:p>
+            <a:r>
+              <a:rPr lang="zh-CN" altLang="en-US" dirty="0"/>
               <a:t>图中示例是</a:t>
             </a:r>
             <a:r>
-              <a:rPr lang="en-US" altLang="zh-CN"/>
+              <a:rPr lang="en-US" altLang="zh-CN" dirty="0" err="1"/>
               <a:t>c++</a:t>
             </a:r>
             <a:r>
-              <a:rPr lang="zh-CN" altLang="en-US"/>
+              <a:rPr lang="zh-CN" altLang="en-US" dirty="0"/>
               <a:t>，</a:t>
             </a:r>
             <a:r>
-              <a:rPr lang="en-US" altLang="zh-CN"/>
+              <a:rPr lang="en-US" altLang="zh-CN" dirty="0"/>
               <a:t>c</a:t>
             </a:r>
             <a:r>
-              <a:rPr lang="zh-CN" altLang="en-US"/>
-              <a:t>语言里也如此</a:t>
-            </a:r>
-            <a:r>
-              <a:rPr lang="zh-CN" altLang="en-US"/>
-              <a:t>吗</a:t>
-            </a:r>
-            <a:endParaRPr lang="zh-CN" altLang="en-US"/>
+              <a:rPr lang="zh-CN" altLang="en-US" dirty="0"/>
+              <a:t>语言里也如此吗</a:t>
+            </a:r>
           </a:p>
         </p:txBody>
       </p:sp>
@@ -606,12 +605,19 @@
         <p:cNvGrpSpPr/>
         <p:nvPr/>
       </p:nvGrpSpPr>
-      <p:grpSpPr/>
+      <p:grpSpPr>
+        <a:xfrm>
+          <a:off x="0" y="0"/>
+          <a:ext cx="0" cy="0"/>
+          <a:chOff x="0" y="0"/>
+          <a:chExt cx="0" cy="0"/>
+        </a:xfrm>
+      </p:grpSpPr>
       <p:sp>
         <p:nvSpPr>
           <p:cNvPr id="2" name="幻灯片图像占位符 1"/>
           <p:cNvSpPr>
-            <a:spLocks noGrp="1"/>
+            <a:spLocks noGrp="1" noRot="1" noChangeAspect="1"/>
           </p:cNvSpPr>
           <p:nvPr>
             <p:ph type="sldImg" idx="2"/>
@@ -632,6 +638,7 @@
         <p:spPr/>
         <p:txBody>
           <a:bodyPr/>
+          <a:lstStyle/>
           <a:p>
             <a:endParaRPr lang="zh-CN" altLang="en-US"/>
           </a:p>
@@ -654,12 +661,19 @@
         <p:cNvGrpSpPr/>
         <p:nvPr/>
       </p:nvGrpSpPr>
-      <p:grpSpPr/>
+      <p:grpSpPr>
+        <a:xfrm>
+          <a:off x="0" y="0"/>
+          <a:ext cx="0" cy="0"/>
+          <a:chOff x="0" y="0"/>
+          <a:chExt cx="0" cy="0"/>
+        </a:xfrm>
+      </p:grpSpPr>
       <p:sp>
         <p:nvSpPr>
           <p:cNvPr id="2" name="幻灯片图像占位符 1"/>
           <p:cNvSpPr>
-            <a:spLocks noGrp="1"/>
+            <a:spLocks noGrp="1" noRot="1" noChangeAspect="1"/>
           </p:cNvSpPr>
           <p:nvPr>
             <p:ph type="sldImg" idx="2"/>
@@ -680,6 +694,7 @@
         <p:spPr/>
         <p:txBody>
           <a:bodyPr/>
+          <a:lstStyle/>
           <a:p>
             <a:endParaRPr lang="zh-CN" altLang="en-US"/>
           </a:p>
@@ -702,12 +717,19 @@
         <p:cNvGrpSpPr/>
         <p:nvPr/>
       </p:nvGrpSpPr>
-      <p:grpSpPr/>
+      <p:grpSpPr>
+        <a:xfrm>
+          <a:off x="0" y="0"/>
+          <a:ext cx="0" cy="0"/>
+          <a:chOff x="0" y="0"/>
+          <a:chExt cx="0" cy="0"/>
+        </a:xfrm>
+      </p:grpSpPr>
       <p:sp>
         <p:nvSpPr>
           <p:cNvPr id="2" name="幻灯片图像占位符 1"/>
           <p:cNvSpPr>
-            <a:spLocks noGrp="1"/>
+            <a:spLocks noGrp="1" noRot="1" noChangeAspect="1"/>
           </p:cNvSpPr>
           <p:nvPr>
             <p:ph type="sldImg" idx="2"/>
@@ -728,6 +750,7 @@
         <p:spPr/>
         <p:txBody>
           <a:bodyPr/>
+          <a:lstStyle/>
           <a:p>
             <a:endParaRPr lang="zh-CN" altLang="en-US"/>
           </a:p>
@@ -750,12 +773,19 @@
         <p:cNvGrpSpPr/>
         <p:nvPr/>
       </p:nvGrpSpPr>
-      <p:grpSpPr/>
+      <p:grpSpPr>
+        <a:xfrm>
+          <a:off x="0" y="0"/>
+          <a:ext cx="0" cy="0"/>
+          <a:chOff x="0" y="0"/>
+          <a:chExt cx="0" cy="0"/>
+        </a:xfrm>
+      </p:grpSpPr>
       <p:sp>
         <p:nvSpPr>
           <p:cNvPr id="2" name="幻灯片图像占位符 1"/>
           <p:cNvSpPr>
-            <a:spLocks noGrp="1"/>
+            <a:spLocks noGrp="1" noRot="1" noChangeAspect="1"/>
           </p:cNvSpPr>
           <p:nvPr>
             <p:ph type="sldImg" idx="2"/>
@@ -776,16 +806,12 @@
         <p:spPr/>
         <p:txBody>
           <a:bodyPr/>
+          <a:lstStyle/>
           <a:p>
             <a:r>
               <a:rPr lang="zh-CN" altLang="en-US"/>
-              <a:t>溢出的</a:t>
-            </a:r>
-            <a:r>
-              <a:rPr lang="zh-CN" altLang="en-US"/>
-              <a:t>问题</a:t>
-            </a:r>
-            <a:endParaRPr lang="zh-CN" altLang="en-US"/>
+              <a:t>溢出的问题</a:t>
+            </a:r>
           </a:p>
           <a:p>
             <a:r>
@@ -810,24 +836,14 @@
             </a:r>
             <a:r>
               <a:rPr lang="en-US" altLang="zh-CN"/>
-              <a:t> </a:t>
-            </a:r>
-            <a:r>
-              <a:rPr lang="en-US" altLang="zh-CN"/>
-              <a:t>i++</a:t>
-            </a:r>
-            <a:endParaRPr lang="en-US" altLang="zh-CN"/>
+              <a:t> i++</a:t>
+            </a:r>
           </a:p>
           <a:p>
             <a:r>
               <a:rPr lang="zh-CN" altLang="en-US"/>
-              <a:t>或者结合移位进行</a:t>
-            </a:r>
-            <a:r>
-              <a:rPr lang="zh-CN" altLang="en-US"/>
-              <a:t>判断</a:t>
-            </a:r>
-            <a:endParaRPr lang="zh-CN" altLang="en-US"/>
+              <a:t>或者结合移位进行判断</a:t>
+            </a:r>
           </a:p>
         </p:txBody>
       </p:sp>
@@ -848,12 +864,19 @@
         <p:cNvGrpSpPr/>
         <p:nvPr/>
       </p:nvGrpSpPr>
-      <p:grpSpPr/>
+      <p:grpSpPr>
+        <a:xfrm>
+          <a:off x="0" y="0"/>
+          <a:ext cx="0" cy="0"/>
+          <a:chOff x="0" y="0"/>
+          <a:chExt cx="0" cy="0"/>
+        </a:xfrm>
+      </p:grpSpPr>
       <p:sp>
         <p:nvSpPr>
           <p:cNvPr id="2" name="幻灯片图像占位符 1"/>
           <p:cNvSpPr>
-            <a:spLocks noGrp="1"/>
+            <a:spLocks noGrp="1" noRot="1" noChangeAspect="1"/>
           </p:cNvSpPr>
           <p:nvPr>
             <p:ph type="sldImg" idx="2"/>
@@ -874,6 +897,7 @@
         <p:spPr/>
         <p:txBody>
           <a:bodyPr/>
+          <a:lstStyle/>
           <a:p>
             <a:r>
               <a:rPr lang="zh-CN" altLang="en-US"/>
@@ -893,13 +917,8 @@
             </a:r>
             <a:r>
               <a:rPr lang="zh-CN" altLang="en-US"/>
-              <a:t>浮点数的</a:t>
-            </a:r>
-            <a:r>
-              <a:rPr lang="zh-CN" altLang="en-US"/>
-              <a:t>比对</a:t>
-            </a:r>
-            <a:endParaRPr lang="zh-CN" altLang="en-US"/>
+              <a:t>浮点数的比对</a:t>
+            </a:r>
           </a:p>
           <a:p>
             <a:endParaRPr lang="zh-CN" altLang="en-US"/>
@@ -915,13 +934,8 @@
             </a:r>
             <a:r>
               <a:rPr lang="zh-CN" altLang="en-US"/>
-              <a:t>上介绍的方法来</a:t>
-            </a:r>
-            <a:r>
-              <a:rPr lang="zh-CN" altLang="en-US"/>
-              <a:t>解决</a:t>
-            </a:r>
-            <a:endParaRPr lang="zh-CN" altLang="en-US"/>
+              <a:t>上介绍的方法来解决</a:t>
+            </a:r>
           </a:p>
         </p:txBody>
       </p:sp>
@@ -942,12 +956,19 @@
         <p:cNvGrpSpPr/>
         <p:nvPr/>
       </p:nvGrpSpPr>
-      <p:grpSpPr/>
+      <p:grpSpPr>
+        <a:xfrm>
+          <a:off x="0" y="0"/>
+          <a:ext cx="0" cy="0"/>
+          <a:chOff x="0" y="0"/>
+          <a:chExt cx="0" cy="0"/>
+        </a:xfrm>
+      </p:grpSpPr>
       <p:sp>
         <p:nvSpPr>
           <p:cNvPr id="2" name="幻灯片图像占位符 1"/>
           <p:cNvSpPr>
-            <a:spLocks noGrp="1"/>
+            <a:spLocks noGrp="1" noRot="1" noChangeAspect="1"/>
           </p:cNvSpPr>
           <p:nvPr>
             <p:ph type="sldImg" idx="2"/>
@@ -968,6 +989,7 @@
         <p:spPr/>
         <p:txBody>
           <a:bodyPr/>
+          <a:lstStyle/>
           <a:p>
             <a:r>
               <a:rPr lang="zh-CN" altLang="en-US"/>
@@ -987,13 +1009,8 @@
             </a:r>
             <a:r>
               <a:rPr lang="zh-CN" altLang="en-US"/>
-              <a:t>自动</a:t>
-            </a:r>
-            <a:r>
-              <a:rPr lang="zh-CN" altLang="en-US"/>
-              <a:t>转换</a:t>
-            </a:r>
-            <a:endParaRPr lang="zh-CN" altLang="en-US"/>
+              <a:t>自动转换</a:t>
+            </a:r>
           </a:p>
           <a:p>
             <a:endParaRPr lang="zh-CN" altLang="en-US"/>
@@ -1041,13 +1058,8 @@
             </a:r>
             <a:r>
               <a:rPr lang="zh-CN" altLang="en-US"/>
-              <a:t>的方式进行</a:t>
-            </a:r>
-            <a:r>
-              <a:rPr lang="zh-CN" altLang="en-US"/>
-              <a:t>展示</a:t>
-            </a:r>
-            <a:endParaRPr lang="zh-CN" altLang="en-US"/>
+              <a:t>的方式进行展示</a:t>
+            </a:r>
           </a:p>
         </p:txBody>
       </p:sp>
@@ -1068,12 +1080,19 @@
         <p:cNvGrpSpPr/>
         <p:nvPr/>
       </p:nvGrpSpPr>
-      <p:grpSpPr/>
+      <p:grpSpPr>
+        <a:xfrm>
+          <a:off x="0" y="0"/>
+          <a:ext cx="0" cy="0"/>
+          <a:chOff x="0" y="0"/>
+          <a:chExt cx="0" cy="0"/>
+        </a:xfrm>
+      </p:grpSpPr>
       <p:sp>
         <p:nvSpPr>
           <p:cNvPr id="2" name="幻灯片图像占位符 1"/>
           <p:cNvSpPr>
-            <a:spLocks noGrp="1"/>
+            <a:spLocks noGrp="1" noRot="1" noChangeAspect="1"/>
           </p:cNvSpPr>
           <p:nvPr>
             <p:ph type="sldImg" idx="2"/>
@@ -1094,6 +1113,7 @@
         <p:spPr/>
         <p:txBody>
           <a:bodyPr/>
+          <a:lstStyle/>
           <a:p>
             <a:endParaRPr lang="en-US" altLang="zh-CN"/>
           </a:p>
@@ -1166,13 +1186,8 @@
             </a:pPr>
             <a:r>
               <a:rPr lang="zh-CN" altLang="en-US" dirty="0"/>
-              <a:t>两种</a:t>
-            </a:r>
-            <a:r>
-              <a:rPr lang="zh-CN" altLang="en-US" dirty="0"/>
-              <a:t>方法：</a:t>
-            </a:r>
-            <a:endParaRPr lang="zh-CN" altLang="en-US" dirty="0"/>
+              <a:t>两种方法：</a:t>
+            </a:r>
           </a:p>
           <a:p>
             <a:pPr marL="542925" indent="-542925" eaLnBrk="1" hangingPunct="1">
@@ -1186,13 +1201,8 @@
             </a:r>
             <a:r>
               <a:rPr lang="zh-CN" altLang="en-US" dirty="0"/>
-              <a:t>中的成员</a:t>
-            </a:r>
-            <a:r>
-              <a:rPr lang="zh-CN" altLang="en-US" dirty="0"/>
-              <a:t>函数</a:t>
-            </a:r>
-            <a:endParaRPr lang="zh-CN" altLang="en-US" dirty="0"/>
+              <a:t>中的成员函数</a:t>
+            </a:r>
           </a:p>
           <a:p>
             <a:pPr marL="542925" indent="-542925" eaLnBrk="1" hangingPunct="1">
@@ -1214,13 +1224,8 @@
             </a:r>
             <a:r>
               <a:rPr lang="zh-CN" altLang="en-US" dirty="0"/>
-              <a:t>的关系</a:t>
-            </a:r>
-            <a:r>
-              <a:rPr lang="zh-CN" altLang="en-US" dirty="0"/>
-              <a:t>是？</a:t>
-            </a:r>
-            <a:endParaRPr lang="zh-CN" altLang="en-US" dirty="0"/>
+              <a:t>的关系是？</a:t>
+            </a:r>
           </a:p>
           <a:p>
             <a:pPr marL="542925" indent="-542925" eaLnBrk="1" hangingPunct="1">
@@ -1254,13 +1259,8 @@
             </a:r>
             <a:r>
               <a:rPr lang="zh-CN" altLang="en-US" dirty="0"/>
-              <a:t>？操纵</a:t>
-            </a:r>
-            <a:r>
-              <a:rPr lang="zh-CN" altLang="en-US" dirty="0"/>
-              <a:t>符</a:t>
-            </a:r>
-            <a:endParaRPr lang="zh-CN" altLang="en-US" dirty="0"/>
+              <a:t>？操纵符</a:t>
+            </a:r>
           </a:p>
         </p:txBody>
       </p:sp>
@@ -1305,6 +1305,7 @@
                   <a:prstClr val="black"/>
                 </a:solidFill>
               </a:rPr>
+              <a:t>4</a:t>
             </a:fld>
             <a:endParaRPr lang="en-US" altLang="zh-CN">
               <a:solidFill>
@@ -1424,6 +1425,7 @@
                   <a:prstClr val="black"/>
                 </a:solidFill>
               </a:rPr>
+              <a:t>5</a:t>
             </a:fld>
             <a:endParaRPr lang="en-US" altLang="zh-CN">
               <a:solidFill>
@@ -1508,13 +1510,8 @@
             </a:r>
             <a:r>
               <a:rPr lang="zh-CN" altLang="en-US" dirty="0"/>
-              <a:t>为什么也用</a:t>
-            </a:r>
-            <a:r>
-              <a:rPr lang="zh-CN" altLang="en-US" dirty="0"/>
-              <a:t>科学计数法？</a:t>
-            </a:r>
-            <a:endParaRPr lang="zh-CN" altLang="en-US" dirty="0"/>
+              <a:t>为什么也用科学计数法？</a:t>
+            </a:r>
           </a:p>
         </p:txBody>
       </p:sp>
@@ -1559,6 +1556,7 @@
                   <a:prstClr val="black"/>
                 </a:solidFill>
               </a:rPr>
+              <a:t>6</a:t>
             </a:fld>
             <a:endParaRPr lang="en-US" altLang="zh-CN">
               <a:solidFill>
@@ -1585,12 +1583,19 @@
         <p:cNvGrpSpPr/>
         <p:nvPr/>
       </p:nvGrpSpPr>
-      <p:grpSpPr/>
+      <p:grpSpPr>
+        <a:xfrm>
+          <a:off x="0" y="0"/>
+          <a:ext cx="0" cy="0"/>
+          <a:chOff x="0" y="0"/>
+          <a:chExt cx="0" cy="0"/>
+        </a:xfrm>
+      </p:grpSpPr>
       <p:sp>
         <p:nvSpPr>
           <p:cNvPr id="2" name="幻灯片图像占位符 1"/>
           <p:cNvSpPr>
-            <a:spLocks noGrp="1"/>
+            <a:spLocks noGrp="1" noRot="1" noChangeAspect="1"/>
           </p:cNvSpPr>
           <p:nvPr>
             <p:ph type="sldImg" idx="2"/>
@@ -1611,6 +1616,7 @@
         <p:spPr/>
         <p:txBody>
           <a:bodyPr/>
+          <a:lstStyle/>
           <a:p>
             <a:r>
               <a:rPr lang="zh-CN" altLang="en-US"/>
@@ -1638,13 +1644,8 @@
             </a:r>
             <a:r>
               <a:rPr lang="zh-CN" altLang="en-US"/>
-              <a:t>（代码</a:t>
-            </a:r>
-            <a:r>
-              <a:rPr lang="zh-CN" altLang="en-US"/>
-              <a:t>中）</a:t>
-            </a:r>
-            <a:endParaRPr lang="zh-CN" altLang="en-US"/>
+              <a:t>（代码中）</a:t>
+            </a:r>
           </a:p>
         </p:txBody>
       </p:sp>
@@ -1665,12 +1666,19 @@
         <p:cNvGrpSpPr/>
         <p:nvPr/>
       </p:nvGrpSpPr>
-      <p:grpSpPr/>
+      <p:grpSpPr>
+        <a:xfrm>
+          <a:off x="0" y="0"/>
+          <a:ext cx="0" cy="0"/>
+          <a:chOff x="0" y="0"/>
+          <a:chExt cx="0" cy="0"/>
+        </a:xfrm>
+      </p:grpSpPr>
       <p:sp>
         <p:nvSpPr>
           <p:cNvPr id="2" name="幻灯片图像占位符 1"/>
           <p:cNvSpPr>
-            <a:spLocks noGrp="1"/>
+            <a:spLocks noGrp="1" noRot="1" noChangeAspect="1"/>
           </p:cNvSpPr>
           <p:nvPr>
             <p:ph type="sldImg" idx="2"/>
@@ -1691,6 +1699,7 @@
         <p:spPr/>
         <p:txBody>
           <a:bodyPr/>
+          <a:lstStyle/>
           <a:p>
             <a:endParaRPr lang="zh-CN" altLang="en-US"/>
           </a:p>
@@ -1713,12 +1722,19 @@
         <p:cNvGrpSpPr/>
         <p:nvPr/>
       </p:nvGrpSpPr>
-      <p:grpSpPr/>
+      <p:grpSpPr>
+        <a:xfrm>
+          <a:off x="0" y="0"/>
+          <a:ext cx="0" cy="0"/>
+          <a:chOff x="0" y="0"/>
+          <a:chExt cx="0" cy="0"/>
+        </a:xfrm>
+      </p:grpSpPr>
       <p:sp>
         <p:nvSpPr>
           <p:cNvPr id="2" name="幻灯片图像占位符 1"/>
           <p:cNvSpPr>
-            <a:spLocks noGrp="1"/>
+            <a:spLocks noGrp="1" noRot="1" noChangeAspect="1"/>
           </p:cNvSpPr>
           <p:nvPr>
             <p:ph type="sldImg" idx="2"/>
@@ -1739,6 +1755,7 @@
         <p:spPr/>
         <p:txBody>
           <a:bodyPr/>
+          <a:lstStyle/>
           <a:p>
             <a:r>
               <a:rPr lang="en-US" altLang="zh-CN"/>
@@ -1754,17 +1771,8 @@
             </a:r>
             <a:r>
               <a:rPr lang="zh-CN" altLang="en-US"/>
-              <a:t>来操作？（从代码的运行结果来</a:t>
-            </a:r>
-            <a:r>
-              <a:rPr lang="zh-CN" altLang="en-US"/>
-              <a:t>看是</a:t>
-            </a:r>
-            <a:r>
-              <a:rPr lang="zh-CN" altLang="en-US"/>
-              <a:t>的）</a:t>
-            </a:r>
-            <a:endParaRPr lang="zh-CN" altLang="en-US"/>
+              <a:t>来操作？（从代码的运行结果来看是的）</a:t>
+            </a:r>
           </a:p>
         </p:txBody>
       </p:sp>
@@ -1878,6 +1886,7 @@
                   <a:prstClr val="black"/>
                 </a:solidFill>
               </a:rPr>
+              <a:t>10</a:t>
             </a:fld>
             <a:endParaRPr lang="en-US" altLang="zh-CN">
               <a:solidFill>
@@ -1904,12 +1913,19 @@
         <p:cNvGrpSpPr/>
         <p:nvPr/>
       </p:nvGrpSpPr>
-      <p:grpSpPr/>
+      <p:grpSpPr>
+        <a:xfrm>
+          <a:off x="0" y="0"/>
+          <a:ext cx="0" cy="0"/>
+          <a:chOff x="0" y="0"/>
+          <a:chExt cx="0" cy="0"/>
+        </a:xfrm>
+      </p:grpSpPr>
       <p:sp>
         <p:nvSpPr>
           <p:cNvPr id="2" name="幻灯片图像占位符 1"/>
           <p:cNvSpPr>
-            <a:spLocks noGrp="1"/>
+            <a:spLocks noGrp="1" noRot="1" noChangeAspect="1"/>
           </p:cNvSpPr>
           <p:nvPr>
             <p:ph type="sldImg" idx="2"/>
@@ -1930,6 +1946,7 @@
         <p:spPr/>
         <p:txBody>
           <a:bodyPr/>
+          <a:lstStyle/>
           <a:p>
             <a:r>
               <a:rPr lang="en-US" altLang="zh-CN"/>
@@ -1953,13 +1970,8 @@
             </a:r>
             <a:r>
               <a:rPr lang="zh-CN" altLang="en-US"/>
-              <a:t>实现原理上</a:t>
-            </a:r>
-            <a:r>
-              <a:rPr lang="zh-CN" altLang="en-US"/>
-              <a:t>区分</a:t>
-            </a:r>
-            <a:endParaRPr lang="zh-CN" altLang="en-US"/>
+              <a:t>实现原理上区分</a:t>
+            </a:r>
           </a:p>
         </p:txBody>
       </p:sp>
@@ -2016,7 +2028,6 @@
               <a:rPr lang="zh-CN" altLang="en-US"/>
               <a:t>单击此处编辑母版标题样式</a:t>
             </a:r>
-            <a:endParaRPr lang="zh-CN" altLang="en-US"/>
           </a:p>
         </p:txBody>
       </p:sp>
@@ -2081,7 +2092,6 @@
               <a:rPr lang="zh-CN" altLang="en-US" dirty="0"/>
               <a:t>单击此处编辑母版副标题样式</a:t>
             </a:r>
-            <a:endParaRPr lang="zh-CN" altLang="en-US" dirty="0"/>
           </a:p>
         </p:txBody>
       </p:sp>
@@ -2102,6 +2112,7 @@
           <a:p>
             <a:fld id="{FC19A4FA-3D9A-4114-B0D5-759CBD56F1AB}" type="datetimeFigureOut">
               <a:rPr lang="zh-CN" altLang="en-US" smtClean="0"/>
+              <a:t>2025/9/21</a:t>
             </a:fld>
             <a:endParaRPr lang="zh-CN" altLang="en-US"/>
           </a:p>
@@ -2143,6 +2154,7 @@
           <a:p>
             <a:fld id="{506F4176-339E-4C4B-80E4-BBE9C4467EFE}" type="slidenum">
               <a:rPr lang="zh-CN" altLang="en-US" smtClean="0"/>
+              <a:t>‹#›</a:t>
             </a:fld>
             <a:endParaRPr lang="zh-CN" altLang="en-US"/>
           </a:p>
@@ -2223,7 +2235,6 @@
               <a:rPr lang="zh-CN" altLang="en-US"/>
               <a:t>单击此处编辑母版标题样式</a:t>
             </a:r>
-            <a:endParaRPr lang="zh-CN" altLang="en-US"/>
           </a:p>
         </p:txBody>
       </p:sp>
@@ -2247,7 +2258,6 @@
               <a:rPr lang="zh-CN" altLang="en-US"/>
               <a:t>单击此处编辑母版文本样式</a:t>
             </a:r>
-            <a:endParaRPr lang="zh-CN" altLang="en-US"/>
           </a:p>
           <a:p>
             <a:pPr lvl="1"/>
@@ -2255,7 +2265,6 @@
               <a:rPr lang="zh-CN" altLang="en-US"/>
               <a:t>第二级</a:t>
             </a:r>
-            <a:endParaRPr lang="zh-CN" altLang="en-US"/>
           </a:p>
           <a:p>
             <a:pPr lvl="2"/>
@@ -2263,7 +2272,6 @@
               <a:rPr lang="zh-CN" altLang="en-US"/>
               <a:t>第三级</a:t>
             </a:r>
-            <a:endParaRPr lang="zh-CN" altLang="en-US"/>
           </a:p>
           <a:p>
             <a:pPr lvl="3"/>
@@ -2271,7 +2279,6 @@
               <a:rPr lang="zh-CN" altLang="en-US"/>
               <a:t>第四级</a:t>
             </a:r>
-            <a:endParaRPr lang="zh-CN" altLang="en-US"/>
           </a:p>
           <a:p>
             <a:pPr lvl="4"/>
@@ -2279,7 +2286,6 @@
               <a:rPr lang="zh-CN" altLang="en-US"/>
               <a:t>第五级</a:t>
             </a:r>
-            <a:endParaRPr lang="zh-CN" altLang="en-US"/>
           </a:p>
         </p:txBody>
       </p:sp>
@@ -2300,6 +2306,7 @@
           <a:p>
             <a:fld id="{FC19A4FA-3D9A-4114-B0D5-759CBD56F1AB}" type="datetimeFigureOut">
               <a:rPr lang="zh-CN" altLang="en-US" smtClean="0"/>
+              <a:t>2025/9/21</a:t>
             </a:fld>
             <a:endParaRPr lang="zh-CN" altLang="en-US"/>
           </a:p>
@@ -2341,6 +2348,7 @@
           <a:p>
             <a:fld id="{506F4176-339E-4C4B-80E4-BBE9C4467EFE}" type="slidenum">
               <a:rPr lang="zh-CN" altLang="en-US" smtClean="0"/>
+              <a:t>‹#›</a:t>
             </a:fld>
             <a:endParaRPr lang="zh-CN" altLang="en-US"/>
           </a:p>
@@ -2395,7 +2403,6 @@
               <a:rPr lang="zh-CN" altLang="en-US"/>
               <a:t>单击此处编辑母版标题样式</a:t>
             </a:r>
-            <a:endParaRPr lang="zh-CN" altLang="en-US"/>
           </a:p>
         </p:txBody>
       </p:sp>
@@ -2424,7 +2431,6 @@
               <a:rPr lang="zh-CN" altLang="en-US"/>
               <a:t>单击此处编辑母版文本样式</a:t>
             </a:r>
-            <a:endParaRPr lang="zh-CN" altLang="en-US"/>
           </a:p>
           <a:p>
             <a:pPr lvl="1"/>
@@ -2432,7 +2438,6 @@
               <a:rPr lang="zh-CN" altLang="en-US"/>
               <a:t>第二级</a:t>
             </a:r>
-            <a:endParaRPr lang="zh-CN" altLang="en-US"/>
           </a:p>
           <a:p>
             <a:pPr lvl="2"/>
@@ -2440,7 +2445,6 @@
               <a:rPr lang="zh-CN" altLang="en-US"/>
               <a:t>第三级</a:t>
             </a:r>
-            <a:endParaRPr lang="zh-CN" altLang="en-US"/>
           </a:p>
           <a:p>
             <a:pPr lvl="3"/>
@@ -2448,7 +2452,6 @@
               <a:rPr lang="zh-CN" altLang="en-US"/>
               <a:t>第四级</a:t>
             </a:r>
-            <a:endParaRPr lang="zh-CN" altLang="en-US"/>
           </a:p>
           <a:p>
             <a:pPr lvl="4"/>
@@ -2456,7 +2459,6 @@
               <a:rPr lang="zh-CN" altLang="en-US"/>
               <a:t>第五级</a:t>
             </a:r>
-            <a:endParaRPr lang="zh-CN" altLang="en-US"/>
           </a:p>
         </p:txBody>
       </p:sp>
@@ -2477,6 +2479,7 @@
           <a:p>
             <a:fld id="{FC19A4FA-3D9A-4114-B0D5-759CBD56F1AB}" type="datetimeFigureOut">
               <a:rPr lang="zh-CN" altLang="en-US" smtClean="0"/>
+              <a:t>2025/9/21</a:t>
             </a:fld>
             <a:endParaRPr lang="zh-CN" altLang="en-US"/>
           </a:p>
@@ -2518,6 +2521,7 @@
           <a:p>
             <a:fld id="{506F4176-339E-4C4B-80E4-BBE9C4467EFE}" type="slidenum">
               <a:rPr lang="zh-CN" altLang="en-US" smtClean="0"/>
+              <a:t>‹#›</a:t>
             </a:fld>
             <a:endParaRPr lang="zh-CN" altLang="en-US"/>
           </a:p>
@@ -2572,7 +2576,6 @@
               <a:rPr lang="zh-CN" altLang="en-US" dirty="0"/>
               <a:t>单击此处编辑母版标题样式</a:t>
             </a:r>
-            <a:endParaRPr lang="zh-CN" altLang="en-US" dirty="0"/>
           </a:p>
         </p:txBody>
       </p:sp>
@@ -2612,7 +2615,6 @@
               <a:rPr lang="zh-CN" altLang="en-US" dirty="0"/>
               <a:t>单击此处编辑母版文本样式</a:t>
             </a:r>
-            <a:endParaRPr lang="zh-CN" altLang="en-US" dirty="0"/>
           </a:p>
           <a:p>
             <a:pPr lvl="1"/>
@@ -2620,7 +2622,6 @@
               <a:rPr lang="zh-CN" altLang="en-US" dirty="0"/>
               <a:t>第二级</a:t>
             </a:r>
-            <a:endParaRPr lang="zh-CN" altLang="en-US" dirty="0"/>
           </a:p>
           <a:p>
             <a:pPr lvl="2"/>
@@ -2628,7 +2629,6 @@
               <a:rPr lang="zh-CN" altLang="en-US" dirty="0"/>
               <a:t>第三级</a:t>
             </a:r>
-            <a:endParaRPr lang="zh-CN" altLang="en-US" dirty="0"/>
           </a:p>
           <a:p>
             <a:pPr lvl="3"/>
@@ -2636,7 +2636,6 @@
               <a:rPr lang="zh-CN" altLang="en-US" dirty="0"/>
               <a:t>第四级</a:t>
             </a:r>
-            <a:endParaRPr lang="zh-CN" altLang="en-US" dirty="0"/>
           </a:p>
           <a:p>
             <a:pPr lvl="4"/>
@@ -2644,7 +2643,6 @@
               <a:rPr lang="zh-CN" altLang="en-US" dirty="0"/>
               <a:t>第五级</a:t>
             </a:r>
-            <a:endParaRPr lang="zh-CN" altLang="en-US" dirty="0"/>
           </a:p>
         </p:txBody>
       </p:sp>
@@ -2665,6 +2663,7 @@
           <a:p>
             <a:fld id="{FC19A4FA-3D9A-4114-B0D5-759CBD56F1AB}" type="datetimeFigureOut">
               <a:rPr lang="zh-CN" altLang="en-US" smtClean="0"/>
+              <a:t>2025/9/21</a:t>
             </a:fld>
             <a:endParaRPr lang="zh-CN" altLang="en-US"/>
           </a:p>
@@ -2706,6 +2705,7 @@
           <a:p>
             <a:fld id="{506F4176-339E-4C4B-80E4-BBE9C4467EFE}" type="slidenum">
               <a:rPr lang="zh-CN" altLang="en-US" smtClean="0"/>
+              <a:t>‹#›</a:t>
             </a:fld>
             <a:endParaRPr lang="zh-CN" altLang="en-US"/>
           </a:p>
@@ -2788,7 +2788,6 @@
               <a:rPr lang="zh-CN" altLang="en-US"/>
               <a:t>单击此处编辑母版标题样式</a:t>
             </a:r>
-            <a:endParaRPr lang="zh-CN" altLang="en-US"/>
           </a:p>
         </p:txBody>
       </p:sp>
@@ -2817,7 +2816,6 @@
               <a:rPr lang="zh-CN" altLang="en-US"/>
               <a:t>单击此处编辑母版文本样式</a:t>
             </a:r>
-            <a:endParaRPr lang="zh-CN" altLang="en-US"/>
           </a:p>
           <a:p>
             <a:pPr lvl="1"/>
@@ -2825,7 +2823,6 @@
               <a:rPr lang="zh-CN" altLang="en-US"/>
               <a:t>第二级</a:t>
             </a:r>
-            <a:endParaRPr lang="zh-CN" altLang="en-US"/>
           </a:p>
           <a:p>
             <a:pPr lvl="2"/>
@@ -2833,7 +2830,6 @@
               <a:rPr lang="zh-CN" altLang="en-US"/>
               <a:t>第三级</a:t>
             </a:r>
-            <a:endParaRPr lang="zh-CN" altLang="en-US"/>
           </a:p>
           <a:p>
             <a:pPr lvl="3"/>
@@ -2841,7 +2837,6 @@
               <a:rPr lang="zh-CN" altLang="en-US"/>
               <a:t>第四级</a:t>
             </a:r>
-            <a:endParaRPr lang="zh-CN" altLang="en-US"/>
           </a:p>
           <a:p>
             <a:pPr lvl="4"/>
@@ -2849,7 +2844,6 @@
               <a:rPr lang="zh-CN" altLang="en-US"/>
               <a:t>第五级</a:t>
             </a:r>
-            <a:endParaRPr lang="zh-CN" altLang="en-US"/>
           </a:p>
         </p:txBody>
       </p:sp>
@@ -2878,7 +2872,6 @@
               <a:rPr lang="zh-CN" altLang="en-US"/>
               <a:t>单击此处编辑母版文本样式</a:t>
             </a:r>
-            <a:endParaRPr lang="zh-CN" altLang="en-US"/>
           </a:p>
           <a:p>
             <a:pPr lvl="1"/>
@@ -2886,7 +2879,6 @@
               <a:rPr lang="zh-CN" altLang="en-US"/>
               <a:t>第二级</a:t>
             </a:r>
-            <a:endParaRPr lang="zh-CN" altLang="en-US"/>
           </a:p>
           <a:p>
             <a:pPr lvl="2"/>
@@ -2894,7 +2886,6 @@
               <a:rPr lang="zh-CN" altLang="en-US"/>
               <a:t>第三级</a:t>
             </a:r>
-            <a:endParaRPr lang="zh-CN" altLang="en-US"/>
           </a:p>
           <a:p>
             <a:pPr lvl="3"/>
@@ -2902,7 +2893,6 @@
               <a:rPr lang="zh-CN" altLang="en-US"/>
               <a:t>第四级</a:t>
             </a:r>
-            <a:endParaRPr lang="zh-CN" altLang="en-US"/>
           </a:p>
           <a:p>
             <a:pPr lvl="4"/>
@@ -2910,7 +2900,6 @@
               <a:rPr lang="zh-CN" altLang="en-US"/>
               <a:t>第五级</a:t>
             </a:r>
-            <a:endParaRPr lang="zh-CN" altLang="en-US"/>
           </a:p>
         </p:txBody>
       </p:sp>
@@ -2931,6 +2920,7 @@
           <a:p>
             <a:fld id="{FC19A4FA-3D9A-4114-B0D5-759CBD56F1AB}" type="datetimeFigureOut">
               <a:rPr lang="zh-CN" altLang="en-US" smtClean="0"/>
+              <a:t>2025/9/21</a:t>
             </a:fld>
             <a:endParaRPr lang="zh-CN" altLang="en-US"/>
           </a:p>
@@ -2972,6 +2962,7 @@
           <a:p>
             <a:fld id="{506F4176-339E-4C4B-80E4-BBE9C4467EFE}" type="slidenum">
               <a:rPr lang="zh-CN" altLang="en-US" smtClean="0"/>
+              <a:t>‹#›</a:t>
             </a:fld>
             <a:endParaRPr lang="zh-CN" altLang="en-US"/>
           </a:p>
@@ -3054,7 +3045,6 @@
               <a:rPr lang="zh-CN" altLang="en-US"/>
               <a:t>单击此处编辑母版标题样式</a:t>
             </a:r>
-            <a:endParaRPr lang="zh-CN" altLang="en-US"/>
           </a:p>
         </p:txBody>
       </p:sp>
@@ -3120,7 +3110,6 @@
               <a:rPr lang="zh-CN" altLang="en-US"/>
               <a:t>单击此处编辑母版文本样式</a:t>
             </a:r>
-            <a:endParaRPr lang="zh-CN" altLang="en-US"/>
           </a:p>
         </p:txBody>
       </p:sp>
@@ -3149,7 +3138,6 @@
               <a:rPr lang="zh-CN" altLang="en-US"/>
               <a:t>单击此处编辑母版文本样式</a:t>
             </a:r>
-            <a:endParaRPr lang="zh-CN" altLang="en-US"/>
           </a:p>
           <a:p>
             <a:pPr lvl="1"/>
@@ -3157,7 +3145,6 @@
               <a:rPr lang="zh-CN" altLang="en-US"/>
               <a:t>第二级</a:t>
             </a:r>
-            <a:endParaRPr lang="zh-CN" altLang="en-US"/>
           </a:p>
           <a:p>
             <a:pPr lvl="2"/>
@@ -3165,7 +3152,6 @@
               <a:rPr lang="zh-CN" altLang="en-US"/>
               <a:t>第三级</a:t>
             </a:r>
-            <a:endParaRPr lang="zh-CN" altLang="en-US"/>
           </a:p>
           <a:p>
             <a:pPr lvl="3"/>
@@ -3173,7 +3159,6 @@
               <a:rPr lang="zh-CN" altLang="en-US"/>
               <a:t>第四级</a:t>
             </a:r>
-            <a:endParaRPr lang="zh-CN" altLang="en-US"/>
           </a:p>
           <a:p>
             <a:pPr lvl="4"/>
@@ -3181,7 +3166,6 @@
               <a:rPr lang="zh-CN" altLang="en-US"/>
               <a:t>第五级</a:t>
             </a:r>
-            <a:endParaRPr lang="zh-CN" altLang="en-US"/>
           </a:p>
         </p:txBody>
       </p:sp>
@@ -3247,7 +3231,6 @@
               <a:rPr lang="zh-CN" altLang="en-US"/>
               <a:t>单击此处编辑母版文本样式</a:t>
             </a:r>
-            <a:endParaRPr lang="zh-CN" altLang="en-US"/>
           </a:p>
         </p:txBody>
       </p:sp>
@@ -3276,7 +3259,6 @@
               <a:rPr lang="zh-CN" altLang="en-US"/>
               <a:t>单击此处编辑母版文本样式</a:t>
             </a:r>
-            <a:endParaRPr lang="zh-CN" altLang="en-US"/>
           </a:p>
           <a:p>
             <a:pPr lvl="1"/>
@@ -3284,7 +3266,6 @@
               <a:rPr lang="zh-CN" altLang="en-US"/>
               <a:t>第二级</a:t>
             </a:r>
-            <a:endParaRPr lang="zh-CN" altLang="en-US"/>
           </a:p>
           <a:p>
             <a:pPr lvl="2"/>
@@ -3292,7 +3273,6 @@
               <a:rPr lang="zh-CN" altLang="en-US"/>
               <a:t>第三级</a:t>
             </a:r>
-            <a:endParaRPr lang="zh-CN" altLang="en-US"/>
           </a:p>
           <a:p>
             <a:pPr lvl="3"/>
@@ -3300,7 +3280,6 @@
               <a:rPr lang="zh-CN" altLang="en-US"/>
               <a:t>第四级</a:t>
             </a:r>
-            <a:endParaRPr lang="zh-CN" altLang="en-US"/>
           </a:p>
           <a:p>
             <a:pPr lvl="4"/>
@@ -3308,7 +3287,6 @@
               <a:rPr lang="zh-CN" altLang="en-US"/>
               <a:t>第五级</a:t>
             </a:r>
-            <a:endParaRPr lang="zh-CN" altLang="en-US"/>
           </a:p>
         </p:txBody>
       </p:sp>
@@ -3329,6 +3307,7 @@
           <a:p>
             <a:fld id="{FC19A4FA-3D9A-4114-B0D5-759CBD56F1AB}" type="datetimeFigureOut">
               <a:rPr lang="zh-CN" altLang="en-US" smtClean="0"/>
+              <a:t>2025/9/21</a:t>
             </a:fld>
             <a:endParaRPr lang="zh-CN" altLang="en-US"/>
           </a:p>
@@ -3370,6 +3349,7 @@
           <a:p>
             <a:fld id="{506F4176-339E-4C4B-80E4-BBE9C4467EFE}" type="slidenum">
               <a:rPr lang="zh-CN" altLang="en-US" smtClean="0"/>
+              <a:t>‹#›</a:t>
             </a:fld>
             <a:endParaRPr lang="zh-CN" altLang="en-US"/>
           </a:p>
@@ -3456,7 +3436,6 @@
               <a:rPr lang="zh-CN" altLang="en-US"/>
               <a:t>单击此处编辑母版标题样式</a:t>
             </a:r>
-            <a:endParaRPr lang="zh-CN" altLang="en-US"/>
           </a:p>
         </p:txBody>
       </p:sp>
@@ -3576,7 +3555,6 @@
               <a:rPr lang="zh-CN" altLang="en-US"/>
               <a:t>单击此处编辑母版文本样式</a:t>
             </a:r>
-            <a:endParaRPr lang="zh-CN" altLang="en-US"/>
           </a:p>
         </p:txBody>
       </p:sp>
@@ -3597,6 +3575,7 @@
           <a:p>
             <a:fld id="{FC19A4FA-3D9A-4114-B0D5-759CBD56F1AB}" type="datetimeFigureOut">
               <a:rPr lang="zh-CN" altLang="en-US" smtClean="0"/>
+              <a:t>2025/9/21</a:t>
             </a:fld>
             <a:endParaRPr lang="zh-CN" altLang="en-US"/>
           </a:p>
@@ -3638,6 +3617,7 @@
           <a:p>
             <a:fld id="{506F4176-339E-4C4B-80E4-BBE9C4467EFE}" type="slidenum">
               <a:rPr lang="zh-CN" altLang="en-US" smtClean="0"/>
+              <a:t>‹#›</a:t>
             </a:fld>
             <a:endParaRPr lang="zh-CN" altLang="en-US"/>
           </a:p>
@@ -3715,7 +3695,6 @@
               <a:rPr lang="zh-CN" altLang="en-US"/>
               <a:t>单击此处编辑母版标题样式</a:t>
             </a:r>
-            <a:endParaRPr lang="zh-CN" altLang="en-US"/>
           </a:p>
         </p:txBody>
       </p:sp>
@@ -3736,6 +3715,7 @@
           <a:p>
             <a:fld id="{FC19A4FA-3D9A-4114-B0D5-759CBD56F1AB}" type="datetimeFigureOut">
               <a:rPr lang="zh-CN" altLang="en-US" smtClean="0"/>
+              <a:t>2025/9/21</a:t>
             </a:fld>
             <a:endParaRPr lang="zh-CN" altLang="en-US"/>
           </a:p>
@@ -3777,6 +3757,7 @@
           <a:p>
             <a:fld id="{506F4176-339E-4C4B-80E4-BBE9C4467EFE}" type="slidenum">
               <a:rPr lang="zh-CN" altLang="en-US" smtClean="0"/>
+              <a:t>‹#›</a:t>
             </a:fld>
             <a:endParaRPr lang="zh-CN" altLang="en-US"/>
           </a:p>
@@ -3824,6 +3805,7 @@
           <a:p>
             <a:fld id="{FC19A4FA-3D9A-4114-B0D5-759CBD56F1AB}" type="datetimeFigureOut">
               <a:rPr lang="zh-CN" altLang="en-US" smtClean="0"/>
+              <a:t>2025/9/21</a:t>
             </a:fld>
             <a:endParaRPr lang="zh-CN" altLang="en-US"/>
           </a:p>
@@ -3865,6 +3847,7 @@
           <a:p>
             <a:fld id="{506F4176-339E-4C4B-80E4-BBE9C4467EFE}" type="slidenum">
               <a:rPr lang="zh-CN" altLang="en-US" smtClean="0"/>
+              <a:t>‹#›</a:t>
             </a:fld>
             <a:endParaRPr lang="zh-CN" altLang="en-US"/>
           </a:p>
@@ -3923,7 +3906,6 @@
               <a:rPr lang="zh-CN" altLang="en-US"/>
               <a:t>单击此处编辑母版标题样式</a:t>
             </a:r>
-            <a:endParaRPr lang="zh-CN" altLang="en-US"/>
           </a:p>
         </p:txBody>
       </p:sp>
@@ -3980,7 +3962,6 @@
               <a:rPr lang="zh-CN" altLang="en-US"/>
               <a:t>单击此处编辑母版文本样式</a:t>
             </a:r>
-            <a:endParaRPr lang="zh-CN" altLang="en-US"/>
           </a:p>
           <a:p>
             <a:pPr lvl="1"/>
@@ -3988,7 +3969,6 @@
               <a:rPr lang="zh-CN" altLang="en-US"/>
               <a:t>第二级</a:t>
             </a:r>
-            <a:endParaRPr lang="zh-CN" altLang="en-US"/>
           </a:p>
           <a:p>
             <a:pPr lvl="2"/>
@@ -3996,7 +3976,6 @@
               <a:rPr lang="zh-CN" altLang="en-US"/>
               <a:t>第三级</a:t>
             </a:r>
-            <a:endParaRPr lang="zh-CN" altLang="en-US"/>
           </a:p>
           <a:p>
             <a:pPr lvl="3"/>
@@ -4004,7 +3983,6 @@
               <a:rPr lang="zh-CN" altLang="en-US"/>
               <a:t>第四级</a:t>
             </a:r>
-            <a:endParaRPr lang="zh-CN" altLang="en-US"/>
           </a:p>
           <a:p>
             <a:pPr lvl="4"/>
@@ -4012,7 +3990,6 @@
               <a:rPr lang="zh-CN" altLang="en-US"/>
               <a:t>第五级</a:t>
             </a:r>
-            <a:endParaRPr lang="zh-CN" altLang="en-US"/>
           </a:p>
         </p:txBody>
       </p:sp>
@@ -4078,7 +4055,6 @@
               <a:rPr lang="zh-CN" altLang="en-US"/>
               <a:t>单击此处编辑母版文本样式</a:t>
             </a:r>
-            <a:endParaRPr lang="zh-CN" altLang="en-US"/>
           </a:p>
         </p:txBody>
       </p:sp>
@@ -4099,6 +4075,7 @@
           <a:p>
             <a:fld id="{FC19A4FA-3D9A-4114-B0D5-759CBD56F1AB}" type="datetimeFigureOut">
               <a:rPr lang="zh-CN" altLang="en-US" smtClean="0"/>
+              <a:t>2025/9/21</a:t>
             </a:fld>
             <a:endParaRPr lang="zh-CN" altLang="en-US"/>
           </a:p>
@@ -4140,6 +4117,7 @@
           <a:p>
             <a:fld id="{506F4176-339E-4C4B-80E4-BBE9C4467EFE}" type="slidenum">
               <a:rPr lang="zh-CN" altLang="en-US" smtClean="0"/>
+              <a:t>‹#›</a:t>
             </a:fld>
             <a:endParaRPr lang="zh-CN" altLang="en-US"/>
           </a:p>
@@ -4198,7 +4176,6 @@
               <a:rPr lang="zh-CN" altLang="en-US"/>
               <a:t>单击此处编辑母版标题样式</a:t>
             </a:r>
-            <a:endParaRPr lang="zh-CN" altLang="en-US"/>
           </a:p>
         </p:txBody>
       </p:sp>
@@ -4325,7 +4302,6 @@
               <a:rPr lang="zh-CN" altLang="en-US"/>
               <a:t>单击此处编辑母版文本样式</a:t>
             </a:r>
-            <a:endParaRPr lang="zh-CN" altLang="en-US"/>
           </a:p>
         </p:txBody>
       </p:sp>
@@ -4346,6 +4322,7 @@
           <a:p>
             <a:fld id="{FC19A4FA-3D9A-4114-B0D5-759CBD56F1AB}" type="datetimeFigureOut">
               <a:rPr lang="zh-CN" altLang="en-US" smtClean="0"/>
+              <a:t>2025/9/21</a:t>
             </a:fld>
             <a:endParaRPr lang="zh-CN" altLang="en-US"/>
           </a:p>
@@ -4387,6 +4364,7 @@
           <a:p>
             <a:fld id="{506F4176-339E-4C4B-80E4-BBE9C4467EFE}" type="slidenum">
               <a:rPr lang="zh-CN" altLang="en-US" smtClean="0"/>
+              <a:t>‹#›</a:t>
             </a:fld>
             <a:endParaRPr lang="zh-CN" altLang="en-US"/>
           </a:p>
@@ -4451,7 +4429,6 @@
               <a:rPr lang="zh-CN" altLang="en-US" dirty="0"/>
               <a:t>单击此处编辑母版标题样式</a:t>
             </a:r>
-            <a:endParaRPr lang="zh-CN" altLang="en-US" dirty="0"/>
           </a:p>
         </p:txBody>
       </p:sp>
@@ -4485,7 +4462,6 @@
               <a:rPr lang="zh-CN" altLang="en-US" dirty="0"/>
               <a:t>单击此处编辑母版文本样式</a:t>
             </a:r>
-            <a:endParaRPr lang="zh-CN" altLang="en-US" dirty="0"/>
           </a:p>
           <a:p>
             <a:pPr lvl="1"/>
@@ -4493,7 +4469,6 @@
               <a:rPr lang="zh-CN" altLang="en-US" dirty="0"/>
               <a:t>第二级</a:t>
             </a:r>
-            <a:endParaRPr lang="zh-CN" altLang="en-US" dirty="0"/>
           </a:p>
           <a:p>
             <a:pPr lvl="2"/>
@@ -4501,7 +4476,6 @@
               <a:rPr lang="zh-CN" altLang="en-US" dirty="0"/>
               <a:t>第三级</a:t>
             </a:r>
-            <a:endParaRPr lang="zh-CN" altLang="en-US" dirty="0"/>
           </a:p>
           <a:p>
             <a:pPr lvl="3"/>
@@ -4509,7 +4483,6 @@
               <a:rPr lang="zh-CN" altLang="en-US" dirty="0"/>
               <a:t>第四级</a:t>
             </a:r>
-            <a:endParaRPr lang="zh-CN" altLang="en-US" dirty="0"/>
           </a:p>
           <a:p>
             <a:pPr lvl="4"/>
@@ -4517,7 +4490,6 @@
               <a:rPr lang="zh-CN" altLang="en-US" dirty="0"/>
               <a:t>第五级</a:t>
             </a:r>
-            <a:endParaRPr lang="zh-CN" altLang="en-US" dirty="0"/>
           </a:p>
         </p:txBody>
       </p:sp>
@@ -4556,6 +4528,7 @@
           <a:p>
             <a:fld id="{FC19A4FA-3D9A-4114-B0D5-759CBD56F1AB}" type="datetimeFigureOut">
               <a:rPr lang="zh-CN" altLang="en-US" smtClean="0"/>
+              <a:t>2025/9/21</a:t>
             </a:fld>
             <a:endParaRPr lang="zh-CN" altLang="en-US"/>
           </a:p>
@@ -4633,6 +4606,7 @@
           <a:p>
             <a:fld id="{506F4176-339E-4C4B-80E4-BBE9C4467EFE}" type="slidenum">
               <a:rPr lang="zh-CN" altLang="en-US" smtClean="0"/>
+              <a:t>‹#›</a:t>
             </a:fld>
             <a:endParaRPr lang="zh-CN" altLang="en-US"/>
           </a:p>
@@ -4647,7 +4621,7 @@
           <p:nvPr userDrawn="1"/>
         </p:nvPicPr>
         <p:blipFill>
-          <a:blip r:embed="rId12" cstate="print">
+          <a:blip r:embed="rId13" cstate="print">
             <a:extLst>
               <a:ext uri="{28A0092B-C50C-407E-A947-70E740481C1C}">
                 <a14:useLocalDpi xmlns:a14="http://schemas.microsoft.com/office/drawing/2010/main" val="0"/>
@@ -5290,11 +5264,6 @@
               </a:rPr>
               <a:t>(d)</a:t>
             </a:r>
-            <a:endParaRPr lang="en-US" altLang="zh-CN" sz="2400" dirty="0">
-              <a:solidFill>
-                <a:prstClr val="black"/>
-              </a:solidFill>
-            </a:endParaRPr>
           </a:p>
         </p:txBody>
       </p:sp>
@@ -5344,11 +5313,6 @@
               </a:rPr>
               <a:t>&gt;</a:t>
             </a:r>
-            <a:endParaRPr lang="en-US" altLang="zh-CN" sz="2400" b="1" dirty="0">
-              <a:solidFill>
-                <a:prstClr val="black"/>
-              </a:solidFill>
-            </a:endParaRPr>
           </a:p>
         </p:txBody>
       </p:sp>
@@ -5618,7 +5582,6 @@
               <a:rPr lang="en-US" altLang="zh-CN" sz="1600" dirty="0"/>
               <a:t>#include &lt;iostream&gt;</a:t>
             </a:r>
-            <a:endParaRPr lang="en-US" altLang="zh-CN" sz="1600" dirty="0"/>
           </a:p>
           <a:p>
             <a:r>
@@ -5633,14 +5596,12 @@
               <a:rPr lang="en-US" altLang="zh-CN" sz="1600" b="1" dirty="0"/>
               <a:t>&gt;</a:t>
             </a:r>
-            <a:endParaRPr lang="en-US" altLang="zh-CN" sz="1600" b="1" dirty="0"/>
           </a:p>
           <a:p>
             <a:r>
               <a:rPr lang="en-US" altLang="zh-CN" sz="1600" dirty="0"/>
               <a:t>using namespace std;</a:t>
             </a:r>
-            <a:endParaRPr lang="en-US" altLang="zh-CN" sz="1600" dirty="0"/>
           </a:p>
           <a:p>
             <a:endParaRPr lang="en-US" altLang="zh-CN" sz="1600" dirty="0"/>
@@ -5650,14 +5611,12 @@
               <a:rPr lang="en-US" altLang="zh-CN" sz="1600" dirty="0"/>
               <a:t>int main()</a:t>
             </a:r>
-            <a:endParaRPr lang="en-US" altLang="zh-CN" sz="1600" dirty="0"/>
           </a:p>
           <a:p>
             <a:r>
               <a:rPr lang="en-US" altLang="zh-CN" sz="1600" dirty="0"/>
               <a:t>{</a:t>
             </a:r>
-            <a:endParaRPr lang="en-US" altLang="zh-CN" sz="1600" dirty="0"/>
           </a:p>
           <a:p>
             <a:r>
@@ -5696,7 +5655,6 @@
               <a:rPr lang="en-US" altLang="zh-CN" sz="1600" dirty="0"/>
               <a:t>);</a:t>
             </a:r>
-            <a:endParaRPr lang="en-US" altLang="zh-CN" sz="1600" dirty="0"/>
           </a:p>
           <a:p>
             <a:r>
@@ -5735,7 +5693,6 @@
               <a:rPr lang="en-US" altLang="zh-CN" sz="1600" dirty="0"/>
               <a:t>;</a:t>
             </a:r>
-            <a:endParaRPr lang="en-US" altLang="zh-CN" sz="1600" dirty="0"/>
           </a:p>
           <a:p>
             <a:endParaRPr lang="en-US" altLang="zh-CN" sz="1600" dirty="0"/>
@@ -5761,7 +5718,6 @@
               <a:rPr lang="en-US" altLang="zh-CN" sz="1600" dirty="0"/>
               <a:t>;</a:t>
             </a:r>
-            <a:endParaRPr lang="en-US" altLang="zh-CN" sz="1600" dirty="0"/>
           </a:p>
           <a:p>
             <a:r>
@@ -5800,7 +5756,6 @@
               <a:rPr lang="en-US" altLang="zh-CN" sz="1600" dirty="0"/>
               <a:t>;</a:t>
             </a:r>
-            <a:endParaRPr lang="en-US" altLang="zh-CN" sz="1600" dirty="0"/>
           </a:p>
           <a:p>
             <a:r>
@@ -5839,7 +5794,6 @@
               <a:rPr lang="en-US" altLang="zh-CN" sz="1600" dirty="0"/>
               <a:t>;</a:t>
             </a:r>
-            <a:endParaRPr lang="en-US" altLang="zh-CN" sz="1600" dirty="0"/>
           </a:p>
           <a:p>
             <a:endParaRPr lang="en-US" altLang="zh-CN" sz="1600" dirty="0"/>
@@ -5865,7 +5819,6 @@
               <a:rPr lang="en-US" altLang="zh-CN" sz="1600" dirty="0"/>
               <a:t>;</a:t>
             </a:r>
-            <a:endParaRPr lang="en-US" altLang="zh-CN" sz="1600" dirty="0"/>
           </a:p>
           <a:p>
             <a:r>
@@ -5904,7 +5857,6 @@
               <a:rPr lang="en-US" altLang="zh-CN" sz="1600" dirty="0"/>
               <a:t>;</a:t>
             </a:r>
-            <a:endParaRPr lang="en-US" altLang="zh-CN" sz="1600" dirty="0"/>
           </a:p>
           <a:p>
             <a:r>
@@ -5943,7 +5895,6 @@
               <a:rPr lang="en-US" altLang="zh-CN" sz="1600" dirty="0"/>
               <a:t>;</a:t>
             </a:r>
-            <a:endParaRPr lang="en-US" altLang="zh-CN" sz="1600" dirty="0"/>
           </a:p>
           <a:p>
             <a:endParaRPr lang="en-US" altLang="zh-CN" sz="1600" dirty="0"/>
@@ -5969,7 +5920,6 @@
               <a:rPr lang="en-US" altLang="zh-CN" sz="1600" dirty="0"/>
               <a:t>::fixed);</a:t>
             </a:r>
-            <a:endParaRPr lang="en-US" altLang="zh-CN" sz="1600" dirty="0"/>
           </a:p>
           <a:p>
             <a:r>
@@ -6008,7 +5958,6 @@
               <a:rPr lang="en-US" altLang="zh-CN" sz="1600" dirty="0"/>
               <a:t>;</a:t>
             </a:r>
-            <a:endParaRPr lang="en-US" altLang="zh-CN" sz="1600" dirty="0"/>
           </a:p>
           <a:p>
             <a:endParaRPr lang="en-US" altLang="zh-CN" sz="1600" dirty="0"/>
@@ -6018,7 +5967,6 @@
               <a:rPr lang="en-US" altLang="zh-CN" sz="1600" dirty="0"/>
               <a:t>    return 0;</a:t>
             </a:r>
-            <a:endParaRPr lang="en-US" altLang="zh-CN" sz="1600" dirty="0"/>
           </a:p>
           <a:p>
             <a:r>
@@ -6038,7 +5986,7 @@
           <p:nvPr/>
         </p:nvPicPr>
         <p:blipFill>
-          <a:blip r:embed="rId1"/>
+          <a:blip r:embed="rId3"/>
           <a:stretch>
             <a:fillRect/>
           </a:stretch>
@@ -6940,7 +6888,7 @@
           <p:nvPr/>
         </p:nvPicPr>
         <p:blipFill>
-          <a:blip r:embed="rId1">
+          <a:blip r:embed="rId3">
             <a:extLst>
               <a:ext uri="{28A0092B-C50C-407E-A947-70E740481C1C}">
                 <a14:useLocalDpi xmlns:a14="http://schemas.microsoft.com/office/drawing/2010/main" val="0"/>
@@ -7004,7 +6952,7 @@
           <p:nvPr/>
         </p:nvPicPr>
         <p:blipFill>
-          <a:blip r:embed="rId2">
+          <a:blip r:embed="rId4">
             <a:extLst>
               <a:ext uri="{28A0092B-C50C-407E-A947-70E740481C1C}">
                 <a14:useLocalDpi xmlns:a14="http://schemas.microsoft.com/office/drawing/2010/main" val="0"/>
@@ -7082,7 +7030,7 @@
             <p:nvPr/>
           </p:nvPicPr>
           <p:blipFill>
-            <a:blip r:embed="rId3">
+            <a:blip r:embed="rId5">
               <a:extLst>
                 <a:ext uri="{28A0092B-C50C-407E-A947-70E740481C1C}">
                   <a14:useLocalDpi xmlns:a14="http://schemas.microsoft.com/office/drawing/2010/main" val="0"/>
@@ -7191,7 +7139,7 @@
             <p:nvPr/>
           </p:nvPicPr>
           <p:blipFill>
-            <a:blip r:embed="rId4">
+            <a:blip r:embed="rId6">
               <a:extLst>
                 <a:ext uri="{28A0092B-C50C-407E-A947-70E740481C1C}">
                   <a14:useLocalDpi xmlns:a14="http://schemas.microsoft.com/office/drawing/2010/main" val="0"/>
@@ -7663,7 +7611,14 @@
         <p:cNvGrpSpPr/>
         <p:nvPr/>
       </p:nvGrpSpPr>
-      <p:grpSpPr/>
+      <p:grpSpPr>
+        <a:xfrm>
+          <a:off x="0" y="0"/>
+          <a:ext cx="0" cy="0"/>
+          <a:chOff x="0" y="0"/>
+          <a:chExt cx="0" cy="0"/>
+        </a:xfrm>
+      </p:grpSpPr>
       <p:sp>
         <p:nvSpPr>
           <p:cNvPr id="2" name="标题 1"/>
@@ -7677,6 +7632,7 @@
         <p:spPr/>
         <p:txBody>
           <a:bodyPr/>
+          <a:lstStyle/>
           <a:p>
             <a:r>
               <a:rPr lang="en-US" altLang="zh-CN"/>
@@ -7716,120 +7672,215 @@
         </p:spPr>
         <p:txBody>
           <a:bodyPr/>
-          <a:p>
-            <a:r>
-              <a:rPr lang="en-US" altLang="zh-CN"/>
+          <a:lstStyle/>
+          <a:p>
+            <a:r>
+              <a:rPr lang="en-US" altLang="zh-CN" dirty="0"/>
               <a:t>2.1 </a:t>
             </a:r>
             <a:r>
-              <a:rPr lang="en-US" altLang="zh-CN" b="1"/>
-              <a:t>Install “gdb” (the debug tool of  C/C++)</a:t>
-            </a:r>
-            <a:endParaRPr lang="en-US" altLang="zh-CN" b="1"/>
+              <a:rPr lang="en-US" altLang="zh-CN" b="1" dirty="0"/>
+              <a:t>Install “</a:t>
+            </a:r>
+            <a:r>
+              <a:rPr lang="en-US" altLang="zh-CN" b="1" dirty="0" err="1"/>
+              <a:t>gdb</a:t>
+            </a:r>
+            <a:r>
+              <a:rPr lang="en-US" altLang="zh-CN" b="1" dirty="0"/>
+              <a:t>” (the debug tool of  C/C++)</a:t>
+            </a:r>
           </a:p>
           <a:p>
             <a:pPr lvl="1"/>
             <a:r>
-              <a:rPr lang="en-US" altLang="zh-CN"/>
-              <a:t>using cmd “</a:t>
-            </a:r>
-            <a:r>
-              <a:rPr lang="en-US" altLang="zh-CN" b="1"/>
-              <a:t>which gdb</a:t>
-            </a:r>
-            <a:r>
-              <a:rPr lang="en-US" altLang="zh-CN"/>
-              <a:t>” to check whether gdb is installed or no</a:t>
-            </a:r>
-            <a:endParaRPr lang="en-US" altLang="zh-CN"/>
+              <a:rPr lang="en-US" altLang="zh-CN" dirty="0"/>
+              <a:t>using </a:t>
+            </a:r>
+            <a:r>
+              <a:rPr lang="en-US" altLang="zh-CN" dirty="0" err="1"/>
+              <a:t>cmd</a:t>
+            </a:r>
+            <a:r>
+              <a:rPr lang="en-US" altLang="zh-CN" dirty="0"/>
+              <a:t> “</a:t>
+            </a:r>
+            <a:r>
+              <a:rPr lang="en-US" altLang="zh-CN" b="1" dirty="0"/>
+              <a:t>which </a:t>
+            </a:r>
+            <a:r>
+              <a:rPr lang="en-US" altLang="zh-CN" b="1" dirty="0" err="1"/>
+              <a:t>gdb</a:t>
+            </a:r>
+            <a:r>
+              <a:rPr lang="en-US" altLang="zh-CN" dirty="0"/>
+              <a:t>” to check whether </a:t>
+            </a:r>
+            <a:r>
+              <a:rPr lang="en-US" altLang="zh-CN" dirty="0" err="1"/>
+              <a:t>gdb</a:t>
+            </a:r>
+            <a:r>
+              <a:rPr lang="en-US" altLang="zh-CN" dirty="0"/>
+              <a:t> is installed or no</a:t>
+            </a:r>
           </a:p>
           <a:p>
             <a:pPr lvl="2"/>
             <a:r>
-              <a:rPr lang="en-US" altLang="zh-CN"/>
-              <a:t>if there is no info about gbd after running command “</a:t>
-            </a:r>
-            <a:r>
-              <a:rPr lang="en-US" altLang="zh-CN" b="1"/>
-              <a:t>which gdb</a:t>
-            </a:r>
-            <a:r>
-              <a:rPr lang="en-US" altLang="zh-CN"/>
-              <a:t>”, it means that gdb is not installed, then</a:t>
-            </a:r>
-            <a:endParaRPr lang="en-US" altLang="zh-CN"/>
+              <a:rPr lang="en-US" altLang="zh-CN" dirty="0"/>
+              <a:t>if there is no info about </a:t>
+            </a:r>
+            <a:r>
+              <a:rPr lang="en-US" altLang="zh-CN" dirty="0" err="1"/>
+              <a:t>gbd</a:t>
+            </a:r>
+            <a:r>
+              <a:rPr lang="en-US" altLang="zh-CN" dirty="0"/>
+              <a:t> after running command “</a:t>
+            </a:r>
+            <a:r>
+              <a:rPr lang="en-US" altLang="zh-CN" b="1" dirty="0"/>
+              <a:t>which </a:t>
+            </a:r>
+            <a:r>
+              <a:rPr lang="en-US" altLang="zh-CN" b="1" dirty="0" err="1"/>
+              <a:t>gdb</a:t>
+            </a:r>
+            <a:r>
+              <a:rPr lang="en-US" altLang="zh-CN" dirty="0"/>
+              <a:t>”, it means that </a:t>
+            </a:r>
+            <a:r>
+              <a:rPr lang="en-US" altLang="zh-CN" dirty="0" err="1"/>
+              <a:t>gdb</a:t>
+            </a:r>
+            <a:r>
+              <a:rPr lang="en-US" altLang="zh-CN" dirty="0"/>
+              <a:t> is not installed, then</a:t>
+            </a:r>
           </a:p>
           <a:p>
             <a:pPr lvl="3"/>
             <a:r>
-              <a:rPr lang="en-US" altLang="zh-CN">
+              <a:rPr lang="en-US" altLang="zh-CN" dirty="0">
                 <a:sym typeface="+mn-ea"/>
               </a:rPr>
               <a:t>1. using “</a:t>
             </a:r>
             <a:r>
-              <a:rPr lang="en-US" altLang="zh-CN" sz="2400" b="1">
+              <a:rPr lang="en-US" altLang="zh-CN" sz="2400" b="1" dirty="0" err="1">
                 <a:sym typeface="+mn-ea"/>
               </a:rPr>
-              <a:t>sudo apt undate</a:t>
-            </a:r>
-            <a:r>
-              <a:rPr lang="en-US" altLang="zh-CN">
+              <a:t>sudo</a:t>
+            </a:r>
+            <a:r>
+              <a:rPr lang="en-US" altLang="zh-CN" sz="2400" b="1" dirty="0">
                 <a:sym typeface="+mn-ea"/>
               </a:rPr>
+              <a:t> apt </a:t>
+            </a:r>
+            <a:r>
+              <a:rPr lang="en-US" altLang="zh-CN" sz="2400" b="1" dirty="0" err="1">
+                <a:sym typeface="+mn-ea"/>
+              </a:rPr>
+              <a:t>undate</a:t>
+            </a:r>
+            <a:r>
+              <a:rPr lang="en-US" altLang="zh-CN" dirty="0">
+                <a:sym typeface="+mn-ea"/>
+              </a:rPr>
               <a:t>” to update package list</a:t>
             </a:r>
-            <a:endParaRPr lang="en-US" altLang="zh-CN"/>
+            <a:endParaRPr lang="en-US" altLang="zh-CN" dirty="0"/>
           </a:p>
           <a:p>
             <a:pPr lvl="3"/>
             <a:r>
-              <a:rPr lang="en-US" altLang="zh-CN">
+              <a:rPr lang="en-US" altLang="zh-CN" dirty="0">
                 <a:sym typeface="+mn-ea"/>
               </a:rPr>
               <a:t>2. using “</a:t>
             </a:r>
             <a:r>
-              <a:rPr lang="en-US" altLang="zh-CN" sz="2400" b="1">
+              <a:rPr lang="en-US" altLang="zh-CN" sz="2400" b="1" dirty="0" err="1">
                 <a:sym typeface="+mn-ea"/>
               </a:rPr>
-              <a:t>sudo apt install gdb</a:t>
-            </a:r>
-            <a:r>
-              <a:rPr lang="en-US" altLang="zh-CN">
+              <a:t>sudo</a:t>
+            </a:r>
+            <a:r>
+              <a:rPr lang="en-US" altLang="zh-CN" sz="2400" b="1" dirty="0">
                 <a:sym typeface="+mn-ea"/>
               </a:rPr>
-              <a:t>” to install gdb</a:t>
-            </a:r>
-            <a:endParaRPr lang="en-US" altLang="zh-CN">
+              <a:t> apt install </a:t>
+            </a:r>
+            <a:r>
+              <a:rPr lang="en-US" altLang="zh-CN" sz="2400" b="1" dirty="0" err="1">
+                <a:sym typeface="+mn-ea"/>
+              </a:rPr>
+              <a:t>gdb</a:t>
+            </a:r>
+            <a:r>
+              <a:rPr lang="en-US" altLang="zh-CN" dirty="0">
+                <a:sym typeface="+mn-ea"/>
+              </a:rPr>
+              <a:t>” to install </a:t>
+            </a:r>
+            <a:r>
+              <a:rPr lang="en-US" altLang="zh-CN" dirty="0" err="1">
+                <a:sym typeface="+mn-ea"/>
+              </a:rPr>
+              <a:t>gdb</a:t>
+            </a:r>
+            <a:endParaRPr lang="en-US" altLang="zh-CN" dirty="0">
               <a:sym typeface="+mn-ea"/>
             </a:endParaRPr>
           </a:p>
           <a:p>
             <a:pPr lvl="3"/>
-            <a:endParaRPr lang="en-US" altLang="zh-CN"/>
+            <a:endParaRPr lang="en-US" altLang="zh-CN" dirty="0"/>
           </a:p>
           <a:p>
             <a:pPr lvl="2"/>
             <a:r>
-              <a:rPr lang="en-US" altLang="zh-CN"/>
-              <a:t>If the installation directory of gdb is displayed after running  command “</a:t>
-            </a:r>
-            <a:r>
-              <a:rPr lang="en-US" altLang="zh-CN" b="1"/>
-              <a:t>which gdb</a:t>
-            </a:r>
-            <a:r>
-              <a:rPr lang="en-US" altLang="zh-CN"/>
-              <a:t>” is executed, it means that gdb has been successfully installed.</a:t>
-            </a:r>
-            <a:endParaRPr lang="en-US" altLang="zh-CN"/>
+              <a:rPr lang="en-US" altLang="zh-CN" dirty="0"/>
+              <a:t>If the installation directory of </a:t>
+            </a:r>
+            <a:r>
+              <a:rPr lang="en-US" altLang="zh-CN" dirty="0" err="1"/>
+              <a:t>gdb</a:t>
+            </a:r>
+            <a:r>
+              <a:rPr lang="en-US" altLang="zh-CN" dirty="0"/>
+              <a:t> is displayed after running  command “</a:t>
+            </a:r>
+            <a:r>
+              <a:rPr lang="en-US" altLang="zh-CN" b="1" dirty="0"/>
+              <a:t>which </a:t>
+            </a:r>
+            <a:r>
+              <a:rPr lang="en-US" altLang="zh-CN" b="1" dirty="0" err="1"/>
+              <a:t>gdb</a:t>
+            </a:r>
+            <a:r>
+              <a:rPr lang="en-US" altLang="zh-CN" dirty="0"/>
+              <a:t>” is executed, it means that </a:t>
+            </a:r>
+            <a:r>
+              <a:rPr lang="en-US" altLang="zh-CN" dirty="0" err="1"/>
+              <a:t>gdb</a:t>
+            </a:r>
+            <a:r>
+              <a:rPr lang="en-US" altLang="zh-CN" dirty="0"/>
+              <a:t> has been successfully installed.</a:t>
+            </a:r>
           </a:p>
           <a:p>
             <a:pPr marL="457200" lvl="1" indent="0">
               <a:buNone/>
             </a:pPr>
-            <a:endParaRPr lang="en-US" altLang="zh-CN"/>
+            <a:endParaRPr lang="en-US" altLang="zh-CN" dirty="0"/>
           </a:p>
         </p:txBody>
       </p:sp>
@@ -7842,7 +7893,7 @@
           <p:nvPr/>
         </p:nvPicPr>
         <p:blipFill>
-          <a:blip r:embed="rId1"/>
+          <a:blip r:embed="rId3"/>
           <a:stretch>
             <a:fillRect/>
           </a:stretch>
@@ -7865,12 +7916,12 @@
           </p:cNvPicPr>
           <p:nvPr>
             <p:custDataLst>
-              <p:tags r:id="rId2"/>
+              <p:tags r:id="rId1"/>
             </p:custDataLst>
           </p:nvPr>
         </p:nvPicPr>
         <p:blipFill>
-          <a:blip r:embed="rId3"/>
+          <a:blip r:embed="rId4"/>
           <a:stretch>
             <a:fillRect/>
           </a:stretch>
@@ -7902,7 +7953,14 @@
         <p:cNvGrpSpPr/>
         <p:nvPr/>
       </p:nvGrpSpPr>
-      <p:grpSpPr/>
+      <p:grpSpPr>
+        <a:xfrm>
+          <a:off x="0" y="0"/>
+          <a:ext cx="0" cy="0"/>
+          <a:chOff x="0" y="0"/>
+          <a:chExt cx="0" cy="0"/>
+        </a:xfrm>
+      </p:grpSpPr>
       <p:sp>
         <p:nvSpPr>
           <p:cNvPr id="2" name="标题 1"/>
@@ -7916,12 +7974,17 @@
         <p:spPr/>
         <p:txBody>
           <a:bodyPr/>
-          <a:p>
-            <a:r>
-              <a:rPr lang="en-US" altLang="zh-CN"/>
-              <a:t>commands for install gdb</a:t>
-            </a:r>
-            <a:endParaRPr lang="en-US" altLang="zh-CN"/>
+          <a:lstStyle/>
+          <a:p>
+            <a:r>
+              <a:rPr lang="en-US" altLang="zh-CN" dirty="0"/>
+              <a:t>commands for install </a:t>
+            </a:r>
+            <a:r>
+              <a:rPr lang="en-US" altLang="zh-CN" dirty="0" err="1"/>
+              <a:t>gdb</a:t>
+            </a:r>
+            <a:endParaRPr lang="en-US" altLang="zh-CN" dirty="0"/>
           </a:p>
         </p:txBody>
       </p:sp>
@@ -7929,14 +7992,14 @@
         <p:nvPicPr>
           <p:cNvPr id="4" name="内容占位符 3"/>
           <p:cNvPicPr>
-            <a:picLocks noChangeAspect="1"/>
+            <a:picLocks noGrp="1" noChangeAspect="1"/>
           </p:cNvPicPr>
           <p:nvPr>
             <p:ph idx="1"/>
           </p:nvPr>
         </p:nvPicPr>
         <p:blipFill>
-          <a:blip r:embed="rId1"/>
+          <a:blip r:embed="rId2"/>
           <a:stretch>
             <a:fillRect/>
           </a:stretch>
@@ -7968,7 +8031,14 @@
         <p:cNvGrpSpPr/>
         <p:nvPr/>
       </p:nvGrpSpPr>
-      <p:grpSpPr/>
+      <p:grpSpPr>
+        <a:xfrm>
+          <a:off x="0" y="0"/>
+          <a:ext cx="0" cy="0"/>
+          <a:chOff x="0" y="0"/>
+          <a:chExt cx="0" cy="0"/>
+        </a:xfrm>
+      </p:grpSpPr>
       <p:sp>
         <p:nvSpPr>
           <p:cNvPr id="2" name="标题 1"/>
@@ -7982,6 +8052,7 @@
         <p:spPr/>
         <p:txBody>
           <a:bodyPr/>
+          <a:lstStyle/>
           <a:p>
             <a:r>
               <a:rPr lang="en-US" altLang="zh-CN">
@@ -8023,70 +8094,151 @@
         </p:spPr>
         <p:txBody>
           <a:bodyPr/>
-          <a:p>
-            <a:r>
-              <a:rPr lang="en-US" altLang="zh-CN"/>
-              <a:t>2.2 </a:t>
-            </a:r>
-            <a:r>
-              <a:rPr lang="en-US" altLang="zh-CN"/>
-              <a:t>configure VSCode for using gdb to debug C/C++ code</a:t>
-            </a:r>
-            <a:endParaRPr lang="zh-CN" altLang="en-US"/>
+          <a:lstStyle/>
+          <a:p>
+            <a:r>
+              <a:rPr lang="en-US" altLang="zh-CN" dirty="0"/>
+              <a:t>2.2 configure </a:t>
+            </a:r>
+            <a:r>
+              <a:rPr lang="en-US" altLang="zh-CN" dirty="0" err="1"/>
+              <a:t>VSCode</a:t>
+            </a:r>
+            <a:r>
+              <a:rPr lang="en-US" altLang="zh-CN" dirty="0"/>
+              <a:t> for using </a:t>
+            </a:r>
+            <a:r>
+              <a:rPr lang="en-US" altLang="zh-CN" dirty="0" err="1"/>
+              <a:t>gdb</a:t>
+            </a:r>
+            <a:r>
+              <a:rPr lang="en-US" altLang="zh-CN" dirty="0"/>
+              <a:t> to debug C/C++ code</a:t>
+            </a:r>
+            <a:endParaRPr lang="zh-CN" altLang="en-US" dirty="0"/>
           </a:p>
           <a:p>
             <a:pPr lvl="1"/>
             <a:r>
-              <a:rPr lang="en-US" altLang="zh-CN"/>
-              <a:t>create and edit “.vscode” folder and json files</a:t>
-            </a:r>
-            <a:endParaRPr lang="en-US" altLang="zh-CN"/>
+              <a:rPr lang="en-US" altLang="zh-CN" dirty="0"/>
+              <a:t>create and edit “.</a:t>
+            </a:r>
+            <a:r>
+              <a:rPr lang="en-US" altLang="zh-CN" dirty="0" err="1"/>
+              <a:t>vscode</a:t>
+            </a:r>
+            <a:r>
+              <a:rPr lang="en-US" altLang="zh-CN" dirty="0"/>
+              <a:t>” folder and </a:t>
+            </a:r>
+            <a:r>
+              <a:rPr lang="en-US" altLang="zh-CN" dirty="0" err="1"/>
+              <a:t>json</a:t>
+            </a:r>
+            <a:r>
+              <a:rPr lang="en-US" altLang="zh-CN" dirty="0"/>
+              <a:t> files</a:t>
+            </a:r>
           </a:p>
           <a:p>
             <a:pPr lvl="2"/>
             <a:r>
-              <a:rPr lang="en-US" altLang="zh-CN"/>
-              <a:t>step1. create a new folder named “.vscode” in the directory of C/C++ codes</a:t>
-            </a:r>
-            <a:endParaRPr lang="en-US" altLang="zh-CN"/>
+              <a:rPr lang="en-US" altLang="zh-CN" dirty="0"/>
+              <a:t>step1. create a new folder named “.</a:t>
+            </a:r>
+            <a:r>
+              <a:rPr lang="en-US" altLang="zh-CN" dirty="0" err="1"/>
+              <a:t>vscode</a:t>
+            </a:r>
+            <a:r>
+              <a:rPr lang="en-US" altLang="zh-CN" dirty="0"/>
+              <a:t>” in the directory of C/C++ codes</a:t>
+            </a:r>
           </a:p>
           <a:p>
             <a:pPr lvl="2"/>
-            <a:endParaRPr lang="en-US" altLang="zh-CN" sz="1800"/>
+            <a:endParaRPr lang="en-US" altLang="zh-CN" sz="1800" dirty="0"/>
           </a:p>
           <a:p>
             <a:pPr lvl="2"/>
             <a:r>
-              <a:rPr lang="en-US" altLang="zh-CN"/>
-              <a:t>step2. create a new json file named “launch.json” in the “.vscode” folder which is created in step1</a:t>
-            </a:r>
-            <a:endParaRPr lang="zh-CN" altLang="en-US"/>
+              <a:rPr lang="en-US" altLang="zh-CN" dirty="0"/>
+              <a:t>step2. create a new </a:t>
+            </a:r>
+            <a:r>
+              <a:rPr lang="en-US" altLang="zh-CN" dirty="0" err="1"/>
+              <a:t>json</a:t>
+            </a:r>
+            <a:r>
+              <a:rPr lang="en-US" altLang="zh-CN" dirty="0"/>
+              <a:t> file named “</a:t>
+            </a:r>
+            <a:r>
+              <a:rPr lang="en-US" altLang="zh-CN" dirty="0" err="1"/>
+              <a:t>launch.json</a:t>
+            </a:r>
+            <a:r>
+              <a:rPr lang="en-US" altLang="zh-CN" dirty="0"/>
+              <a:t>” in the “.</a:t>
+            </a:r>
+            <a:r>
+              <a:rPr lang="en-US" altLang="zh-CN" dirty="0" err="1"/>
+              <a:t>vscode</a:t>
+            </a:r>
+            <a:r>
+              <a:rPr lang="en-US" altLang="zh-CN" dirty="0"/>
+              <a:t>” folder which is created in step1</a:t>
+            </a:r>
+            <a:endParaRPr lang="zh-CN" altLang="en-US" dirty="0"/>
           </a:p>
           <a:p>
             <a:pPr lvl="3"/>
             <a:r>
-              <a:rPr lang="en-US" altLang="zh-CN"/>
+              <a:rPr lang="en-US" altLang="zh-CN" dirty="0"/>
               <a:t>edit “</a:t>
             </a:r>
             <a:r>
-              <a:rPr lang="en-US" altLang="zh-CN">
+              <a:rPr lang="en-US" altLang="zh-CN" dirty="0" err="1">
                 <a:sym typeface="+mn-ea"/>
               </a:rPr>
               <a:t>launch.json</a:t>
             </a:r>
             <a:r>
-              <a:rPr lang="en-US" altLang="zh-CN"/>
-              <a:t>” to set gdb for debugging the execute file which is created by “g++ -g" / “gcc -g”</a:t>
-            </a:r>
-            <a:endParaRPr lang="en-US" altLang="zh-CN"/>
+              <a:rPr lang="en-US" altLang="zh-CN" dirty="0"/>
+              <a:t>” to set </a:t>
+            </a:r>
+            <a:r>
+              <a:rPr lang="en-US" altLang="zh-CN" dirty="0" err="1"/>
+              <a:t>gdb</a:t>
+            </a:r>
+            <a:r>
+              <a:rPr lang="en-US" altLang="zh-CN" dirty="0"/>
+              <a:t> for debugging the execute file which is created by “g++ -g" / “</a:t>
+            </a:r>
+            <a:r>
+              <a:rPr lang="en-US" altLang="zh-CN" dirty="0" err="1"/>
+              <a:t>gcc</a:t>
+            </a:r>
+            <a:r>
+              <a:rPr lang="en-US" altLang="zh-CN" dirty="0"/>
+              <a:t> -g”</a:t>
+            </a:r>
           </a:p>
           <a:p>
             <a:pPr lvl="4"/>
             <a:r>
-              <a:rPr lang="en-US" altLang="zh-CN"/>
-              <a:t>tips: option “-g” used with gcc/g++ is to generate information for debugging  while compiling the C/C++ source code.</a:t>
-            </a:r>
-            <a:endParaRPr lang="en-US" altLang="zh-CN"/>
+              <a:rPr lang="en-US" altLang="zh-CN" dirty="0"/>
+              <a:t>tips: option “-g” used with </a:t>
+            </a:r>
+            <a:r>
+              <a:rPr lang="en-US" altLang="zh-CN" dirty="0" err="1"/>
+              <a:t>gcc</a:t>
+            </a:r>
+            <a:r>
+              <a:rPr lang="en-US" altLang="zh-CN" dirty="0"/>
+              <a:t>/g++ is to generate information for debugging  while compiling the C/C++ source code.</a:t>
+            </a:r>
           </a:p>
         </p:txBody>
       </p:sp>
@@ -8107,6 +8259,7 @@
         </p:spPr>
         <p:txBody>
           <a:bodyPr/>
+          <a:lstStyle/>
           <a:p>
             <a:endParaRPr sz="1600"/>
           </a:p>
@@ -8129,6 +8282,7 @@
         </p:spPr>
         <p:txBody>
           <a:bodyPr/>
+          <a:lstStyle/>
           <a:p>
             <a:endParaRPr sz="1600"/>
           </a:p>
@@ -8151,6 +8305,7 @@
         </p:spPr>
         <p:txBody>
           <a:bodyPr/>
+          <a:lstStyle/>
           <a:p>
             <a:endParaRPr sz="1600"/>
           </a:p>
@@ -8173,6 +8328,7 @@
         </p:spPr>
         <p:txBody>
           <a:bodyPr/>
+          <a:lstStyle/>
           <a:p>
             <a:endParaRPr sz="1600"/>
           </a:p>
@@ -8198,6 +8354,7 @@
           <a:bodyPr wrap="square" rtlCol="0" anchor="t">
             <a:spAutoFit/>
           </a:bodyPr>
+          <a:lstStyle/>
           <a:p>
             <a:r>
               <a:rPr lang="en-US" altLang="zh-CN"/>
@@ -8216,7 +8373,7 @@
           <p:nvPr/>
         </p:nvPicPr>
         <p:blipFill>
-          <a:blip r:embed="rId1"/>
+          <a:blip r:embed="rId2"/>
           <a:stretch>
             <a:fillRect/>
           </a:stretch>
@@ -8248,7 +8405,14 @@
         <p:cNvGrpSpPr/>
         <p:nvPr/>
       </p:nvGrpSpPr>
-      <p:grpSpPr/>
+      <p:grpSpPr>
+        <a:xfrm>
+          <a:off x="0" y="0"/>
+          <a:ext cx="0" cy="0"/>
+          <a:chOff x="0" y="0"/>
+          <a:chExt cx="0" cy="0"/>
+        </a:xfrm>
+      </p:grpSpPr>
       <p:sp>
         <p:nvSpPr>
           <p:cNvPr id="10" name="文本框 9"/>
@@ -8274,54 +8438,48 @@
           <a:bodyPr wrap="square" rtlCol="0">
             <a:noAutofit/>
           </a:bodyPr>
+          <a:lstStyle/>
           <a:p>
             <a:r>
               <a:rPr lang="en-US" altLang="zh-CN" sz="1400"/>
               <a:t>{</a:t>
             </a:r>
-            <a:endParaRPr lang="en-US" altLang="zh-CN" sz="1400"/>
           </a:p>
           <a:p>
             <a:r>
               <a:rPr lang="en-US" altLang="zh-CN" sz="1400"/>
               <a:t>    "version": "0.2.0",</a:t>
             </a:r>
-            <a:endParaRPr lang="en-US" altLang="zh-CN" sz="1400"/>
           </a:p>
           <a:p>
             <a:r>
               <a:rPr lang="en-US" altLang="zh-CN" sz="1400"/>
               <a:t>    "configurations": [</a:t>
             </a:r>
-            <a:endParaRPr lang="en-US" altLang="zh-CN" sz="1400"/>
           </a:p>
           <a:p>
             <a:r>
               <a:rPr lang="en-US" altLang="zh-CN" sz="1400"/>
               <a:t>        {</a:t>
             </a:r>
-            <a:endParaRPr lang="en-US" altLang="zh-CN" sz="1400"/>
           </a:p>
           <a:p>
             <a:r>
               <a:rPr lang="en-US" altLang="zh-CN" sz="1400"/>
               <a:t>            "name": "(gdb) Launch",</a:t>
             </a:r>
-            <a:endParaRPr lang="en-US" altLang="zh-CN" sz="1400"/>
           </a:p>
           <a:p>
             <a:r>
               <a:rPr lang="en-US" altLang="zh-CN" sz="1400"/>
               <a:t>            "type": "cppdbg",</a:t>
             </a:r>
-            <a:endParaRPr lang="en-US" altLang="zh-CN" sz="1400"/>
           </a:p>
           <a:p>
             <a:r>
               <a:rPr lang="en-US" altLang="zh-CN" sz="1400"/>
               <a:t>            "request": "launch",</a:t>
             </a:r>
-            <a:endParaRPr lang="en-US" altLang="zh-CN" sz="1400"/>
           </a:p>
           <a:p>
             <a:r>
@@ -8340,154 +8498,132 @@
               <a:rPr lang="en-US" altLang="zh-CN" sz="1400"/>
               <a:t>",</a:t>
             </a:r>
-            <a:endParaRPr lang="en-US" altLang="zh-CN" sz="1400"/>
           </a:p>
           <a:p>
             <a:r>
               <a:rPr lang="en-US" altLang="zh-CN" sz="1400"/>
               <a:t>            "args": [],</a:t>
             </a:r>
-            <a:endParaRPr lang="en-US" altLang="zh-CN" sz="1400"/>
           </a:p>
           <a:p>
             <a:r>
               <a:rPr lang="en-US" altLang="zh-CN" sz="1400"/>
               <a:t>            "stopAtEntry": false,</a:t>
             </a:r>
-            <a:endParaRPr lang="en-US" altLang="zh-CN" sz="1400"/>
           </a:p>
           <a:p>
             <a:r>
               <a:rPr lang="en-US" altLang="zh-CN" sz="1400"/>
               <a:t>            "cwd": "${workspaceFolder}",</a:t>
             </a:r>
-            <a:endParaRPr lang="en-US" altLang="zh-CN" sz="1400"/>
           </a:p>
           <a:p>
             <a:r>
               <a:rPr lang="en-US" altLang="zh-CN" sz="1400"/>
               <a:t>            "environment": [],</a:t>
             </a:r>
-            <a:endParaRPr lang="en-US" altLang="zh-CN" sz="1400"/>
           </a:p>
           <a:p>
             <a:r>
               <a:rPr lang="en-US" altLang="zh-CN" sz="1400"/>
               <a:t>            "externalConsole": false,</a:t>
             </a:r>
-            <a:endParaRPr lang="en-US" altLang="zh-CN" sz="1400"/>
           </a:p>
           <a:p>
             <a:r>
               <a:rPr lang="en-US" altLang="zh-CN" sz="1400"/>
               <a:t>            "MIMode": "gdb",</a:t>
             </a:r>
-            <a:endParaRPr lang="en-US" altLang="zh-CN" sz="1400"/>
           </a:p>
           <a:p>
             <a:r>
               <a:rPr lang="en-US" altLang="zh-CN" sz="1400"/>
               <a:t>            "setupCommands": [</a:t>
             </a:r>
-            <a:endParaRPr lang="en-US" altLang="zh-CN" sz="1400"/>
           </a:p>
           <a:p>
             <a:r>
               <a:rPr lang="en-US" altLang="zh-CN" sz="1400"/>
               <a:t>                {</a:t>
             </a:r>
-            <a:endParaRPr lang="en-US" altLang="zh-CN" sz="1400"/>
           </a:p>
           <a:p>
             <a:r>
               <a:rPr lang="en-US" altLang="zh-CN" sz="1400"/>
               <a:t>                    "description": "Enable pretty-printing for gdb",</a:t>
             </a:r>
-            <a:endParaRPr lang="en-US" altLang="zh-CN" sz="1400"/>
           </a:p>
           <a:p>
             <a:r>
               <a:rPr lang="en-US" altLang="zh-CN" sz="1400"/>
               <a:t>                    "text": "-enable-pretty-printing",</a:t>
             </a:r>
-            <a:endParaRPr lang="en-US" altLang="zh-CN" sz="1400"/>
           </a:p>
           <a:p>
             <a:r>
               <a:rPr lang="en-US" altLang="zh-CN" sz="1400"/>
               <a:t>                    "ignoreFailures": true</a:t>
             </a:r>
-            <a:endParaRPr lang="en-US" altLang="zh-CN" sz="1400"/>
           </a:p>
           <a:p>
             <a:r>
               <a:rPr lang="en-US" altLang="zh-CN" sz="1400"/>
               <a:t>                },</a:t>
             </a:r>
-            <a:endParaRPr lang="en-US" altLang="zh-CN" sz="1400"/>
           </a:p>
           <a:p>
             <a:r>
               <a:rPr lang="en-US" altLang="zh-CN" sz="1400"/>
               <a:t>                {</a:t>
             </a:r>
-            <a:endParaRPr lang="en-US" altLang="zh-CN" sz="1400"/>
           </a:p>
           <a:p>
             <a:r>
               <a:rPr lang="en-US" altLang="zh-CN" sz="1400"/>
               <a:t>                    "description": "Set Disassembly Flavor to Intel",</a:t>
             </a:r>
-            <a:endParaRPr lang="en-US" altLang="zh-CN" sz="1400"/>
           </a:p>
           <a:p>
             <a:r>
               <a:rPr lang="en-US" altLang="zh-CN" sz="1400"/>
               <a:t>                    "text": "-gdb-set disassembly-flavor intel",</a:t>
             </a:r>
-            <a:endParaRPr lang="en-US" altLang="zh-CN" sz="1400"/>
           </a:p>
           <a:p>
             <a:r>
               <a:rPr lang="en-US" altLang="zh-CN" sz="1400"/>
               <a:t>                    "ignoreFailures": true</a:t>
             </a:r>
-            <a:endParaRPr lang="en-US" altLang="zh-CN" sz="1400"/>
           </a:p>
           <a:p>
             <a:r>
               <a:rPr lang="en-US" altLang="zh-CN" sz="1400"/>
               <a:t>                }</a:t>
             </a:r>
-            <a:endParaRPr lang="en-US" altLang="zh-CN" sz="1400"/>
           </a:p>
           <a:p>
             <a:r>
               <a:rPr lang="en-US" altLang="zh-CN" sz="1400"/>
               <a:t>            ]</a:t>
             </a:r>
-            <a:endParaRPr lang="en-US" altLang="zh-CN" sz="1400"/>
           </a:p>
           <a:p>
             <a:r>
               <a:rPr lang="en-US" altLang="zh-CN" sz="1400"/>
               <a:t>        }</a:t>
             </a:r>
-            <a:endParaRPr lang="en-US" altLang="zh-CN" sz="1400"/>
           </a:p>
           <a:p>
             <a:r>
               <a:rPr lang="en-US" altLang="zh-CN" sz="1400"/>
               <a:t>    ]</a:t>
             </a:r>
-            <a:endParaRPr lang="en-US" altLang="zh-CN" sz="1400"/>
           </a:p>
           <a:p>
             <a:r>
               <a:rPr lang="en-US" altLang="zh-CN" sz="1400"/>
               <a:t>}</a:t>
             </a:r>
-            <a:endParaRPr lang="en-US" altLang="zh-CN" sz="1400"/>
           </a:p>
         </p:txBody>
       </p:sp>
@@ -8511,24 +8647,25 @@
           <a:bodyPr wrap="square" rtlCol="0">
             <a:spAutoFit/>
           </a:bodyPr>
-          <a:p>
-            <a:r>
-              <a:rPr lang="en-US" altLang="zh-CN">
+          <a:lstStyle/>
+          <a:p>
+            <a:r>
+              <a:rPr lang="en-US" altLang="zh-CN" dirty="0">
                 <a:sym typeface="+mn-ea"/>
               </a:rPr>
               <a:t>&lt;---    An example of </a:t>
             </a:r>
             <a:r>
-              <a:rPr lang="en-US" altLang="zh-CN"/>
+              <a:rPr lang="en-US" altLang="zh-CN" dirty="0" err="1"/>
               <a:t>launch.json</a:t>
             </a:r>
-            <a:endParaRPr lang="en-US" altLang="zh-CN"/>
-          </a:p>
-          <a:p>
-            <a:endParaRPr lang="en-US" altLang="zh-CN"/>
-          </a:p>
-          <a:p>
-            <a:endParaRPr lang="en-US" altLang="zh-CN"/>
+            <a:endParaRPr lang="en-US" altLang="zh-CN" dirty="0"/>
+          </a:p>
+          <a:p>
+            <a:endParaRPr lang="en-US" altLang="zh-CN" dirty="0"/>
+          </a:p>
+          <a:p>
+            <a:endParaRPr lang="en-US" altLang="zh-CN" dirty="0"/>
           </a:p>
         </p:txBody>
       </p:sp>
@@ -8552,12 +8689,13 @@
           <a:bodyPr wrap="square" rtlCol="0" anchor="t">
             <a:spAutoFit/>
           </a:bodyPr>
-          <a:p>
-            <a:r>
-              <a:rPr lang="en-US" altLang="zh-CN"/>
+          <a:lstStyle/>
+          <a:p>
+            <a:r>
+              <a:rPr lang="en-US" altLang="zh-CN" dirty="0"/>
               <a:t>https://code.visualstudio.com/docs/cpp/config-linux</a:t>
             </a:r>
-            <a:endParaRPr lang="zh-CN" altLang="en-US"/>
+            <a:endParaRPr lang="zh-CN" altLang="en-US" dirty="0"/>
           </a:p>
         </p:txBody>
       </p:sp>
@@ -8574,7 +8712,7 @@
           </p:nvPr>
         </p:nvPicPr>
         <p:blipFill>
-          <a:blip r:embed="rId2"/>
+          <a:blip r:embed="rId3"/>
           <a:stretch>
             <a:fillRect/>
           </a:stretch>
@@ -8606,7 +8744,14 @@
         <p:cNvGrpSpPr/>
         <p:nvPr/>
       </p:nvGrpSpPr>
-      <p:grpSpPr/>
+      <p:grpSpPr>
+        <a:xfrm>
+          <a:off x="0" y="0"/>
+          <a:ext cx="0" cy="0"/>
+          <a:chOff x="0" y="0"/>
+          <a:chExt cx="0" cy="0"/>
+        </a:xfrm>
+      </p:grpSpPr>
       <p:sp>
         <p:nvSpPr>
           <p:cNvPr id="2" name="标题 1"/>
@@ -8620,6 +8765,7 @@
         <p:spPr/>
         <p:txBody>
           <a:bodyPr/>
+          <a:lstStyle/>
           <a:p>
             <a:r>
               <a:rPr lang="en-US" altLang="zh-CN">
@@ -8661,12 +8807,12 @@
         </p:spPr>
         <p:txBody>
           <a:bodyPr/>
+          <a:lstStyle/>
           <a:p>
             <a:r>
               <a:rPr lang="en-US" altLang="zh-CN"/>
               <a:t>2.3 lunch gdb to debug in VS Code by “Run and Debug” </a:t>
             </a:r>
-            <a:endParaRPr lang="en-US" altLang="zh-CN"/>
           </a:p>
           <a:p>
             <a:pPr lvl="1"/>
@@ -8682,7 +8828,6 @@
               <a:rPr lang="en-US" altLang="zh-CN"/>
               <a:t>” option to generate information for debug and generate the executable file</a:t>
             </a:r>
-            <a:endParaRPr lang="en-US" altLang="zh-CN"/>
           </a:p>
           <a:p>
             <a:pPr lvl="2"/>
@@ -8715,7 +8860,7 @@
           <p:nvPr/>
         </p:nvPicPr>
         <p:blipFill>
-          <a:blip r:embed="rId1"/>
+          <a:blip r:embed="rId2"/>
           <a:stretch>
             <a:fillRect/>
           </a:stretch>
@@ -8747,6 +8892,7 @@
         </p:spPr>
         <p:txBody>
           <a:bodyPr/>
+          <a:lstStyle/>
           <a:p>
             <a:endParaRPr sz="1600"/>
           </a:p>
@@ -8759,7 +8905,7 @@
           <p:nvPr/>
         </p:nvPicPr>
         <p:blipFill>
-          <a:blip r:embed="rId2"/>
+          <a:blip r:embed="rId3"/>
           <a:stretch>
             <a:fillRect/>
           </a:stretch>
@@ -8791,6 +8937,7 @@
         </p:spPr>
         <p:txBody>
           <a:bodyPr/>
+          <a:lstStyle/>
           <a:p>
             <a:endParaRPr sz="1600"/>
           </a:p>
@@ -8891,6 +9038,7 @@
         </p:spPr>
         <p:txBody>
           <a:bodyPr/>
+          <a:lstStyle/>
           <a:p>
             <a:endParaRPr sz="1600"/>
           </a:p>
@@ -8913,6 +9061,7 @@
         </p:spPr>
         <p:txBody>
           <a:bodyPr/>
+          <a:lstStyle/>
           <a:p>
             <a:endParaRPr sz="1600"/>
           </a:p>
@@ -8927,7 +9076,7 @@
           <p:nvPr/>
         </p:nvPicPr>
         <p:blipFill>
-          <a:blip r:embed="rId3"/>
+          <a:blip r:embed="rId4"/>
           <a:stretch>
             <a:fillRect/>
           </a:stretch>
@@ -8959,7 +9108,14 @@
         <p:cNvGrpSpPr/>
         <p:nvPr/>
       </p:nvGrpSpPr>
-      <p:grpSpPr/>
+      <p:grpSpPr>
+        <a:xfrm>
+          <a:off x="0" y="0"/>
+          <a:ext cx="0" cy="0"/>
+          <a:chOff x="0" y="0"/>
+          <a:chExt cx="0" cy="0"/>
+        </a:xfrm>
+      </p:grpSpPr>
       <p:sp>
         <p:nvSpPr>
           <p:cNvPr id="2" name="标题 1"/>
@@ -8973,6 +9129,7 @@
         <p:spPr/>
         <p:txBody>
           <a:bodyPr/>
+          <a:lstStyle/>
           <a:p>
             <a:r>
               <a:rPr lang="en-US" altLang="zh-CN">
@@ -9009,12 +9166,12 @@
         <p:spPr/>
         <p:txBody>
           <a:bodyPr/>
+          <a:lstStyle/>
           <a:p>
             <a:r>
               <a:rPr lang="en-US"/>
               <a:t>2.4 set “breakpoint” on source file, lunch gdb to run and debug  </a:t>
             </a:r>
-            <a:endParaRPr lang="en-US"/>
           </a:p>
         </p:txBody>
       </p:sp>
@@ -9035,6 +9192,7 @@
         </p:spPr>
         <p:txBody>
           <a:bodyPr/>
+          <a:lstStyle/>
           <a:p>
             <a:endParaRPr sz="1600"/>
           </a:p>
@@ -9057,6 +9215,7 @@
         </p:spPr>
         <p:txBody>
           <a:bodyPr/>
+          <a:lstStyle/>
           <a:p>
             <a:endParaRPr sz="1600"/>
           </a:p>
@@ -9079,6 +9238,7 @@
         </p:spPr>
         <p:txBody>
           <a:bodyPr/>
+          <a:lstStyle/>
           <a:p>
             <a:endParaRPr sz="1600"/>
           </a:p>
@@ -9101,6 +9261,7 @@
         </p:spPr>
         <p:txBody>
           <a:bodyPr/>
+          <a:lstStyle/>
           <a:p>
             <a:endParaRPr sz="1600"/>
           </a:p>
@@ -9123,6 +9284,7 @@
         </p:spPr>
         <p:txBody>
           <a:bodyPr/>
+          <a:lstStyle/>
           <a:p>
             <a:endParaRPr sz="1600"/>
           </a:p>
@@ -9145,6 +9307,7 @@
         </p:spPr>
         <p:txBody>
           <a:bodyPr/>
+          <a:lstStyle/>
           <a:p>
             <a:endParaRPr sz="1600"/>
           </a:p>
@@ -9159,7 +9322,7 @@
           <p:nvPr/>
         </p:nvPicPr>
         <p:blipFill>
-          <a:blip r:embed="rId1"/>
+          <a:blip r:embed="rId2"/>
           <a:stretch>
             <a:fillRect/>
           </a:stretch>
@@ -9191,6 +9354,7 @@
         </p:spPr>
         <p:txBody>
           <a:bodyPr/>
+          <a:lstStyle/>
           <a:p>
             <a:endParaRPr sz="1600"/>
           </a:p>
@@ -9203,7 +9367,7 @@
           <p:nvPr/>
         </p:nvPicPr>
         <p:blipFill>
-          <a:blip r:embed="rId2"/>
+          <a:blip r:embed="rId3"/>
           <a:stretch>
             <a:fillRect/>
           </a:stretch>
@@ -9235,6 +9399,7 @@
         </p:spPr>
         <p:txBody>
           <a:bodyPr/>
+          <a:lstStyle/>
           <a:p>
             <a:endParaRPr sz="1600"/>
           </a:p>
@@ -9260,6 +9425,7 @@
           <a:bodyPr wrap="square" rtlCol="0" anchor="t">
             <a:spAutoFit/>
           </a:bodyPr>
+          <a:lstStyle/>
           <a:p>
             <a:r>
               <a:rPr lang="en-US" altLang="zh-CN"/>
@@ -9286,7 +9452,14 @@
         <p:cNvGrpSpPr/>
         <p:nvPr/>
       </p:nvGrpSpPr>
-      <p:grpSpPr/>
+      <p:grpSpPr>
+        <a:xfrm>
+          <a:off x="0" y="0"/>
+          <a:ext cx="0" cy="0"/>
+          <a:chOff x="0" y="0"/>
+          <a:chExt cx="0" cy="0"/>
+        </a:xfrm>
+      </p:grpSpPr>
       <p:sp>
         <p:nvSpPr>
           <p:cNvPr id="2" name="标题 1"/>
@@ -9300,6 +9473,7 @@
         <p:spPr/>
         <p:txBody>
           <a:bodyPr/>
+          <a:lstStyle/>
           <a:p>
             <a:r>
               <a:rPr lang="en-US" altLang="zh-CN">
@@ -9341,12 +9515,12 @@
         </p:spPr>
         <p:txBody>
           <a:bodyPr/>
+          <a:lstStyle/>
           <a:p>
             <a:r>
               <a:rPr lang="en-US" altLang="zh-CN"/>
               <a:t>2.5 View the data stored in a variable by gdb(optional)</a:t>
             </a:r>
-            <a:endParaRPr lang="en-US" altLang="zh-CN"/>
           </a:p>
           <a:p>
             <a:pPr lvl="1"/>
@@ -9354,7 +9528,6 @@
               <a:rPr lang="en-US" altLang="zh-CN"/>
               <a:t>During debugging, you can use GDB commands to view the data stored in variable(s).</a:t>
             </a:r>
-            <a:endParaRPr lang="en-US" altLang="zh-CN"/>
           </a:p>
           <a:p>
             <a:pPr marL="457200" lvl="1" indent="0">
@@ -9364,7 +9537,6 @@
               <a:rPr lang="en-US" altLang="zh-CN"/>
               <a:t> </a:t>
             </a:r>
-            <a:endParaRPr lang="en-US" altLang="zh-CN"/>
           </a:p>
           <a:p>
             <a:pPr lvl="2"/>
@@ -9372,7 +9544,6 @@
               <a:rPr lang="en-US" altLang="zh-CN"/>
               <a:t>step1.  choose “DEBUG CONSOLE” window.</a:t>
             </a:r>
-            <a:endParaRPr lang="en-US" altLang="zh-CN"/>
           </a:p>
           <a:p>
             <a:pPr lvl="2"/>
@@ -9390,9 +9561,6 @@
               </a:rPr>
               <a:t> “DEBUG CONSOLE” window.</a:t>
             </a:r>
-            <a:endParaRPr lang="en-US" altLang="zh-CN">
-              <a:sym typeface="+mn-ea"/>
-            </a:endParaRPr>
           </a:p>
           <a:p>
             <a:pPr lvl="3"/>
@@ -9400,7 +9568,6 @@
               <a:rPr lang="en-US" altLang="zh-CN"/>
               <a:t>-exec [gdb command] in vscode</a:t>
             </a:r>
-            <a:endParaRPr lang="en-US" altLang="zh-CN"/>
           </a:p>
           <a:p>
             <a:pPr lvl="2"/>
@@ -9416,19 +9583,12 @@
               <a:rPr lang="en-US" altLang="zh-CN">
                 <a:sym typeface="+mn-ea"/>
               </a:rPr>
-              <a:t>in the </a:t>
-            </a:r>
-            <a:r>
-              <a:rPr lang="en-US" altLang="zh-CN">
-                <a:sym typeface="+mn-ea"/>
-              </a:rPr>
-              <a:t> “DEBUG CONSOLE” window</a:t>
+              <a:t>in the  “DEBUG CONSOLE” window</a:t>
             </a:r>
             <a:r>
               <a:rPr lang="en-US" altLang="zh-CN"/>
               <a:t>.</a:t>
             </a:r>
-            <a:endParaRPr lang="en-US" altLang="zh-CN"/>
           </a:p>
         </p:txBody>
       </p:sp>
@@ -9449,6 +9609,7 @@
         </p:spPr>
         <p:txBody>
           <a:bodyPr/>
+          <a:lstStyle/>
           <a:p>
             <a:endParaRPr sz="1600"/>
           </a:p>
@@ -9471,6 +9632,7 @@
         </p:spPr>
         <p:txBody>
           <a:bodyPr/>
+          <a:lstStyle/>
           <a:p>
             <a:endParaRPr sz="1600"/>
           </a:p>
@@ -9493,6 +9655,7 @@
         </p:spPr>
         <p:txBody>
           <a:bodyPr/>
+          <a:lstStyle/>
           <a:p>
             <a:endParaRPr sz="1600"/>
           </a:p>
@@ -9515,6 +9678,7 @@
         </p:spPr>
         <p:txBody>
           <a:bodyPr/>
+          <a:lstStyle/>
           <a:p>
             <a:endParaRPr sz="1600"/>
           </a:p>
@@ -9537,6 +9701,7 @@
         </p:spPr>
         <p:txBody>
           <a:bodyPr/>
+          <a:lstStyle/>
           <a:p>
             <a:endParaRPr sz="1600"/>
           </a:p>
@@ -9559,6 +9724,7 @@
         </p:spPr>
         <p:txBody>
           <a:bodyPr/>
+          <a:lstStyle/>
           <a:p>
             <a:endParaRPr sz="1600"/>
           </a:p>
@@ -9581,6 +9747,7 @@
         </p:spPr>
         <p:txBody>
           <a:bodyPr/>
+          <a:lstStyle/>
           <a:p>
             <a:endParaRPr sz="1600"/>
           </a:p>
@@ -9593,7 +9760,7 @@
           <p:nvPr/>
         </p:nvPicPr>
         <p:blipFill>
-          <a:blip r:embed="rId1"/>
+          <a:blip r:embed="rId2"/>
           <a:stretch>
             <a:fillRect/>
           </a:stretch>
@@ -9625,6 +9792,7 @@
         </p:spPr>
         <p:txBody>
           <a:bodyPr/>
+          <a:lstStyle/>
           <a:p>
             <a:endParaRPr sz="1600"/>
           </a:p>
@@ -9647,7 +9815,14 @@
         <p:cNvGrpSpPr/>
         <p:nvPr/>
       </p:nvGrpSpPr>
-      <p:grpSpPr/>
+      <p:grpSpPr>
+        <a:xfrm>
+          <a:off x="0" y="0"/>
+          <a:ext cx="0" cy="0"/>
+          <a:chOff x="0" y="0"/>
+          <a:chExt cx="0" cy="0"/>
+        </a:xfrm>
+      </p:grpSpPr>
       <p:sp>
         <p:nvSpPr>
           <p:cNvPr id="2" name="标题 1"/>
@@ -9661,6 +9836,7 @@
         <p:spPr/>
         <p:txBody>
           <a:bodyPr/>
+          <a:lstStyle/>
           <a:p>
             <a:r>
               <a:rPr lang="en-US" altLang="zh-CN">
@@ -9716,13 +9892,13 @@
           <a:bodyPr>
             <a:normAutofit fontScale="90000"/>
           </a:bodyPr>
+          <a:lstStyle/>
           <a:p>
             <a:pPr lvl="1"/>
             <a:r>
               <a:rPr lang="en-US" altLang="zh-CN"/>
               <a:t>Using the command x (for “examine”) to examine memory in any of several formats, independently of your program’s data types.</a:t>
             </a:r>
-            <a:endParaRPr lang="en-US" altLang="zh-CN"/>
           </a:p>
           <a:p>
             <a:pPr lvl="2"/>
@@ -9730,7 +9906,6 @@
               <a:rPr lang="en-US" altLang="zh-CN"/>
               <a:t>x /nfu  addr</a:t>
             </a:r>
-            <a:endParaRPr lang="en-US" altLang="zh-CN"/>
           </a:p>
           <a:p>
             <a:pPr lvl="3"/>
@@ -9754,7 +9929,6 @@
               <a:rPr lang="en-US" altLang="zh-CN"/>
               <a:t>u, the unit size </a:t>
             </a:r>
-            <a:endParaRPr lang="en-US" altLang="zh-CN"/>
           </a:p>
         </p:txBody>
       </p:sp>
@@ -9775,6 +9949,7 @@
         </p:spPr>
         <p:txBody>
           <a:bodyPr/>
+          <a:lstStyle/>
           <a:p>
             <a:endParaRPr sz="1600"/>
           </a:p>
@@ -9797,6 +9972,7 @@
         </p:spPr>
         <p:txBody>
           <a:bodyPr/>
+          <a:lstStyle/>
           <a:p>
             <a:endParaRPr sz="1600"/>
           </a:p>
@@ -9819,6 +9995,7 @@
         </p:spPr>
         <p:txBody>
           <a:bodyPr/>
+          <a:lstStyle/>
           <a:p>
             <a:endParaRPr sz="1600"/>
           </a:p>
@@ -9841,6 +10018,7 @@
         </p:spPr>
         <p:txBody>
           <a:bodyPr/>
+          <a:lstStyle/>
           <a:p>
             <a:endParaRPr sz="1600"/>
           </a:p>
@@ -9863,6 +10041,7 @@
         </p:spPr>
         <p:txBody>
           <a:bodyPr/>
+          <a:lstStyle/>
           <a:p>
             <a:endParaRPr sz="1600"/>
           </a:p>
@@ -9885,6 +10064,7 @@
         </p:spPr>
         <p:txBody>
           <a:bodyPr/>
+          <a:lstStyle/>
           <a:p>
             <a:endParaRPr sz="1600"/>
           </a:p>
@@ -9907,6 +10087,7 @@
         </p:spPr>
         <p:txBody>
           <a:bodyPr/>
+          <a:lstStyle/>
           <a:p>
             <a:endParaRPr sz="1600"/>
           </a:p>
@@ -9919,7 +10100,7 @@
           <p:nvPr/>
         </p:nvPicPr>
         <p:blipFill>
-          <a:blip r:embed="rId1"/>
+          <a:blip r:embed="rId3"/>
           <a:stretch>
             <a:fillRect/>
           </a:stretch>
@@ -9951,6 +10132,7 @@
         </p:spPr>
         <p:txBody>
           <a:bodyPr/>
+          <a:lstStyle/>
           <a:p>
             <a:endParaRPr sz="1600"/>
           </a:p>
@@ -9965,7 +10147,7 @@
           <p:nvPr/>
         </p:nvPicPr>
         <p:blipFill>
-          <a:blip r:embed="rId2"/>
+          <a:blip r:embed="rId4"/>
           <a:stretch>
             <a:fillRect/>
           </a:stretch>
@@ -10000,6 +10182,7 @@
           <a:bodyPr wrap="square" rtlCol="0" anchor="t">
             <a:noAutofit/>
           </a:bodyPr>
+          <a:lstStyle/>
           <a:p>
             <a:r>
               <a:rPr lang="en-US" altLang="zh-CN" sz="1600"/>
@@ -10053,13 +10236,8 @@
           <a:p>
             <a:r>
               <a:rPr lang="en-US" altLang="zh-CN" dirty="0"/>
-              <a:t>T</a:t>
-            </a:r>
-            <a:r>
-              <a:rPr lang="en-US" altLang="zh-CN" dirty="0"/>
-              <a:t>opics</a:t>
-            </a:r>
-            <a:endParaRPr lang="en-US" altLang="zh-CN" dirty="0"/>
+              <a:t>Topics</a:t>
+            </a:r>
           </a:p>
         </p:txBody>
       </p:sp>
@@ -10091,13 +10269,7 @@
               <a:rPr lang="en-US" altLang="zh-CN" b="1" dirty="0">
                 <a:sym typeface="+mn-ea"/>
               </a:rPr>
-              <a:t>1. </a:t>
-            </a:r>
-            <a:r>
-              <a:rPr lang="en-US" altLang="zh-CN" b="1" dirty="0">
-                <a:sym typeface="+mn-ea"/>
-              </a:rPr>
-              <a:t>Formatting with </a:t>
+              <a:t>1. Formatting with </a:t>
             </a:r>
             <a:r>
               <a:rPr lang="en-US" altLang="zh-CN" b="1" dirty="0" err="1">
@@ -10105,9 +10277,6 @@
               </a:rPr>
               <a:t>cout</a:t>
             </a:r>
-            <a:endParaRPr lang="en-US" altLang="zh-CN" b="1" dirty="0" err="1">
-              <a:sym typeface="+mn-ea"/>
-            </a:endParaRPr>
           </a:p>
           <a:p>
             <a:pPr marL="742950" lvl="1" indent="-285750">
@@ -10228,9 +10397,6 @@
               </a:rPr>
               <a:t>C/C++ by using gdb in VScode</a:t>
             </a:r>
-            <a:endParaRPr lang="en-US" altLang="zh-CN" dirty="0">
-              <a:sym typeface="+mn-ea"/>
-            </a:endParaRPr>
           </a:p>
           <a:p>
             <a:pPr marL="285750" indent="-285750">
@@ -10249,9 +10415,6 @@
               </a:rPr>
               <a:t>Data type conversions and calculations</a:t>
             </a:r>
-            <a:endParaRPr lang="en-US" altLang="zh-CN" b="1" dirty="0">
-              <a:sym typeface="+mn-ea"/>
-            </a:endParaRPr>
           </a:p>
           <a:p>
             <a:pPr marL="742950" lvl="1" indent="-285750">
@@ -10264,9 +10427,6 @@
               </a:rPr>
               <a:t>data storage, integer vs float</a:t>
             </a:r>
-            <a:endParaRPr lang="en-US" altLang="zh-CN" dirty="0">
-              <a:sym typeface="+mn-ea"/>
-            </a:endParaRPr>
           </a:p>
           <a:p>
             <a:pPr marL="742950" lvl="1" indent="-285750">
@@ -10274,26 +10434,11 @@
               <a:buChar char="•"/>
             </a:pPr>
             <a:r>
-              <a:rPr lang="en-US" altLang="zh-CN">
-                <a:sym typeface="+mn-ea"/>
-              </a:rPr>
-              <a:t>Integer promotions of </a:t>
-            </a:r>
-            <a:r>
-              <a:rPr lang="en-US" altLang="zh-CN">
-                <a:sym typeface="+mn-ea"/>
-              </a:rPr>
-              <a:t>Implicit conversions</a:t>
-            </a:r>
-            <a:r>
               <a:rPr lang="en-US" altLang="zh-CN" dirty="0">
                 <a:sym typeface="+mn-ea"/>
               </a:rPr>
-              <a:t> </a:t>
-            </a:r>
-            <a:endParaRPr lang="en-US" altLang="zh-CN" dirty="0">
-              <a:sym typeface="+mn-ea"/>
-            </a:endParaRPr>
+              <a:t>Integer promotions of Implicit conversions </a:t>
+            </a:r>
           </a:p>
           <a:p>
             <a:pPr marL="285750" indent="-285750">
@@ -10348,7 +10493,14 @@
         <p:cNvGrpSpPr/>
         <p:nvPr/>
       </p:nvGrpSpPr>
-      <p:grpSpPr/>
+      <p:grpSpPr>
+        <a:xfrm>
+          <a:off x="0" y="0"/>
+          <a:ext cx="0" cy="0"/>
+          <a:chOff x="0" y="0"/>
+          <a:chExt cx="0" cy="0"/>
+        </a:xfrm>
+      </p:grpSpPr>
       <p:sp>
         <p:nvSpPr>
           <p:cNvPr id="2" name="标题 1"/>
@@ -10362,6 +10514,7 @@
         <p:spPr/>
         <p:txBody>
           <a:bodyPr/>
+          <a:lstStyle/>
           <a:p>
             <a:r>
               <a:rPr lang="en-US" altLang="zh-CN"/>
@@ -10395,6 +10548,7 @@
         </p:spPr>
         <p:txBody>
           <a:bodyPr/>
+          <a:lstStyle/>
           <a:p>
             <a:pPr marL="285750" indent="-285750">
               <a:buFont typeface="Arial" panose="020B0604020202020204" pitchFamily="34" charset="0"/>
@@ -10419,7 +10573,7 @@
           <p:nvPr/>
         </p:nvPicPr>
         <p:blipFill>
-          <a:blip r:embed="rId1"/>
+          <a:blip r:embed="rId2"/>
           <a:stretch>
             <a:fillRect/>
           </a:stretch>
@@ -10443,7 +10597,7 @@
           <p:nvPr/>
         </p:nvPicPr>
         <p:blipFill>
-          <a:blip r:embed="rId2"/>
+          <a:blip r:embed="rId3"/>
           <a:stretch>
             <a:fillRect/>
           </a:stretch>
@@ -10475,6 +10629,7 @@
         </p:spPr>
         <p:txBody>
           <a:bodyPr/>
+          <a:lstStyle/>
           <a:p>
             <a:endParaRPr sz="1600"/>
           </a:p>
@@ -10487,7 +10642,7 @@
           <p:nvPr/>
         </p:nvPicPr>
         <p:blipFill>
-          <a:blip r:embed="rId3"/>
+          <a:blip r:embed="rId4"/>
           <a:stretch>
             <a:fillRect/>
           </a:stretch>
@@ -10519,6 +10674,7 @@
         </p:spPr>
         <p:txBody>
           <a:bodyPr/>
+          <a:lstStyle/>
           <a:p>
             <a:endParaRPr sz="1600"/>
           </a:p>
@@ -10541,7 +10697,14 @@
         <p:cNvGrpSpPr/>
         <p:nvPr/>
       </p:nvGrpSpPr>
-      <p:grpSpPr/>
+      <p:grpSpPr>
+        <a:xfrm>
+          <a:off x="0" y="0"/>
+          <a:ext cx="0" cy="0"/>
+          <a:chOff x="0" y="0"/>
+          <a:chExt cx="0" cy="0"/>
+        </a:xfrm>
+      </p:grpSpPr>
       <p:sp>
         <p:nvSpPr>
           <p:cNvPr id="2" name="标题 1"/>
@@ -10555,9 +10718,10 @@
         <p:spPr/>
         <p:txBody>
           <a:bodyPr/>
-          <a:p>
-            <a:r>
-              <a:rPr lang="en-US" altLang="zh-CN"/>
+          <a:lstStyle/>
+          <a:p>
+            <a:r>
+              <a:rPr lang="en-US" altLang="zh-CN" dirty="0"/>
               <a:t>3. </a:t>
             </a:r>
             <a:r>
@@ -10566,7 +10730,7 @@
               </a:rPr>
               <a:t>Data type conversions and calculations</a:t>
             </a:r>
-            <a:endParaRPr lang="en-US" altLang="zh-CN"/>
+            <a:endParaRPr lang="en-US" altLang="zh-CN" dirty="0"/>
           </a:p>
         </p:txBody>
       </p:sp>
@@ -10588,6 +10752,7 @@
         </p:spPr>
         <p:txBody>
           <a:bodyPr/>
+          <a:lstStyle/>
           <a:p>
             <a:pPr marL="285750" indent="-285750">
               <a:buFont typeface="Arial" panose="020B0604020202020204" pitchFamily="34" charset="0"/>
@@ -10597,7 +10762,6 @@
               <a:rPr lang="en-US" altLang="zh-CN"/>
               <a:t>3.2 Signed vs Unsigned</a:t>
             </a:r>
-            <a:endParaRPr lang="en-US" altLang="zh-CN"/>
           </a:p>
           <a:p>
             <a:pPr marL="285750" indent="-285750">
@@ -10614,7 +10778,6 @@
               <a:rPr lang="en-US" altLang="zh-CN"/>
               <a:t>Implicit conversions  </a:t>
             </a:r>
-            <a:endParaRPr lang="en-US" altLang="zh-CN"/>
           </a:p>
         </p:txBody>
       </p:sp>
@@ -10643,12 +10806,12 @@
           <a:bodyPr wrap="square" rtlCol="0">
             <a:spAutoFit/>
           </a:bodyPr>
+          <a:lstStyle/>
           <a:p>
             <a:r>
               <a:rPr lang="en-US" altLang="zh-CN"/>
               <a:t>#include &lt;stdio.h&gt;</a:t>
             </a:r>
-            <a:endParaRPr lang="en-US" altLang="zh-CN"/>
           </a:p>
           <a:p>
             <a:endParaRPr lang="en-US" altLang="zh-CN"/>
@@ -10658,7 +10821,6 @@
               <a:rPr lang="en-US" altLang="zh-CN"/>
               <a:t>int main(){</a:t>
             </a:r>
-            <a:endParaRPr lang="en-US" altLang="zh-CN"/>
           </a:p>
           <a:p>
             <a:r>
@@ -10673,7 +10835,6 @@
               <a:rPr lang="en-US" altLang="zh-CN"/>
               <a:t>x=0xff;</a:t>
             </a:r>
-            <a:endParaRPr lang="en-US" altLang="zh-CN"/>
           </a:p>
           <a:p>
             <a:r>
@@ -10688,7 +10849,6 @@
               <a:rPr lang="en-US" altLang="zh-CN"/>
               <a:t>y=0xff;</a:t>
             </a:r>
-            <a:endParaRPr lang="en-US" altLang="zh-CN"/>
           </a:p>
           <a:p>
             <a:r>
@@ -10711,7 +10871,6 @@
               <a:rPr lang="en-US" altLang="zh-CN"/>
               <a:t>\n",x,x,x);</a:t>
             </a:r>
-            <a:endParaRPr lang="en-US" altLang="zh-CN"/>
           </a:p>
           <a:p>
             <a:r>
@@ -10734,7 +10893,6 @@
               <a:rPr lang="en-US" altLang="zh-CN"/>
               <a:t>\n",y,y,y);</a:t>
             </a:r>
-            <a:endParaRPr lang="en-US" altLang="zh-CN"/>
           </a:p>
           <a:p>
             <a:endParaRPr lang="en-US" altLang="zh-CN"/>
@@ -10760,7 +10918,6 @@
               <a:rPr lang="en-US" altLang="zh-CN"/>
               <a:t>\n",x&gt;&gt;2,x&gt;&gt;2,x&gt;&gt;2);</a:t>
             </a:r>
-            <a:endParaRPr lang="en-US" altLang="zh-CN"/>
           </a:p>
           <a:p>
             <a:r>
@@ -10775,21 +10932,18 @@
               <a:rPr lang="en-US" altLang="zh-CN"/>
               <a:t>, %d , %u\n",y&gt;&gt;2,y&gt;&gt;2,y&gt;&gt;2);</a:t>
             </a:r>
-            <a:endParaRPr lang="en-US" altLang="zh-CN"/>
           </a:p>
           <a:p>
             <a:r>
               <a:rPr lang="en-US" altLang="zh-CN"/>
               <a:t>    return 0;</a:t>
             </a:r>
-            <a:endParaRPr lang="en-US" altLang="zh-CN"/>
           </a:p>
           <a:p>
             <a:r>
               <a:rPr lang="en-US" altLang="zh-CN"/>
               <a:t>}</a:t>
             </a:r>
-            <a:endParaRPr lang="en-US" altLang="zh-CN"/>
           </a:p>
         </p:txBody>
       </p:sp>
@@ -10810,6 +10964,7 @@
         </p:spPr>
         <p:txBody>
           <a:bodyPr/>
+          <a:lstStyle/>
           <a:p>
             <a:endParaRPr sz="1600"/>
           </a:p>
@@ -10822,7 +10977,7 @@
           <p:nvPr/>
         </p:nvPicPr>
         <p:blipFill>
-          <a:blip r:embed="rId1"/>
+          <a:blip r:embed="rId3"/>
           <a:stretch>
             <a:fillRect/>
           </a:stretch>
@@ -10854,6 +11009,7 @@
         </p:spPr>
         <p:txBody>
           <a:bodyPr/>
+          <a:lstStyle/>
           <a:p>
             <a:endParaRPr sz="1600"/>
           </a:p>
@@ -10879,12 +11035,12 @@
           <a:bodyPr wrap="square" rtlCol="0" anchor="t">
             <a:spAutoFit/>
           </a:bodyPr>
+          <a:lstStyle/>
           <a:p>
             <a:r>
               <a:rPr lang="en-US" altLang="zh-CN"/>
               <a:t>https://en.cppreference.com/w/c/language/conversion</a:t>
             </a:r>
-            <a:endParaRPr lang="en-US" altLang="zh-CN"/>
           </a:p>
           <a:p>
             <a:endParaRPr lang="zh-CN" altLang="en-US"/>
@@ -10931,6 +11087,7 @@
         </p:style>
         <p:txBody>
           <a:bodyPr rtlCol="0" anchor="ctr"/>
+          <a:lstStyle/>
           <a:p>
             <a:pPr algn="ctr"/>
             <a:endParaRPr lang="zh-CN" altLang="en-US"/>
@@ -10977,6 +11134,7 @@
         </p:style>
         <p:txBody>
           <a:bodyPr rtlCol="0" anchor="ctr"/>
+          <a:lstStyle/>
           <a:p>
             <a:pPr algn="ctr"/>
             <a:endParaRPr lang="zh-CN" altLang="en-US"/>
@@ -11039,9 +11197,6 @@
               </a:rPr>
               <a:t>4.1.Compile and run the following program, what is the result? </a:t>
             </a:r>
-            <a:endParaRPr lang="en-US" altLang="zh-CN" dirty="0">
-              <a:sym typeface="+mn-ea"/>
-            </a:endParaRPr>
           </a:p>
           <a:p>
             <a:pPr marL="0" indent="0">
@@ -11131,20 +11286,6 @@
               </a:rPr>
               <a:t> 4. Exercises</a:t>
             </a:r>
-            <a:endParaRPr kumimoji="0" lang="en-US" altLang="zh-CN" sz="3600" b="1" i="0" u="none" strike="noStrike" kern="1200" cap="none" spc="0" normalizeH="0" baseline="0" noProof="0" dirty="0">
-              <a:ln>
-                <a:noFill/>
-              </a:ln>
-              <a:solidFill>
-                <a:prstClr val="black"/>
-              </a:solidFill>
-              <a:effectLst/>
-              <a:uLnTx/>
-              <a:uFillTx/>
-              <a:latin typeface="Calibri" panose="020F0502020204030204"/>
-              <a:ea typeface="宋体" panose="02010600030101010101" pitchFamily="2" charset="-122"/>
-              <a:cs typeface="+mj-cs"/>
-            </a:endParaRPr>
           </a:p>
         </p:txBody>
       </p:sp>
@@ -11178,6 +11319,7 @@
           <a:bodyPr wrap="square">
             <a:spAutoFit/>
           </a:bodyPr>
+          <a:lstStyle/>
           <a:p>
             <a:r>
               <a:rPr lang="en-US" altLang="zh-CN" sz="1400" b="0" dirty="0">
@@ -11199,6 +11341,74 @@
                 <a:latin typeface="Consolas" panose="020B0609020204030204" pitchFamily="49" charset="0"/>
               </a:rPr>
               <a:t>&gt; </a:t>
+            </a:r>
+          </a:p>
+          <a:p>
+            <a:r>
+              <a:rPr lang="en-US" altLang="zh-CN" sz="1400" b="0" dirty="0">
+                <a:effectLst/>
+                <a:latin typeface="Consolas" panose="020B0609020204030204" pitchFamily="49" charset="0"/>
+              </a:rPr>
+              <a:t>int main()</a:t>
+            </a:r>
+          </a:p>
+          <a:p>
+            <a:r>
+              <a:rPr lang="en-US" altLang="zh-CN" sz="1400" b="0" dirty="0">
+                <a:effectLst/>
+                <a:latin typeface="Consolas" panose="020B0609020204030204" pitchFamily="49" charset="0"/>
+              </a:rPr>
+              <a:t>{</a:t>
+            </a:r>
+          </a:p>
+          <a:p>
+            <a:r>
+              <a:rPr lang="en-US" altLang="zh-CN" sz="1400" b="0">
+                <a:effectLst/>
+                <a:latin typeface="Consolas" panose="020B0609020204030204" pitchFamily="49" charset="0"/>
+              </a:rPr>
+              <a:t>    signed char </a:t>
+            </a:r>
+            <a:r>
+              <a:rPr lang="en-US" altLang="zh-CN" sz="1400" b="0" dirty="0">
+                <a:effectLst/>
+                <a:latin typeface="Consolas" panose="020B0609020204030204" pitchFamily="49" charset="0"/>
+              </a:rPr>
+              <a:t>a = 127</a:t>
+            </a:r>
+            <a:r>
+              <a:rPr lang="en-US" altLang="zh-CN" sz="1400" dirty="0">
+                <a:effectLst/>
+                <a:latin typeface="Consolas" panose="020B0609020204030204" pitchFamily="49" charset="0"/>
+                <a:sym typeface="+mn-ea"/>
+              </a:rPr>
+              <a:t>;</a:t>
+            </a:r>
+          </a:p>
+          <a:p>
+            <a:r>
+              <a:rPr lang="en-US" altLang="zh-CN" sz="1400" b="0" dirty="0">
+                <a:effectLst/>
+                <a:latin typeface="Consolas" panose="020B0609020204030204" pitchFamily="49" charset="0"/>
+              </a:rPr>
+              <a:t>    unsigned char b = 0x7f; </a:t>
+            </a:r>
+          </a:p>
+          <a:p>
+            <a:r>
+              <a:rPr lang="en-US" altLang="zh-CN" sz="1400" b="0" dirty="0">
+                <a:effectLst/>
+                <a:latin typeface="Consolas" panose="020B0609020204030204" pitchFamily="49" charset="0"/>
+              </a:rPr>
+              <a:t>    </a:t>
+            </a:r>
+            <a:r>
+              <a:rPr lang="en-US" altLang="zh-CN" sz="1400" dirty="0">
+                <a:effectLst/>
+                <a:latin typeface="Consolas" panose="020B0609020204030204" pitchFamily="49" charset="0"/>
+                <a:sym typeface="+mn-ea"/>
+              </a:rPr>
+              <a:t>char c = 0x7f;</a:t>
             </a:r>
             <a:endParaRPr lang="en-US" altLang="zh-CN" sz="1400" b="0" dirty="0">
               <a:effectLst/>
@@ -11206,13 +11416,6 @@
             </a:endParaRPr>
           </a:p>
           <a:p>
-            <a:r>
-              <a:rPr lang="en-US" altLang="zh-CN" sz="1400" b="0" dirty="0">
-                <a:effectLst/>
-                <a:latin typeface="Consolas" panose="020B0609020204030204" pitchFamily="49" charset="0"/>
-              </a:rPr>
-              <a:t>int main()</a:t>
-            </a:r>
             <a:endParaRPr lang="en-US" altLang="zh-CN" sz="1400" b="0" dirty="0">
               <a:effectLst/>
               <a:latin typeface="Consolas" panose="020B0609020204030204" pitchFamily="49" charset="0"/>
@@ -11224,7 +11427,89 @@
                 <a:effectLst/>
                 <a:latin typeface="Consolas" panose="020B0609020204030204" pitchFamily="49" charset="0"/>
               </a:rPr>
-              <a:t>{</a:t>
+              <a:t>    a=a&lt;&lt;1;</a:t>
+            </a:r>
+          </a:p>
+          <a:p>
+            <a:r>
+              <a:rPr lang="en-US" altLang="zh-CN" sz="1400" b="0" dirty="0">
+                <a:effectLst/>
+                <a:latin typeface="Consolas" panose="020B0609020204030204" pitchFamily="49" charset="0"/>
+              </a:rPr>
+              <a:t>    b=b&lt;&lt;1;</a:t>
+            </a:r>
+          </a:p>
+          <a:p>
+            <a:r>
+              <a:rPr lang="en-US" altLang="zh-CN" sz="1400" b="0" dirty="0">
+                <a:effectLst/>
+                <a:latin typeface="Consolas" panose="020B0609020204030204" pitchFamily="49" charset="0"/>
+              </a:rPr>
+              <a:t>    c=c&lt;&lt;1;            </a:t>
+            </a:r>
+            <a:r>
+              <a:rPr lang="en-US" altLang="zh-CN" sz="1400" dirty="0" err="1">
+                <a:effectLst/>
+                <a:latin typeface="Consolas" panose="020B0609020204030204" pitchFamily="49" charset="0"/>
+                <a:sym typeface="+mn-ea"/>
+              </a:rPr>
+              <a:t>printf</a:t>
+            </a:r>
+            <a:r>
+              <a:rPr lang="en-US" altLang="zh-CN" sz="1400" dirty="0">
+                <a:effectLst/>
+                <a:latin typeface="Consolas" panose="020B0609020204030204" pitchFamily="49" charset="0"/>
+                <a:sym typeface="+mn-ea"/>
+              </a:rPr>
+              <a:t>("a=%x\</a:t>
+            </a:r>
+            <a:r>
+              <a:rPr lang="en-US" altLang="zh-CN" sz="1400" dirty="0" err="1">
+                <a:effectLst/>
+                <a:latin typeface="Consolas" panose="020B0609020204030204" pitchFamily="49" charset="0"/>
+                <a:sym typeface="+mn-ea"/>
+              </a:rPr>
+              <a:t>nb</a:t>
+            </a:r>
+            <a:r>
+              <a:rPr lang="en-US" altLang="zh-CN" sz="1400" dirty="0">
+                <a:effectLst/>
+                <a:latin typeface="Consolas" panose="020B0609020204030204" pitchFamily="49" charset="0"/>
+                <a:sym typeface="+mn-ea"/>
+              </a:rPr>
+              <a:t>=%x\</a:t>
+            </a:r>
+            <a:r>
+              <a:rPr lang="en-US" altLang="zh-CN" sz="1400" dirty="0" err="1">
+                <a:effectLst/>
+                <a:latin typeface="Consolas" panose="020B0609020204030204" pitchFamily="49" charset="0"/>
+                <a:sym typeface="+mn-ea"/>
+              </a:rPr>
+              <a:t>nc</a:t>
+            </a:r>
+            <a:r>
+              <a:rPr lang="en-US" altLang="zh-CN" sz="1400" dirty="0">
+                <a:effectLst/>
+                <a:latin typeface="Consolas" panose="020B0609020204030204" pitchFamily="49" charset="0"/>
+                <a:sym typeface="+mn-ea"/>
+              </a:rPr>
+              <a:t>=%x\n",</a:t>
+            </a:r>
+            <a:r>
+              <a:rPr lang="en-US" altLang="zh-CN" sz="1400" dirty="0" err="1">
+                <a:effectLst/>
+                <a:latin typeface="Consolas" panose="020B0609020204030204" pitchFamily="49" charset="0"/>
+                <a:sym typeface="+mn-ea"/>
+              </a:rPr>
+              <a:t>a,b,c</a:t>
+            </a:r>
+            <a:r>
+              <a:rPr lang="en-US" altLang="zh-CN" sz="1400" dirty="0">
+                <a:effectLst/>
+                <a:latin typeface="Consolas" panose="020B0609020204030204" pitchFamily="49" charset="0"/>
+                <a:sym typeface="+mn-ea"/>
+              </a:rPr>
+              <a:t>);</a:t>
             </a:r>
             <a:endParaRPr lang="en-US" altLang="zh-CN" sz="1400" b="0" dirty="0">
               <a:effectLst/>
@@ -11233,40 +11518,77 @@
           </a:p>
           <a:p>
             <a:r>
-              <a:rPr lang="en-US" altLang="zh-CN" sz="1400" b="0">
-                <a:effectLst/>
-                <a:latin typeface="Consolas" panose="020B0609020204030204" pitchFamily="49" charset="0"/>
-              </a:rPr>
-              <a:t>    signed char </a:t>
-            </a:r>
-            <a:r>
               <a:rPr lang="en-US" altLang="zh-CN" sz="1400" b="0" dirty="0">
                 <a:effectLst/>
                 <a:latin typeface="Consolas" panose="020B0609020204030204" pitchFamily="49" charset="0"/>
               </a:rPr>
-              <a:t>a = 127</a:t>
-            </a:r>
+              <a:t>    </a:t>
+            </a:r>
+            <a:r>
+              <a:rPr lang="en-US" altLang="zh-CN" sz="1400" b="0" dirty="0" err="1">
+                <a:effectLst/>
+                <a:latin typeface="Consolas" panose="020B0609020204030204" pitchFamily="49" charset="0"/>
+              </a:rPr>
+              <a:t>printf</a:t>
+            </a:r>
+            <a:r>
+              <a:rPr lang="en-US" altLang="zh-CN" sz="1400" b="0" dirty="0">
+                <a:effectLst/>
+                <a:latin typeface="Consolas" panose="020B0609020204030204" pitchFamily="49" charset="0"/>
+              </a:rPr>
+              <a:t>("a=%d\</a:t>
+            </a:r>
+            <a:r>
+              <a:rPr lang="en-US" altLang="zh-CN" sz="1400" b="0" dirty="0" err="1">
+                <a:effectLst/>
+                <a:latin typeface="Consolas" panose="020B0609020204030204" pitchFamily="49" charset="0"/>
+              </a:rPr>
+              <a:t>nb</a:t>
+            </a:r>
+            <a:r>
+              <a:rPr lang="en-US" altLang="zh-CN" sz="1400" b="0" dirty="0">
+                <a:effectLst/>
+                <a:latin typeface="Consolas" panose="020B0609020204030204" pitchFamily="49" charset="0"/>
+              </a:rPr>
+              <a:t>=%d\</a:t>
+            </a:r>
+            <a:r>
+              <a:rPr lang="en-US" altLang="zh-CN" sz="1400" b="0" dirty="0" err="1">
+                <a:effectLst/>
+                <a:latin typeface="Consolas" panose="020B0609020204030204" pitchFamily="49" charset="0"/>
+              </a:rPr>
+              <a:t>nc</a:t>
+            </a:r>
+            <a:r>
+              <a:rPr lang="en-US" altLang="zh-CN" sz="1400" b="0" dirty="0">
+                <a:effectLst/>
+                <a:latin typeface="Consolas" panose="020B0609020204030204" pitchFamily="49" charset="0"/>
+              </a:rPr>
+              <a:t>=%d\n",</a:t>
+            </a:r>
+            <a:r>
+              <a:rPr lang="en-US" altLang="zh-CN" sz="1400" b="0" dirty="0" err="1">
+                <a:effectLst/>
+                <a:latin typeface="Consolas" panose="020B0609020204030204" pitchFamily="49" charset="0"/>
+              </a:rPr>
+              <a:t>a,b,c</a:t>
+            </a:r>
+            <a:r>
+              <a:rPr lang="en-US" altLang="zh-CN" sz="1400" b="0" dirty="0">
+                <a:effectLst/>
+                <a:latin typeface="Consolas" panose="020B0609020204030204" pitchFamily="49" charset="0"/>
+              </a:rPr>
+              <a:t>);</a:t>
+            </a:r>
+          </a:p>
+          <a:p>
             <a:r>
               <a:rPr lang="en-US" altLang="zh-CN" sz="1400" dirty="0">
                 <a:effectLst/>
                 <a:latin typeface="Consolas" panose="020B0609020204030204" pitchFamily="49" charset="0"/>
                 <a:sym typeface="+mn-ea"/>
               </a:rPr>
-              <a:t>;</a:t>
-            </a:r>
-            <a:endParaRPr lang="en-US" altLang="zh-CN" sz="1400" dirty="0">
-              <a:effectLst/>
-              <a:latin typeface="Consolas" panose="020B0609020204030204" pitchFamily="49" charset="0"/>
-              <a:sym typeface="+mn-ea"/>
-            </a:endParaRPr>
-          </a:p>
-          <a:p>
-            <a:r>
-              <a:rPr lang="en-US" altLang="zh-CN" sz="1400" b="0" dirty="0">
-                <a:effectLst/>
-                <a:latin typeface="Consolas" panose="020B0609020204030204" pitchFamily="49" charset="0"/>
-              </a:rPr>
-              <a:t>    unsigned char b = 0x7f; </a:t>
+              <a:t>    a=a&gt;&gt;1;</a:t>
             </a:r>
             <a:endParaRPr lang="en-US" altLang="zh-CN" sz="1400" b="0" dirty="0">
               <a:effectLst/>
@@ -11275,19 +11597,12 @@
           </a:p>
           <a:p>
             <a:r>
-              <a:rPr lang="en-US" altLang="zh-CN" sz="1400" b="0" dirty="0">
-                <a:effectLst/>
-                <a:latin typeface="Consolas" panose="020B0609020204030204" pitchFamily="49" charset="0"/>
-              </a:rPr>
-              <a:t>    </a:t>
-            </a:r>
-            <a:r>
               <a:rPr lang="en-US" altLang="zh-CN" sz="1400" dirty="0">
                 <a:effectLst/>
                 <a:latin typeface="Consolas" panose="020B0609020204030204" pitchFamily="49" charset="0"/>
                 <a:sym typeface="+mn-ea"/>
               </a:rPr>
-              <a:t>char c = 0x7f;</a:t>
+              <a:t>    b=b&gt;&gt;1;</a:t>
             </a:r>
             <a:endParaRPr lang="en-US" altLang="zh-CN" sz="1400" b="0" dirty="0">
               <a:effectLst/>
@@ -11295,6 +11610,14 @@
             </a:endParaRPr>
           </a:p>
           <a:p>
+            <a:r>
+              <a:rPr lang="en-US" altLang="zh-CN" sz="1400" dirty="0">
+                <a:effectLst/>
+                <a:latin typeface="Consolas" panose="020B0609020204030204" pitchFamily="49" charset="0"/>
+                <a:sym typeface="+mn-ea"/>
+              </a:rPr>
+              <a:t>    c=c&gt;&gt;1;</a:t>
+            </a:r>
             <a:endParaRPr lang="en-US" altLang="zh-CN" sz="1400" b="0" dirty="0">
               <a:effectLst/>
               <a:latin typeface="Consolas" panose="020B0609020204030204" pitchFamily="49" charset="0"/>
@@ -11302,11 +11625,68 @@
           </a:p>
           <a:p>
             <a:r>
-              <a:rPr lang="en-US" altLang="zh-CN" sz="1400" b="0" dirty="0">
+              <a:rPr lang="en-US" altLang="zh-CN" sz="1400" dirty="0" err="1">
                 <a:effectLst/>
                 <a:latin typeface="Consolas" panose="020B0609020204030204" pitchFamily="49" charset="0"/>
-              </a:rPr>
-              <a:t>    a=a&lt;&lt;1;</a:t>
+                <a:sym typeface="+mn-ea"/>
+              </a:rPr>
+              <a:t>printf</a:t>
+            </a:r>
+            <a:r>
+              <a:rPr lang="en-US" altLang="zh-CN" sz="1400" dirty="0">
+                <a:effectLst/>
+                <a:latin typeface="Consolas" panose="020B0609020204030204" pitchFamily="49" charset="0"/>
+                <a:sym typeface="+mn-ea"/>
+              </a:rPr>
+              <a:t>("a=%x\</a:t>
+            </a:r>
+            <a:r>
+              <a:rPr lang="en-US" altLang="zh-CN" sz="1400" dirty="0" err="1">
+                <a:effectLst/>
+                <a:latin typeface="Consolas" panose="020B0609020204030204" pitchFamily="49" charset="0"/>
+                <a:sym typeface="+mn-ea"/>
+              </a:rPr>
+              <a:t>nb</a:t>
+            </a:r>
+            <a:r>
+              <a:rPr lang="en-US" altLang="zh-CN" sz="1400" dirty="0">
+                <a:effectLst/>
+                <a:latin typeface="Consolas" panose="020B0609020204030204" pitchFamily="49" charset="0"/>
+                <a:sym typeface="+mn-ea"/>
+              </a:rPr>
+              <a:t>=%x\</a:t>
+            </a:r>
+            <a:r>
+              <a:rPr lang="en-US" altLang="zh-CN" sz="1400" dirty="0" err="1">
+                <a:effectLst/>
+                <a:latin typeface="Consolas" panose="020B0609020204030204" pitchFamily="49" charset="0"/>
+                <a:sym typeface="+mn-ea"/>
+              </a:rPr>
+              <a:t>nc</a:t>
+            </a:r>
+            <a:r>
+              <a:rPr lang="en-US" altLang="zh-CN" sz="1400" dirty="0">
+                <a:effectLst/>
+                <a:latin typeface="Consolas" panose="020B0609020204030204" pitchFamily="49" charset="0"/>
+                <a:sym typeface="+mn-ea"/>
+              </a:rPr>
+              <a:t>=%x\n",</a:t>
+            </a:r>
+            <a:r>
+              <a:rPr lang="en-US" altLang="zh-CN" sz="1400" dirty="0" err="1">
+                <a:effectLst/>
+                <a:latin typeface="Consolas" panose="020B0609020204030204" pitchFamily="49" charset="0"/>
+                <a:sym typeface="+mn-ea"/>
+              </a:rPr>
+              <a:t>a,b,c</a:t>
+            </a:r>
+            <a:r>
+              <a:rPr lang="en-US" altLang="zh-CN" sz="1400" dirty="0">
+                <a:effectLst/>
+                <a:latin typeface="Consolas" panose="020B0609020204030204" pitchFamily="49" charset="0"/>
+                <a:sym typeface="+mn-ea"/>
+              </a:rPr>
+              <a:t>);</a:t>
             </a:r>
             <a:endParaRPr lang="en-US" altLang="zh-CN" sz="1400" b="0" dirty="0">
               <a:effectLst/>
@@ -11315,11 +11695,76 @@
           </a:p>
           <a:p>
             <a:r>
-              <a:rPr lang="en-US" altLang="zh-CN" sz="1400" b="0" dirty="0">
+              <a:rPr lang="en-US" altLang="zh-CN" sz="1400" dirty="0">
                 <a:effectLst/>
                 <a:latin typeface="Consolas" panose="020B0609020204030204" pitchFamily="49" charset="0"/>
-              </a:rPr>
-              <a:t>    b=b&lt;&lt;1;</a:t>
+                <a:sym typeface="+mn-ea"/>
+              </a:rPr>
+              <a:t>    </a:t>
+            </a:r>
+            <a:r>
+              <a:rPr lang="en-US" altLang="zh-CN" sz="1400" dirty="0" err="1">
+                <a:effectLst/>
+                <a:latin typeface="Consolas" panose="020B0609020204030204" pitchFamily="49" charset="0"/>
+                <a:sym typeface="+mn-ea"/>
+              </a:rPr>
+              <a:t>printf</a:t>
+            </a:r>
+            <a:r>
+              <a:rPr lang="en-US" altLang="zh-CN" sz="1400" dirty="0">
+                <a:effectLst/>
+                <a:latin typeface="Consolas" panose="020B0609020204030204" pitchFamily="49" charset="0"/>
+                <a:sym typeface="+mn-ea"/>
+              </a:rPr>
+              <a:t>("a=%d\</a:t>
+            </a:r>
+            <a:r>
+              <a:rPr lang="en-US" altLang="zh-CN" sz="1400" dirty="0" err="1">
+                <a:effectLst/>
+                <a:latin typeface="Consolas" panose="020B0609020204030204" pitchFamily="49" charset="0"/>
+                <a:sym typeface="+mn-ea"/>
+              </a:rPr>
+              <a:t>nb</a:t>
+            </a:r>
+            <a:r>
+              <a:rPr lang="en-US" altLang="zh-CN" sz="1400" dirty="0">
+                <a:effectLst/>
+                <a:latin typeface="Consolas" panose="020B0609020204030204" pitchFamily="49" charset="0"/>
+                <a:sym typeface="+mn-ea"/>
+              </a:rPr>
+              <a:t>=%d\</a:t>
+            </a:r>
+            <a:r>
+              <a:rPr lang="en-US" altLang="zh-CN" sz="1400" dirty="0" err="1">
+                <a:effectLst/>
+                <a:latin typeface="Consolas" panose="020B0609020204030204" pitchFamily="49" charset="0"/>
+                <a:sym typeface="+mn-ea"/>
+              </a:rPr>
+              <a:t>nc</a:t>
+            </a:r>
+            <a:r>
+              <a:rPr lang="en-US" altLang="zh-CN" sz="1400" dirty="0">
+                <a:effectLst/>
+                <a:latin typeface="Consolas" panose="020B0609020204030204" pitchFamily="49" charset="0"/>
+                <a:sym typeface="+mn-ea"/>
+              </a:rPr>
+              <a:t>=%d\n",</a:t>
+            </a:r>
+            <a:r>
+              <a:rPr lang="en-US" altLang="zh-CN" sz="1400" dirty="0" err="1">
+                <a:effectLst/>
+                <a:latin typeface="Consolas" panose="020B0609020204030204" pitchFamily="49" charset="0"/>
+                <a:sym typeface="+mn-ea"/>
+              </a:rPr>
+              <a:t>a,b,c</a:t>
+            </a:r>
+            <a:r>
+              <a:rPr lang="en-US" altLang="zh-CN" sz="1400" dirty="0">
+                <a:effectLst/>
+                <a:latin typeface="Consolas" panose="020B0609020204030204" pitchFamily="49" charset="0"/>
+                <a:sym typeface="+mn-ea"/>
+              </a:rPr>
+              <a:t>);</a:t>
             </a:r>
             <a:endParaRPr lang="en-US" altLang="zh-CN" sz="1400" b="0" dirty="0">
               <a:effectLst/>
@@ -11327,77 +11772,6 @@
             </a:endParaRPr>
           </a:p>
           <a:p>
-            <a:r>
-              <a:rPr lang="en-US" altLang="zh-CN" sz="1400" b="0" dirty="0">
-                <a:effectLst/>
-                <a:latin typeface="Consolas" panose="020B0609020204030204" pitchFamily="49" charset="0"/>
-              </a:rPr>
-              <a:t>    c=c&lt;&lt;1;            </a:t>
-            </a:r>
-            <a:r>
-              <a:rPr lang="en-US" altLang="zh-CN" sz="1400" dirty="0" err="1">
-                <a:effectLst/>
-                <a:latin typeface="Consolas" panose="020B0609020204030204" pitchFamily="49" charset="0"/>
-                <a:sym typeface="+mn-ea"/>
-              </a:rPr>
-              <a:t>printf</a:t>
-            </a:r>
-            <a:r>
-              <a:rPr lang="en-US" altLang="zh-CN" sz="1400" dirty="0">
-                <a:effectLst/>
-                <a:latin typeface="Consolas" panose="020B0609020204030204" pitchFamily="49" charset="0"/>
-                <a:sym typeface="+mn-ea"/>
-              </a:rPr>
-              <a:t>("a=%x\</a:t>
-            </a:r>
-            <a:r>
-              <a:rPr lang="en-US" altLang="zh-CN" sz="1400" dirty="0" err="1">
-                <a:effectLst/>
-                <a:latin typeface="Consolas" panose="020B0609020204030204" pitchFamily="49" charset="0"/>
-                <a:sym typeface="+mn-ea"/>
-              </a:rPr>
-              <a:t>nb</a:t>
-            </a:r>
-            <a:r>
-              <a:rPr lang="en-US" altLang="zh-CN" sz="1400" dirty="0">
-                <a:effectLst/>
-                <a:latin typeface="Consolas" panose="020B0609020204030204" pitchFamily="49" charset="0"/>
-                <a:sym typeface="+mn-ea"/>
-              </a:rPr>
-              <a:t>=%x\</a:t>
-            </a:r>
-            <a:r>
-              <a:rPr lang="en-US" altLang="zh-CN" sz="1400" dirty="0" err="1">
-                <a:effectLst/>
-                <a:latin typeface="Consolas" panose="020B0609020204030204" pitchFamily="49" charset="0"/>
-                <a:sym typeface="+mn-ea"/>
-              </a:rPr>
-              <a:t>nc</a:t>
-            </a:r>
-            <a:r>
-              <a:rPr lang="en-US" altLang="zh-CN" sz="1400" dirty="0">
-                <a:effectLst/>
-                <a:latin typeface="Consolas" panose="020B0609020204030204" pitchFamily="49" charset="0"/>
-                <a:sym typeface="+mn-ea"/>
-              </a:rPr>
-              <a:t>=%x\n",</a:t>
-            </a:r>
-            <a:r>
-              <a:rPr lang="en-US" altLang="zh-CN" sz="1400" dirty="0" err="1">
-                <a:effectLst/>
-                <a:latin typeface="Consolas" panose="020B0609020204030204" pitchFamily="49" charset="0"/>
-                <a:sym typeface="+mn-ea"/>
-              </a:rPr>
-              <a:t>a,b,c</a:t>
-            </a:r>
-            <a:r>
-              <a:rPr lang="en-US" altLang="zh-CN" sz="1400" dirty="0">
-                <a:effectLst/>
-                <a:latin typeface="Consolas" panose="020B0609020204030204" pitchFamily="49" charset="0"/>
-                <a:sym typeface="+mn-ea"/>
-              </a:rPr>
-              <a:t>);</a:t>
-            </a:r>
             <a:endParaRPr lang="en-US" altLang="zh-CN" sz="1400" b="0" dirty="0">
               <a:effectLst/>
               <a:latin typeface="Consolas" panose="020B0609020204030204" pitchFamily="49" charset="0"/>
@@ -11409,277 +11783,8 @@
                 <a:effectLst/>
                 <a:latin typeface="Consolas" panose="020B0609020204030204" pitchFamily="49" charset="0"/>
               </a:rPr>
-              <a:t>    </a:t>
-            </a:r>
-            <a:r>
-              <a:rPr lang="en-US" altLang="zh-CN" sz="1400" b="0" dirty="0" err="1">
-                <a:effectLst/>
-                <a:latin typeface="Consolas" panose="020B0609020204030204" pitchFamily="49" charset="0"/>
-              </a:rPr>
-              <a:t>printf</a:t>
-            </a:r>
-            <a:r>
-              <a:rPr lang="en-US" altLang="zh-CN" sz="1400" b="0" dirty="0">
-                <a:effectLst/>
-                <a:latin typeface="Consolas" panose="020B0609020204030204" pitchFamily="49" charset="0"/>
-              </a:rPr>
-              <a:t>("a=%d\</a:t>
-            </a:r>
-            <a:r>
-              <a:rPr lang="en-US" altLang="zh-CN" sz="1400" b="0" dirty="0" err="1">
-                <a:effectLst/>
-                <a:latin typeface="Consolas" panose="020B0609020204030204" pitchFamily="49" charset="0"/>
-              </a:rPr>
-              <a:t>nb</a:t>
-            </a:r>
-            <a:r>
-              <a:rPr lang="en-US" altLang="zh-CN" sz="1400" b="0" dirty="0">
-                <a:effectLst/>
-                <a:latin typeface="Consolas" panose="020B0609020204030204" pitchFamily="49" charset="0"/>
-              </a:rPr>
-              <a:t>=%d\</a:t>
-            </a:r>
-            <a:r>
-              <a:rPr lang="en-US" altLang="zh-CN" sz="1400" b="0" dirty="0" err="1">
-                <a:effectLst/>
-                <a:latin typeface="Consolas" panose="020B0609020204030204" pitchFamily="49" charset="0"/>
-              </a:rPr>
-              <a:t>nc</a:t>
-            </a:r>
-            <a:r>
-              <a:rPr lang="en-US" altLang="zh-CN" sz="1400" b="0" dirty="0">
-                <a:effectLst/>
-                <a:latin typeface="Consolas" panose="020B0609020204030204" pitchFamily="49" charset="0"/>
-              </a:rPr>
-              <a:t>=%d\n",</a:t>
-            </a:r>
-            <a:r>
-              <a:rPr lang="en-US" altLang="zh-CN" sz="1400" b="0" dirty="0" err="1">
-                <a:effectLst/>
-                <a:latin typeface="Consolas" panose="020B0609020204030204" pitchFamily="49" charset="0"/>
-              </a:rPr>
-              <a:t>a,b,c</a:t>
-            </a:r>
-            <a:r>
-              <a:rPr lang="en-US" altLang="zh-CN" sz="1400" b="0" dirty="0">
-                <a:effectLst/>
-                <a:latin typeface="Consolas" panose="020B0609020204030204" pitchFamily="49" charset="0"/>
-              </a:rPr>
-              <a:t>);</a:t>
-            </a:r>
-            <a:endParaRPr lang="en-US" altLang="zh-CN" sz="1400" b="0" dirty="0">
-              <a:effectLst/>
-              <a:latin typeface="Consolas" panose="020B0609020204030204" pitchFamily="49" charset="0"/>
-            </a:endParaRPr>
-          </a:p>
-          <a:p>
-            <a:r>
-              <a:rPr lang="en-US" altLang="zh-CN" sz="1400" dirty="0">
-                <a:effectLst/>
-                <a:latin typeface="Consolas" panose="020B0609020204030204" pitchFamily="49" charset="0"/>
-                <a:sym typeface="+mn-ea"/>
-              </a:rPr>
-              <a:t>    a=a&gt;&gt;1;</a:t>
-            </a:r>
-            <a:endParaRPr lang="en-US" altLang="zh-CN" sz="1400" b="0" dirty="0">
-              <a:effectLst/>
-              <a:latin typeface="Consolas" panose="020B0609020204030204" pitchFamily="49" charset="0"/>
-            </a:endParaRPr>
-          </a:p>
-          <a:p>
-            <a:r>
-              <a:rPr lang="en-US" altLang="zh-CN" sz="1400" dirty="0">
-                <a:effectLst/>
-                <a:latin typeface="Consolas" panose="020B0609020204030204" pitchFamily="49" charset="0"/>
-                <a:sym typeface="+mn-ea"/>
-              </a:rPr>
-              <a:t>    b=b&gt;&gt;1;</a:t>
-            </a:r>
-            <a:endParaRPr lang="en-US" altLang="zh-CN" sz="1400" b="0" dirty="0">
-              <a:effectLst/>
-              <a:latin typeface="Consolas" panose="020B0609020204030204" pitchFamily="49" charset="0"/>
-            </a:endParaRPr>
-          </a:p>
-          <a:p>
-            <a:r>
-              <a:rPr lang="en-US" altLang="zh-CN" sz="1400" dirty="0">
-                <a:effectLst/>
-                <a:latin typeface="Consolas" panose="020B0609020204030204" pitchFamily="49" charset="0"/>
-                <a:sym typeface="+mn-ea"/>
-              </a:rPr>
-              <a:t>    c=c&gt;&gt;1;</a:t>
-            </a:r>
-            <a:endParaRPr lang="en-US" altLang="zh-CN" sz="1400" b="0" dirty="0">
-              <a:effectLst/>
-              <a:latin typeface="Consolas" panose="020B0609020204030204" pitchFamily="49" charset="0"/>
-            </a:endParaRPr>
-          </a:p>
-          <a:p>
-            <a:r>
-              <a:rPr lang="en-US" altLang="zh-CN" sz="1400" dirty="0" err="1">
-                <a:effectLst/>
-                <a:latin typeface="Consolas" panose="020B0609020204030204" pitchFamily="49" charset="0"/>
-                <a:sym typeface="+mn-ea"/>
-              </a:rPr>
-              <a:t>printf</a:t>
-            </a:r>
-            <a:r>
-              <a:rPr lang="en-US" altLang="zh-CN" sz="1400" dirty="0">
-                <a:effectLst/>
-                <a:latin typeface="Consolas" panose="020B0609020204030204" pitchFamily="49" charset="0"/>
-                <a:sym typeface="+mn-ea"/>
-              </a:rPr>
-              <a:t>("a=%x\</a:t>
-            </a:r>
-            <a:r>
-              <a:rPr lang="en-US" altLang="zh-CN" sz="1400" dirty="0" err="1">
-                <a:effectLst/>
-                <a:latin typeface="Consolas" panose="020B0609020204030204" pitchFamily="49" charset="0"/>
-                <a:sym typeface="+mn-ea"/>
-              </a:rPr>
-              <a:t>nb</a:t>
-            </a:r>
-            <a:r>
-              <a:rPr lang="en-US" altLang="zh-CN" sz="1400" dirty="0">
-                <a:effectLst/>
-                <a:latin typeface="Consolas" panose="020B0609020204030204" pitchFamily="49" charset="0"/>
-                <a:sym typeface="+mn-ea"/>
-              </a:rPr>
-              <a:t>=%x\</a:t>
-            </a:r>
-            <a:r>
-              <a:rPr lang="en-US" altLang="zh-CN" sz="1400" dirty="0" err="1">
-                <a:effectLst/>
-                <a:latin typeface="Consolas" panose="020B0609020204030204" pitchFamily="49" charset="0"/>
-                <a:sym typeface="+mn-ea"/>
-              </a:rPr>
-              <a:t>nc</a:t>
-            </a:r>
-            <a:r>
-              <a:rPr lang="en-US" altLang="zh-CN" sz="1400" dirty="0">
-                <a:effectLst/>
-                <a:latin typeface="Consolas" panose="020B0609020204030204" pitchFamily="49" charset="0"/>
-                <a:sym typeface="+mn-ea"/>
-              </a:rPr>
-              <a:t>=%x\n",</a:t>
-            </a:r>
-            <a:r>
-              <a:rPr lang="en-US" altLang="zh-CN" sz="1400" dirty="0" err="1">
-                <a:effectLst/>
-                <a:latin typeface="Consolas" panose="020B0609020204030204" pitchFamily="49" charset="0"/>
-                <a:sym typeface="+mn-ea"/>
-              </a:rPr>
-              <a:t>a,b,c</a:t>
-            </a:r>
-            <a:r>
-              <a:rPr lang="en-US" altLang="zh-CN" sz="1400" dirty="0">
-                <a:effectLst/>
-                <a:latin typeface="Consolas" panose="020B0609020204030204" pitchFamily="49" charset="0"/>
-                <a:sym typeface="+mn-ea"/>
-              </a:rPr>
-              <a:t>);</a:t>
-            </a:r>
-            <a:endParaRPr lang="en-US" altLang="zh-CN" sz="1400" b="0" dirty="0">
-              <a:effectLst/>
-              <a:latin typeface="Consolas" panose="020B0609020204030204" pitchFamily="49" charset="0"/>
-            </a:endParaRPr>
-          </a:p>
-          <a:p>
-            <a:r>
-              <a:rPr lang="en-US" altLang="zh-CN" sz="1400" dirty="0">
-                <a:effectLst/>
-                <a:latin typeface="Consolas" panose="020B0609020204030204" pitchFamily="49" charset="0"/>
-                <a:sym typeface="+mn-ea"/>
-              </a:rPr>
-              <a:t>    </a:t>
-            </a:r>
-            <a:r>
-              <a:rPr lang="en-US" altLang="zh-CN" sz="1400" dirty="0" err="1">
-                <a:effectLst/>
-                <a:latin typeface="Consolas" panose="020B0609020204030204" pitchFamily="49" charset="0"/>
-                <a:sym typeface="+mn-ea"/>
-              </a:rPr>
-              <a:t>printf</a:t>
-            </a:r>
-            <a:r>
-              <a:rPr lang="en-US" altLang="zh-CN" sz="1400" dirty="0">
-                <a:effectLst/>
-                <a:latin typeface="Consolas" panose="020B0609020204030204" pitchFamily="49" charset="0"/>
-                <a:sym typeface="+mn-ea"/>
-              </a:rPr>
-              <a:t>("a=%d\</a:t>
-            </a:r>
-            <a:r>
-              <a:rPr lang="en-US" altLang="zh-CN" sz="1400" dirty="0" err="1">
-                <a:effectLst/>
-                <a:latin typeface="Consolas" panose="020B0609020204030204" pitchFamily="49" charset="0"/>
-                <a:sym typeface="+mn-ea"/>
-              </a:rPr>
-              <a:t>nb</a:t>
-            </a:r>
-            <a:r>
-              <a:rPr lang="en-US" altLang="zh-CN" sz="1400" dirty="0">
-                <a:effectLst/>
-                <a:latin typeface="Consolas" panose="020B0609020204030204" pitchFamily="49" charset="0"/>
-                <a:sym typeface="+mn-ea"/>
-              </a:rPr>
-              <a:t>=%d\</a:t>
-            </a:r>
-            <a:r>
-              <a:rPr lang="en-US" altLang="zh-CN" sz="1400" dirty="0" err="1">
-                <a:effectLst/>
-                <a:latin typeface="Consolas" panose="020B0609020204030204" pitchFamily="49" charset="0"/>
-                <a:sym typeface="+mn-ea"/>
-              </a:rPr>
-              <a:t>nc</a:t>
-            </a:r>
-            <a:r>
-              <a:rPr lang="en-US" altLang="zh-CN" sz="1400" dirty="0">
-                <a:effectLst/>
-                <a:latin typeface="Consolas" panose="020B0609020204030204" pitchFamily="49" charset="0"/>
-                <a:sym typeface="+mn-ea"/>
-              </a:rPr>
-              <a:t>=%d\n",</a:t>
-            </a:r>
-            <a:r>
-              <a:rPr lang="en-US" altLang="zh-CN" sz="1400" dirty="0" err="1">
-                <a:effectLst/>
-                <a:latin typeface="Consolas" panose="020B0609020204030204" pitchFamily="49" charset="0"/>
-                <a:sym typeface="+mn-ea"/>
-              </a:rPr>
-              <a:t>a,b,c</a:t>
-            </a:r>
-            <a:r>
-              <a:rPr lang="en-US" altLang="zh-CN" sz="1400" dirty="0">
-                <a:effectLst/>
-                <a:latin typeface="Consolas" panose="020B0609020204030204" pitchFamily="49" charset="0"/>
-                <a:sym typeface="+mn-ea"/>
-              </a:rPr>
-              <a:t>);</a:t>
-            </a:r>
-            <a:endParaRPr lang="en-US" altLang="zh-CN" sz="1400" b="0" dirty="0">
-              <a:effectLst/>
-              <a:latin typeface="Consolas" panose="020B0609020204030204" pitchFamily="49" charset="0"/>
-            </a:endParaRPr>
-          </a:p>
-          <a:p>
-            <a:endParaRPr lang="en-US" altLang="zh-CN" sz="1400" b="0" dirty="0">
-              <a:effectLst/>
-              <a:latin typeface="Consolas" panose="020B0609020204030204" pitchFamily="49" charset="0"/>
-            </a:endParaRPr>
-          </a:p>
-          <a:p>
-            <a:r>
-              <a:rPr lang="en-US" altLang="zh-CN" sz="1400" b="0" dirty="0">
-                <a:effectLst/>
-                <a:latin typeface="Consolas" panose="020B0609020204030204" pitchFamily="49" charset="0"/>
-              </a:rPr>
               <a:t>    return 0;</a:t>
             </a:r>
-            <a:endParaRPr lang="en-US" altLang="zh-CN" sz="1400" b="0" dirty="0">
-              <a:effectLst/>
-              <a:latin typeface="Consolas" panose="020B0609020204030204" pitchFamily="49" charset="0"/>
-            </a:endParaRPr>
           </a:p>
           <a:p>
             <a:r>
@@ -11788,7 +11893,7 @@
           <p:nvPr/>
         </p:nvPicPr>
         <p:blipFill>
-          <a:blip r:embed="rId1"/>
+          <a:blip r:embed="rId3"/>
           <a:stretch>
             <a:fillRect/>
           </a:stretch>
@@ -11875,20 +11980,6 @@
               </a:rPr>
               <a:t> 4. Exercises</a:t>
             </a:r>
-            <a:endParaRPr kumimoji="0" lang="en-US" altLang="zh-CN" sz="3600" b="1" i="0" u="none" strike="noStrike" kern="1200" cap="none" spc="0" normalizeH="0" baseline="0" noProof="0" dirty="0">
-              <a:ln>
-                <a:noFill/>
-              </a:ln>
-              <a:solidFill>
-                <a:prstClr val="black"/>
-              </a:solidFill>
-              <a:effectLst/>
-              <a:uLnTx/>
-              <a:uFillTx/>
-              <a:latin typeface="Calibri" panose="020F0502020204030204"/>
-              <a:ea typeface="宋体" panose="02010600030101010101" pitchFamily="2" charset="-122"/>
-              <a:cs typeface="+mj-cs"/>
-            </a:endParaRPr>
           </a:p>
         </p:txBody>
       </p:sp>
@@ -11901,7 +11992,7 @@
           <p:nvPr/>
         </p:nvPicPr>
         <p:blipFill>
-          <a:blip r:embed="rId2"/>
+          <a:blip r:embed="rId4"/>
           <a:stretch>
             <a:fillRect/>
           </a:stretch>
@@ -12013,20 +12104,6 @@
               </a:rPr>
               <a:t> 4. Exercises</a:t>
             </a:r>
-            <a:endParaRPr kumimoji="0" lang="en-US" altLang="zh-CN" sz="3600" b="1" i="0" u="none" strike="noStrike" kern="1200" cap="none" spc="0" normalizeH="0" baseline="0" noProof="0" dirty="0">
-              <a:ln>
-                <a:noFill/>
-              </a:ln>
-              <a:solidFill>
-                <a:prstClr val="black"/>
-              </a:solidFill>
-              <a:effectLst/>
-              <a:uLnTx/>
-              <a:uFillTx/>
-              <a:latin typeface="Calibri" panose="020F0502020204030204"/>
-              <a:ea typeface="宋体" panose="02010600030101010101" pitchFamily="2" charset="-122"/>
-              <a:cs typeface="+mj-cs"/>
-            </a:endParaRPr>
           </a:p>
         </p:txBody>
       </p:sp>
@@ -12059,7 +12136,6 @@
               <a:rPr lang="en-US" altLang="zh-CN" dirty="0"/>
               <a:t>4.3. Run the following source code and explain the result.</a:t>
             </a:r>
-            <a:endParaRPr lang="en-US" altLang="zh-CN" dirty="0"/>
           </a:p>
         </p:txBody>
       </p:sp>
@@ -12101,6 +12177,16 @@
               </a:rPr>
               <a:t>#include &lt;iostream&gt;  //file name: lab3_p4_3.cpp</a:t>
             </a:r>
+          </a:p>
+          <a:p>
+            <a:r>
+              <a:rPr lang="en-US" altLang="zh-CN" sz="1400" dirty="0">
+                <a:latin typeface="Courier" pitchFamily="2" charset="0"/>
+              </a:rPr>
+              <a:t>using namespace std;</a:t>
+            </a:r>
+          </a:p>
+          <a:p>
             <a:endParaRPr lang="en-US" altLang="zh-CN" sz="1400" dirty="0">
               <a:latin typeface="Courier" pitchFamily="2" charset="0"/>
             </a:endParaRPr>
@@ -12110,44 +12196,115 @@
               <a:rPr lang="en-US" altLang="zh-CN" sz="1400" dirty="0">
                 <a:latin typeface="Courier" pitchFamily="2" charset="0"/>
               </a:rPr>
-              <a:t>using namespace std;</a:t>
-            </a:r>
+              <a:t>int main() </a:t>
+            </a:r>
+          </a:p>
+          <a:p>
+            <a:r>
+              <a:rPr lang="en-US" altLang="zh-CN" sz="1400" dirty="0">
+                <a:latin typeface="Courier" pitchFamily="2" charset="0"/>
+              </a:rPr>
+              <a:t>{</a:t>
+            </a:r>
+          </a:p>
+          <a:p>
+            <a:r>
+              <a:rPr lang="en-US" altLang="zh-CN" sz="1400" dirty="0">
+                <a:latin typeface="Courier" pitchFamily="2" charset="0"/>
+              </a:rPr>
+              <a:t>    </a:t>
+            </a:r>
+            <a:r>
+              <a:rPr lang="en-US" altLang="zh-CN" sz="1400" dirty="0" err="1">
+                <a:latin typeface="Courier" pitchFamily="2" charset="0"/>
+              </a:rPr>
+              <a:t>cout</a:t>
+            </a:r>
+            <a:r>
+              <a:rPr lang="en-US" altLang="zh-CN" sz="1400" dirty="0">
+                <a:latin typeface="Courier" pitchFamily="2" charset="0"/>
+              </a:rPr>
+              <a:t> &lt;&lt; fixed;</a:t>
+            </a:r>
+          </a:p>
+          <a:p>
+            <a:r>
+              <a:rPr lang="en-US" altLang="zh-CN" sz="1400" dirty="0">
+                <a:latin typeface="Courier" pitchFamily="2" charset="0"/>
+              </a:rPr>
+              <a:t>    float f1 = 1.0f;</a:t>
+            </a:r>
+          </a:p>
+          <a:p>
+            <a:r>
+              <a:rPr lang="en-US" altLang="zh-CN" sz="1400" dirty="0">
+                <a:latin typeface="Courier" pitchFamily="2" charset="0"/>
+              </a:rPr>
+              <a:t>    </a:t>
+            </a:r>
+            <a:r>
+              <a:rPr lang="en-US" altLang="zh-CN" sz="1400" dirty="0" err="1">
+                <a:latin typeface="Courier" pitchFamily="2" charset="0"/>
+              </a:rPr>
+              <a:t>cout</a:t>
+            </a:r>
+            <a:r>
+              <a:rPr lang="en-US" altLang="zh-CN" sz="1400" dirty="0">
+                <a:latin typeface="Courier" pitchFamily="2" charset="0"/>
+              </a:rPr>
+              <a:t>&lt;&lt;"f1 = "&lt;&lt;f1&lt;&lt;</a:t>
+            </a:r>
+            <a:r>
+              <a:rPr lang="en-US" altLang="zh-CN" sz="1400" dirty="0" err="1">
+                <a:latin typeface="Courier" pitchFamily="2" charset="0"/>
+              </a:rPr>
+              <a:t>endl</a:t>
+            </a:r>
+            <a:r>
+              <a:rPr lang="en-US" altLang="zh-CN" sz="1400" dirty="0">
+                <a:latin typeface="Courier" pitchFamily="2" charset="0"/>
+              </a:rPr>
+              <a:t>;</a:t>
+            </a:r>
+          </a:p>
+          <a:p>
             <a:endParaRPr lang="en-US" altLang="zh-CN" sz="1400" dirty="0">
               <a:latin typeface="Courier" pitchFamily="2" charset="0"/>
             </a:endParaRPr>
           </a:p>
           <a:p>
-            <a:endParaRPr lang="en-US" altLang="zh-CN" sz="1400" dirty="0">
-              <a:latin typeface="Courier" pitchFamily="2" charset="0"/>
-            </a:endParaRPr>
-          </a:p>
-          <a:p>
             <a:r>
               <a:rPr lang="en-US" altLang="zh-CN" sz="1400" dirty="0">
                 <a:latin typeface="Courier" pitchFamily="2" charset="0"/>
               </a:rPr>
-              <a:t>int main() </a:t>
-            </a:r>
-            <a:endParaRPr lang="en-US" altLang="zh-CN" sz="1400" dirty="0">
-              <a:latin typeface="Courier" pitchFamily="2" charset="0"/>
-            </a:endParaRPr>
+              <a:t>    float a = 0.1f;</a:t>
+            </a:r>
           </a:p>
           <a:p>
             <a:r>
               <a:rPr lang="en-US" altLang="zh-CN" sz="1400" dirty="0">
                 <a:latin typeface="Courier" pitchFamily="2" charset="0"/>
               </a:rPr>
-              <a:t>{</a:t>
-            </a:r>
-            <a:endParaRPr lang="en-US" altLang="zh-CN" sz="1400" dirty="0">
-              <a:latin typeface="Courier" pitchFamily="2" charset="0"/>
-            </a:endParaRPr>
-          </a:p>
-          <a:p>
+              <a:t>    float f2 = </a:t>
+            </a:r>
+            <a:r>
+              <a:rPr lang="en-US" altLang="zh-CN" sz="1400" dirty="0" err="1">
+                <a:latin typeface="Courier" pitchFamily="2" charset="0"/>
+              </a:rPr>
+              <a:t>a+a+a+a+a+a+a+a+a+a</a:t>
+            </a:r>
             <a:r>
               <a:rPr lang="en-US" altLang="zh-CN" sz="1400" dirty="0">
                 <a:latin typeface="Courier" pitchFamily="2" charset="0"/>
               </a:rPr>
+              <a:t>;</a:t>
+            </a:r>
+          </a:p>
+          <a:p>
+            <a:r>
+              <a:rPr lang="en-US" altLang="zh-CN" sz="1400" dirty="0">
+                <a:latin typeface="Courier" pitchFamily="2" charset="0"/>
+              </a:rPr>
               <a:t>    </a:t>
             </a:r>
             <a:r>
@@ -12160,22 +12317,20 @@
               <a:rPr lang="en-US" altLang="zh-CN" sz="1400" dirty="0">
                 <a:latin typeface="Courier" pitchFamily="2" charset="0"/>
               </a:rPr>
-              <a:t> &lt;&lt; fixed;</a:t>
-            </a:r>
-            <a:endParaRPr lang="en-US" altLang="zh-CN" sz="1400" dirty="0">
-              <a:latin typeface="Courier" pitchFamily="2" charset="0"/>
-            </a:endParaRPr>
-          </a:p>
-          <a:p>
+              <a:t>&lt;&lt;"f2 = "&lt;&lt;f2&lt;&lt;</a:t>
+            </a:r>
+            <a:r>
+              <a:rPr lang="en-US" altLang="zh-CN" sz="1400" dirty="0" err="1">
+                <a:latin typeface="Courier" pitchFamily="2" charset="0"/>
+              </a:rPr>
+              <a:t>endl</a:t>
+            </a:r>
             <a:r>
               <a:rPr lang="en-US" altLang="zh-CN" sz="1400" dirty="0">
                 <a:latin typeface="Courier" pitchFamily="2" charset="0"/>
               </a:rPr>
-              <a:t>    float f1 = 1.0f;</a:t>
-            </a:r>
-            <a:endParaRPr lang="en-US" altLang="zh-CN" sz="1400" dirty="0">
-              <a:latin typeface="Courier" pitchFamily="2" charset="0"/>
-            </a:endParaRPr>
+              <a:t>;</a:t>
+            </a:r>
           </a:p>
           <a:p>
             <a:r>
@@ -12184,118 +12339,6 @@
               </a:rPr>
               <a:t>    </a:t>
             </a:r>
-            <a:r>
-              <a:rPr lang="en-US" altLang="zh-CN" sz="1400" dirty="0" err="1">
-                <a:latin typeface="Courier" pitchFamily="2" charset="0"/>
-              </a:rPr>
-              <a:t>cout</a:t>
-            </a:r>
-            <a:r>
-              <a:rPr lang="en-US" altLang="zh-CN" sz="1400" dirty="0">
-                <a:latin typeface="Courier" pitchFamily="2" charset="0"/>
-              </a:rPr>
-              <a:t>&lt;&lt;"f1 = "&lt;&lt;f1&lt;&lt;</a:t>
-            </a:r>
-            <a:r>
-              <a:rPr lang="en-US" altLang="zh-CN" sz="1400" dirty="0" err="1">
-                <a:latin typeface="Courier" pitchFamily="2" charset="0"/>
-              </a:rPr>
-              <a:t>endl</a:t>
-            </a:r>
-            <a:r>
-              <a:rPr lang="en-US" altLang="zh-CN" sz="1400" dirty="0">
-                <a:latin typeface="Courier" pitchFamily="2" charset="0"/>
-              </a:rPr>
-              <a:t>;</a:t>
-            </a:r>
-            <a:endParaRPr lang="en-US" altLang="zh-CN" sz="1400" dirty="0">
-              <a:latin typeface="Courier" pitchFamily="2" charset="0"/>
-            </a:endParaRPr>
-          </a:p>
-          <a:p>
-            <a:endParaRPr lang="en-US" altLang="zh-CN" sz="1400" dirty="0">
-              <a:latin typeface="Courier" pitchFamily="2" charset="0"/>
-            </a:endParaRPr>
-          </a:p>
-          <a:p>
-            <a:r>
-              <a:rPr lang="en-US" altLang="zh-CN" sz="1400" dirty="0">
-                <a:latin typeface="Courier" pitchFamily="2" charset="0"/>
-              </a:rPr>
-              <a:t>    float a = 0.1f;</a:t>
-            </a:r>
-            <a:endParaRPr lang="en-US" altLang="zh-CN" sz="1400" dirty="0">
-              <a:latin typeface="Courier" pitchFamily="2" charset="0"/>
-            </a:endParaRPr>
-          </a:p>
-          <a:p>
-            <a:r>
-              <a:rPr lang="en-US" altLang="zh-CN" sz="1400" dirty="0">
-                <a:latin typeface="Courier" pitchFamily="2" charset="0"/>
-              </a:rPr>
-              <a:t>    float f2 = </a:t>
-            </a:r>
-            <a:r>
-              <a:rPr lang="en-US" altLang="zh-CN" sz="1400" dirty="0" err="1">
-                <a:latin typeface="Courier" pitchFamily="2" charset="0"/>
-              </a:rPr>
-              <a:t>a+a+a+a+a+a+a+a+a+a</a:t>
-            </a:r>
-            <a:r>
-              <a:rPr lang="en-US" altLang="zh-CN" sz="1400" dirty="0">
-                <a:latin typeface="Courier" pitchFamily="2" charset="0"/>
-              </a:rPr>
-              <a:t>;</a:t>
-            </a:r>
-            <a:endParaRPr lang="en-US" altLang="zh-CN" sz="1400" dirty="0">
-              <a:latin typeface="Courier" pitchFamily="2" charset="0"/>
-            </a:endParaRPr>
-          </a:p>
-          <a:p>
-            <a:r>
-              <a:rPr lang="en-US" altLang="zh-CN" sz="1400" dirty="0">
-                <a:latin typeface="Courier" pitchFamily="2" charset="0"/>
-              </a:rPr>
-              <a:t>    </a:t>
-            </a:r>
-            <a:r>
-              <a:rPr lang="en-US" altLang="zh-CN" sz="1400" dirty="0" err="1">
-                <a:latin typeface="Courier" pitchFamily="2" charset="0"/>
-              </a:rPr>
-              <a:t>cout</a:t>
-            </a:r>
-            <a:r>
-              <a:rPr lang="en-US" altLang="zh-CN" sz="1400" dirty="0">
-                <a:latin typeface="Courier" pitchFamily="2" charset="0"/>
-              </a:rPr>
-              <a:t>&lt;&lt;"f2 = "&lt;&lt;f2&lt;&lt;</a:t>
-            </a:r>
-            <a:r>
-              <a:rPr lang="en-US" altLang="zh-CN" sz="1400" dirty="0" err="1">
-                <a:latin typeface="Courier" pitchFamily="2" charset="0"/>
-              </a:rPr>
-              <a:t>endl</a:t>
-            </a:r>
-            <a:r>
-              <a:rPr lang="en-US" altLang="zh-CN" sz="1400" dirty="0">
-                <a:latin typeface="Courier" pitchFamily="2" charset="0"/>
-              </a:rPr>
-              <a:t>;</a:t>
-            </a:r>
-            <a:endParaRPr lang="en-US" altLang="zh-CN" sz="1400" dirty="0">
-              <a:latin typeface="Courier" pitchFamily="2" charset="0"/>
-            </a:endParaRPr>
-          </a:p>
-          <a:p>
-            <a:r>
-              <a:rPr lang="en-US" altLang="zh-CN" sz="1400" dirty="0">
-                <a:latin typeface="Courier" pitchFamily="2" charset="0"/>
-              </a:rPr>
-              <a:t>    </a:t>
-            </a:r>
-            <a:endParaRPr lang="en-US" altLang="zh-CN" sz="1400" dirty="0">
-              <a:latin typeface="Courier" pitchFamily="2" charset="0"/>
-            </a:endParaRPr>
           </a:p>
           <a:p>
             <a:r>
@@ -12313,12 +12356,6 @@
               </a:rPr>
               <a:t>if(f1 == f2)  //TIPS: Modify the code here</a:t>
             </a:r>
-            <a:endParaRPr lang="en-US" altLang="zh-CN" sz="1400" dirty="0">
-              <a:highlight>
-                <a:srgbClr val="FFFF00"/>
-              </a:highlight>
-              <a:latin typeface="Courier" pitchFamily="2" charset="0"/>
-            </a:endParaRPr>
           </a:p>
           <a:p>
             <a:r>
@@ -12351,6 +12388,48 @@
               </a:rPr>
               <a:t>;</a:t>
             </a:r>
+          </a:p>
+          <a:p>
+            <a:r>
+              <a:rPr lang="en-US" altLang="zh-CN" sz="1400" dirty="0">
+                <a:latin typeface="Courier" pitchFamily="2" charset="0"/>
+              </a:rPr>
+              <a:t>    else</a:t>
+            </a:r>
+          </a:p>
+          <a:p>
+            <a:r>
+              <a:rPr lang="en-US" altLang="zh-CN" sz="1400" dirty="0">
+                <a:latin typeface="Courier" pitchFamily="2" charset="0"/>
+              </a:rPr>
+              <a:t>        </a:t>
+            </a:r>
+            <a:r>
+              <a:rPr lang="en-US" altLang="zh-CN" sz="1400" dirty="0" err="1">
+                <a:latin typeface="Courier" pitchFamily="2" charset="0"/>
+              </a:rPr>
+              <a:t>cout</a:t>
+            </a:r>
+            <a:r>
+              <a:rPr lang="en-US" altLang="zh-CN" sz="1400" dirty="0">
+                <a:latin typeface="Courier" pitchFamily="2" charset="0"/>
+              </a:rPr>
+              <a:t> &lt;&lt; "f1 != f2" &lt;&lt; </a:t>
+            </a:r>
+            <a:r>
+              <a:rPr lang="en-US" altLang="zh-CN" sz="1400" dirty="0" err="1">
+                <a:latin typeface="Courier" pitchFamily="2" charset="0"/>
+              </a:rPr>
+              <a:t>endl</a:t>
+            </a:r>
+            <a:r>
+              <a:rPr lang="en-US" altLang="zh-CN" sz="1400" dirty="0">
+                <a:latin typeface="Courier" pitchFamily="2" charset="0"/>
+              </a:rPr>
+              <a:t>;</a:t>
+            </a:r>
+          </a:p>
+          <a:p>
             <a:endParaRPr lang="en-US" altLang="zh-CN" sz="1400" dirty="0">
               <a:latin typeface="Courier" pitchFamily="2" charset="0"/>
             </a:endParaRPr>
@@ -12360,62 +12439,8 @@
               <a:rPr lang="en-US" altLang="zh-CN" sz="1400" dirty="0">
                 <a:latin typeface="Courier" pitchFamily="2" charset="0"/>
               </a:rPr>
-              <a:t>    else</a:t>
-            </a:r>
-            <a:endParaRPr lang="en-US" altLang="zh-CN" sz="1400" dirty="0">
-              <a:latin typeface="Courier" pitchFamily="2" charset="0"/>
-            </a:endParaRPr>
-          </a:p>
-          <a:p>
-            <a:r>
-              <a:rPr lang="en-US" altLang="zh-CN" sz="1400" dirty="0">
-                <a:latin typeface="Courier" pitchFamily="2" charset="0"/>
-              </a:rPr>
-              <a:t>        </a:t>
-            </a:r>
-            <a:r>
-              <a:rPr lang="en-US" altLang="zh-CN" sz="1400" dirty="0" err="1">
-                <a:latin typeface="Courier" pitchFamily="2" charset="0"/>
-              </a:rPr>
-              <a:t>cout</a:t>
-            </a:r>
-            <a:r>
-              <a:rPr lang="en-US" altLang="zh-CN" sz="1400" dirty="0">
-                <a:latin typeface="Courier" pitchFamily="2" charset="0"/>
-              </a:rPr>
-              <a:t> &lt;&lt; "f1 != f2" &lt;&lt; </a:t>
-            </a:r>
-            <a:r>
-              <a:rPr lang="en-US" altLang="zh-CN" sz="1400" dirty="0" err="1">
-                <a:latin typeface="Courier" pitchFamily="2" charset="0"/>
-              </a:rPr>
-              <a:t>endl</a:t>
-            </a:r>
-            <a:r>
-              <a:rPr lang="en-US" altLang="zh-CN" sz="1400" dirty="0">
-                <a:latin typeface="Courier" pitchFamily="2" charset="0"/>
-              </a:rPr>
-              <a:t>;</a:t>
-            </a:r>
-            <a:endParaRPr lang="en-US" altLang="zh-CN" sz="1400" dirty="0">
-              <a:latin typeface="Courier" pitchFamily="2" charset="0"/>
-            </a:endParaRPr>
-          </a:p>
-          <a:p>
-            <a:endParaRPr lang="en-US" altLang="zh-CN" sz="1400" dirty="0">
-              <a:latin typeface="Courier" pitchFamily="2" charset="0"/>
-            </a:endParaRPr>
-          </a:p>
-          <a:p>
-            <a:r>
-              <a:rPr lang="en-US" altLang="zh-CN" sz="1400" dirty="0">
-                <a:latin typeface="Courier" pitchFamily="2" charset="0"/>
-              </a:rPr>
               <a:t>    return 0;</a:t>
             </a:r>
-            <a:endParaRPr lang="en-US" altLang="zh-CN" sz="1400" dirty="0">
-              <a:latin typeface="Courier" pitchFamily="2" charset="0"/>
-            </a:endParaRPr>
           </a:p>
           <a:p>
             <a:r>
@@ -12450,6 +12475,7 @@
           <a:bodyPr wrap="square" rtlCol="0">
             <a:noAutofit/>
           </a:bodyPr>
+          <a:lstStyle/>
           <a:p>
             <a:r>
               <a:rPr lang="en-US" altLang="zh-CN" sz="2800" dirty="0"/>
@@ -12461,16 +12487,13 @@
               </a:rPr>
               <a:t>en using the method learnt in lecture2 to make the output of the code same as following picture .</a:t>
             </a:r>
+          </a:p>
+          <a:p>
             <a:endParaRPr lang="en-US" altLang="zh-CN" sz="2800" dirty="0">
               <a:sym typeface="+mn-ea"/>
             </a:endParaRPr>
           </a:p>
           <a:p>
-            <a:endParaRPr lang="en-US" altLang="zh-CN" sz="2800" dirty="0">
-              <a:sym typeface="+mn-ea"/>
-            </a:endParaRPr>
-          </a:p>
-          <a:p>
             <a:endParaRPr lang="en-US" altLang="zh-CN" sz="2800" dirty="0"/>
           </a:p>
           <a:p>
@@ -12481,7 +12504,6 @@
               <a:rPr lang="en-US" altLang="zh-CN" sz="2800" dirty="0"/>
               <a:t>NOTE: DO NOT use if (f1=f2) instead of if(f1==f2).</a:t>
             </a:r>
-            <a:endParaRPr lang="en-US" altLang="zh-CN" sz="2800" dirty="0"/>
           </a:p>
         </p:txBody>
       </p:sp>
@@ -12494,7 +12516,7 @@
           <p:nvPr/>
         </p:nvPicPr>
         <p:blipFill>
-          <a:blip r:embed="rId1"/>
+          <a:blip r:embed="rId3"/>
           <a:stretch>
             <a:fillRect/>
           </a:stretch>
@@ -12518,7 +12540,7 @@
           <p:nvPr/>
         </p:nvPicPr>
         <p:blipFill>
-          <a:blip r:embed="rId2"/>
+          <a:blip r:embed="rId4"/>
           <a:stretch>
             <a:fillRect/>
           </a:stretch>
@@ -12587,7 +12609,6 @@
               <a:rPr lang="en-US" altLang="zh-CN" dirty="0"/>
               <a:t>4.4. Complete the following source code to print the variables as the following picture and explain the result. </a:t>
             </a:r>
-            <a:endParaRPr lang="en-US" altLang="zh-CN" dirty="0"/>
           </a:p>
           <a:p>
             <a:pPr marL="0" indent="0">
@@ -12597,7 +12618,6 @@
               <a:rPr lang="en-US" altLang="zh-CN" dirty="0"/>
               <a:t>Why the value of a and b are not equal? Explain the division operation with different types.</a:t>
             </a:r>
-            <a:endParaRPr lang="en-US" altLang="zh-CN" dirty="0"/>
           </a:p>
           <a:p>
             <a:pPr marL="0" indent="0">
@@ -12607,7 +12627,6 @@
               <a:rPr lang="en-US" altLang="zh-CN" dirty="0"/>
               <a:t>You need to explain the reason to a SA to pass the test.</a:t>
             </a:r>
-            <a:endParaRPr lang="en-US" altLang="zh-CN" dirty="0"/>
           </a:p>
           <a:p>
             <a:pPr marL="0" indent="0">
@@ -12689,20 +12708,6 @@
               </a:rPr>
               <a:t> 4.Exercises</a:t>
             </a:r>
-            <a:endParaRPr kumimoji="0" lang="en-US" altLang="zh-CN" sz="3600" b="1" i="0" u="none" strike="noStrike" kern="1200" cap="none" spc="0" normalizeH="0" baseline="0" noProof="0" dirty="0">
-              <a:ln>
-                <a:noFill/>
-              </a:ln>
-              <a:solidFill>
-                <a:prstClr val="black"/>
-              </a:solidFill>
-              <a:effectLst/>
-              <a:uLnTx/>
-              <a:uFillTx/>
-              <a:latin typeface="Calibri" panose="020F0502020204030204"/>
-              <a:ea typeface="宋体" panose="02010600030101010101" pitchFamily="2" charset="-122"/>
-              <a:cs typeface="+mj-cs"/>
-            </a:endParaRPr>
           </a:p>
         </p:txBody>
       </p:sp>
@@ -12744,6 +12749,16 @@
               </a:rPr>
               <a:t>#include &lt;iostream&gt;</a:t>
             </a:r>
+          </a:p>
+          <a:p>
+            <a:r>
+              <a:rPr lang="en-US" altLang="zh-CN" sz="1400" dirty="0">
+                <a:latin typeface="Courier" pitchFamily="2" charset="0"/>
+              </a:rPr>
+              <a:t>using namespace std;</a:t>
+            </a:r>
+          </a:p>
+          <a:p>
             <a:endParaRPr lang="en-US" altLang="zh-CN" sz="1400" dirty="0">
               <a:latin typeface="Courier" pitchFamily="2" charset="0"/>
             </a:endParaRPr>
@@ -12753,153 +12768,101 @@
               <a:rPr lang="en-US" altLang="zh-CN" sz="1400" dirty="0">
                 <a:latin typeface="Courier" pitchFamily="2" charset="0"/>
               </a:rPr>
-              <a:t>using namespace std;</a:t>
-            </a:r>
+              <a:t>int main()</a:t>
+            </a:r>
+          </a:p>
+          <a:p>
+            <a:r>
+              <a:rPr lang="en-US" altLang="zh-CN" sz="1400" dirty="0">
+                <a:latin typeface="Courier" pitchFamily="2" charset="0"/>
+              </a:rPr>
+              <a:t>{</a:t>
+            </a:r>
+          </a:p>
+          <a:p>
+            <a:r>
+              <a:rPr lang="en-US" altLang="zh-CN" sz="1400" dirty="0">
+                <a:latin typeface="Courier" pitchFamily="2" charset="0"/>
+              </a:rPr>
+              <a:t>    int a, b;</a:t>
+            </a:r>
+          </a:p>
+          <a:p>
+            <a:r>
+              <a:rPr lang="en-US" altLang="zh-CN" sz="1400" dirty="0">
+                <a:latin typeface="Courier" pitchFamily="2" charset="0"/>
+              </a:rPr>
+              <a:t>    double c, d,f,g;</a:t>
+            </a:r>
+          </a:p>
+          <a:p>
+            <a:r>
+              <a:rPr lang="en-US" altLang="zh-CN" sz="1400" dirty="0">
+                <a:latin typeface="Courier" pitchFamily="2" charset="0"/>
+              </a:rPr>
+              <a:t>    char h;</a:t>
+            </a:r>
+          </a:p>
+          <a:p>
             <a:endParaRPr lang="en-US" altLang="zh-CN" sz="1400" dirty="0">
               <a:latin typeface="Courier" pitchFamily="2" charset="0"/>
             </a:endParaRPr>
           </a:p>
           <a:p>
-            <a:endParaRPr lang="en-US" altLang="zh-CN" sz="1400" dirty="0">
-              <a:latin typeface="Courier" pitchFamily="2" charset="0"/>
-            </a:endParaRPr>
-          </a:p>
-          <a:p>
             <a:r>
               <a:rPr lang="en-US" altLang="zh-CN" sz="1400" dirty="0">
                 <a:latin typeface="Courier" pitchFamily="2" charset="0"/>
               </a:rPr>
-              <a:t>int main()</a:t>
-            </a:r>
-            <a:endParaRPr lang="en-US" altLang="zh-CN" sz="1400" dirty="0">
-              <a:latin typeface="Courier" pitchFamily="2" charset="0"/>
-            </a:endParaRPr>
+              <a:t>    a = 19.99 + 21.99;</a:t>
+            </a:r>
           </a:p>
           <a:p>
             <a:r>
               <a:rPr lang="en-US" altLang="zh-CN" sz="1400" dirty="0">
                 <a:latin typeface="Courier" pitchFamily="2" charset="0"/>
               </a:rPr>
-              <a:t>{</a:t>
-            </a:r>
-            <a:endParaRPr lang="en-US" altLang="zh-CN" sz="1400" dirty="0">
-              <a:latin typeface="Courier" pitchFamily="2" charset="0"/>
-            </a:endParaRPr>
+              <a:t>    b = (int)19.99 + 21.99;</a:t>
+            </a:r>
           </a:p>
           <a:p>
             <a:r>
               <a:rPr lang="en-US" altLang="zh-CN" sz="1400" dirty="0">
                 <a:latin typeface="Courier" pitchFamily="2" charset="0"/>
               </a:rPr>
-              <a:t>    int a, b;</a:t>
-            </a:r>
-            <a:endParaRPr lang="en-US" altLang="zh-CN" sz="1400" dirty="0">
-              <a:latin typeface="Courier" pitchFamily="2" charset="0"/>
-            </a:endParaRPr>
+              <a:t>    c = 23 / 3;</a:t>
+            </a:r>
           </a:p>
           <a:p>
             <a:r>
               <a:rPr lang="en-US" altLang="zh-CN" sz="1400" dirty="0">
                 <a:latin typeface="Courier" pitchFamily="2" charset="0"/>
               </a:rPr>
-              <a:t>    double c, d,f,g;</a:t>
-            </a:r>
-            <a:endParaRPr lang="en-US" altLang="zh-CN" sz="1400" dirty="0">
-              <a:latin typeface="Courier" pitchFamily="2" charset="0"/>
-            </a:endParaRPr>
+              <a:t>    d = 23 / 3.0;</a:t>
+            </a:r>
           </a:p>
           <a:p>
             <a:r>
               <a:rPr lang="en-US" altLang="zh-CN" sz="1400" dirty="0">
                 <a:latin typeface="Courier" pitchFamily="2" charset="0"/>
               </a:rPr>
-              <a:t>    char h;</a:t>
-            </a:r>
-            <a:endParaRPr lang="en-US" altLang="zh-CN" sz="1400" dirty="0">
-              <a:latin typeface="Courier" pitchFamily="2" charset="0"/>
-            </a:endParaRPr>
-          </a:p>
-          <a:p>
-            <a:endParaRPr lang="en-US" altLang="zh-CN" sz="1400" dirty="0">
-              <a:latin typeface="Courier" pitchFamily="2" charset="0"/>
-            </a:endParaRPr>
+              <a:t>    f = 23 / 3.0e4;</a:t>
+            </a:r>
           </a:p>
           <a:p>
             <a:r>
               <a:rPr lang="en-US" altLang="zh-CN" sz="1400" dirty="0">
                 <a:latin typeface="Courier" pitchFamily="2" charset="0"/>
               </a:rPr>
-              <a:t>    a = 19.99 + 21.99;</a:t>
-            </a:r>
-            <a:endParaRPr lang="en-US" altLang="zh-CN" sz="1400" dirty="0">
-              <a:latin typeface="Courier" pitchFamily="2" charset="0"/>
-            </a:endParaRPr>
+              <a:t>    g = 23 / 3.0e5;</a:t>
+            </a:r>
           </a:p>
           <a:p>
             <a:r>
               <a:rPr lang="en-US" altLang="zh-CN" sz="1400" dirty="0">
                 <a:latin typeface="Courier" pitchFamily="2" charset="0"/>
               </a:rPr>
-              <a:t>    b = (int)19.99 + 21.99;</a:t>
-            </a:r>
-            <a:endParaRPr lang="en-US" altLang="zh-CN" sz="1400" dirty="0">
-              <a:latin typeface="Courier" pitchFamily="2" charset="0"/>
-            </a:endParaRPr>
-          </a:p>
-          <a:p>
-            <a:r>
-              <a:rPr lang="en-US" altLang="zh-CN" sz="1400" dirty="0">
-                <a:latin typeface="Courier" pitchFamily="2" charset="0"/>
-              </a:rPr>
-              <a:t>    c = 23 / 3;</a:t>
-            </a:r>
-            <a:endParaRPr lang="en-US" altLang="zh-CN" sz="1400" dirty="0">
-              <a:latin typeface="Courier" pitchFamily="2" charset="0"/>
-            </a:endParaRPr>
-          </a:p>
-          <a:p>
-            <a:r>
-              <a:rPr lang="en-US" altLang="zh-CN" sz="1400" dirty="0">
-                <a:latin typeface="Courier" pitchFamily="2" charset="0"/>
-              </a:rPr>
-              <a:t>    d = 23 / 3.0;</a:t>
-            </a:r>
-            <a:endParaRPr lang="en-US" altLang="zh-CN" sz="1400" dirty="0">
-              <a:latin typeface="Courier" pitchFamily="2" charset="0"/>
-            </a:endParaRPr>
-          </a:p>
-          <a:p>
-            <a:r>
-              <a:rPr lang="en-US" altLang="zh-CN" sz="1400" dirty="0">
-                <a:latin typeface="Courier" pitchFamily="2" charset="0"/>
-              </a:rPr>
-              <a:t>    f = 23 / 3.0e4;</a:t>
-            </a:r>
-            <a:endParaRPr lang="en-US" altLang="zh-CN" sz="1400" dirty="0">
-              <a:latin typeface="Courier" pitchFamily="2" charset="0"/>
-            </a:endParaRPr>
-          </a:p>
-          <a:p>
-            <a:r>
-              <a:rPr lang="en-US" altLang="zh-CN" sz="1400" dirty="0">
-                <a:latin typeface="Courier" pitchFamily="2" charset="0"/>
-              </a:rPr>
-              <a:t>    g = 23 / 3.0e5;</a:t>
-            </a:r>
-            <a:endParaRPr lang="en-US" altLang="zh-CN" sz="1400" dirty="0">
-              <a:latin typeface="Courier" pitchFamily="2" charset="0"/>
-            </a:endParaRPr>
-          </a:p>
-          <a:p>
-            <a:r>
-              <a:rPr lang="en-US" altLang="zh-CN" sz="1400" dirty="0">
-                <a:latin typeface="Courier" pitchFamily="2" charset="0"/>
-              </a:rPr>
               <a:t>    h = 'b' - 32;</a:t>
             </a:r>
-            <a:endParaRPr lang="en-US" altLang="zh-CN" sz="1400" dirty="0">
-              <a:latin typeface="Courier" pitchFamily="2" charset="0"/>
-            </a:endParaRPr>
           </a:p>
           <a:p>
             <a:endParaRPr lang="en-US" altLang="zh-CN" sz="1400" dirty="0">
@@ -12922,12 +12885,6 @@
               </a:rPr>
               <a:t> //complete code here</a:t>
             </a:r>
-            <a:endParaRPr lang="en-US" altLang="zh-CN" sz="1400" dirty="0">
-              <a:highlight>
-                <a:srgbClr val="FFFF00"/>
-              </a:highlight>
-              <a:latin typeface="Courier" pitchFamily="2" charset="0"/>
-            </a:endParaRPr>
           </a:p>
           <a:p>
             <a:r>
@@ -12936,9 +12893,6 @@
               </a:rPr>
               <a:t>    return 0;   </a:t>
             </a:r>
-            <a:endParaRPr lang="en-US" altLang="zh-CN" sz="1400" dirty="0">
-              <a:latin typeface="Courier" pitchFamily="2" charset="0"/>
-            </a:endParaRPr>
           </a:p>
           <a:p>
             <a:r>
@@ -12947,9 +12901,6 @@
               </a:rPr>
               <a:t>}</a:t>
             </a:r>
-            <a:endParaRPr lang="en-US" altLang="zh-CN" sz="1400" dirty="0">
-              <a:latin typeface="Courier" pitchFamily="2" charset="0"/>
-            </a:endParaRPr>
           </a:p>
         </p:txBody>
       </p:sp>
@@ -12962,7 +12913,7 @@
           <p:nvPr/>
         </p:nvPicPr>
         <p:blipFill>
-          <a:blip r:embed="rId1"/>
+          <a:blip r:embed="rId3"/>
           <a:stretch>
             <a:fillRect/>
           </a:stretch>
@@ -13039,7 +12990,6 @@
               <a:rPr lang="en-US" altLang="zh-CN" dirty="0"/>
               <a:t>when defines a variable in C++?</a:t>
             </a:r>
-            <a:endParaRPr lang="en-US" altLang="zh-CN" dirty="0"/>
           </a:p>
           <a:p>
             <a:pPr marL="0" indent="0">
@@ -13049,7 +12999,6 @@
               <a:rPr lang="en-US" altLang="zh-CN" dirty="0"/>
               <a:t>You need to explain the reason to a SA to pass the test.</a:t>
             </a:r>
-            <a:endParaRPr lang="en-US" altLang="zh-CN" dirty="0"/>
           </a:p>
           <a:p>
             <a:pPr marL="0" indent="0">
@@ -13131,20 +13080,6 @@
               </a:rPr>
               <a:t> 4.Exercises</a:t>
             </a:r>
-            <a:endParaRPr kumimoji="0" lang="en-US" altLang="zh-CN" sz="3600" b="1" i="0" u="none" strike="noStrike" kern="1200" cap="none" spc="0" normalizeH="0" baseline="0" noProof="0" dirty="0">
-              <a:ln>
-                <a:noFill/>
-              </a:ln>
-              <a:solidFill>
-                <a:prstClr val="black"/>
-              </a:solidFill>
-              <a:effectLst/>
-              <a:uLnTx/>
-              <a:uFillTx/>
-              <a:latin typeface="Calibri" panose="020F0502020204030204"/>
-              <a:ea typeface="宋体" panose="02010600030101010101" pitchFamily="2" charset="-122"/>
-              <a:cs typeface="+mj-cs"/>
-            </a:endParaRPr>
           </a:p>
         </p:txBody>
       </p:sp>
@@ -13178,6 +13113,7 @@
           <a:bodyPr wrap="square" rtlCol="0">
             <a:spAutoFit/>
           </a:bodyPr>
+          <a:lstStyle/>
           <a:p>
             <a:r>
               <a:rPr lang="en-US" altLang="zh-CN" sz="1400" dirty="0">
@@ -13185,33 +13121,158 @@
               </a:rPr>
               <a:t>#include &lt;iostream&gt; </a:t>
             </a:r>
+          </a:p>
+          <a:p>
             <a:endParaRPr lang="en-US" altLang="zh-CN" sz="1400" dirty="0">
               <a:latin typeface="Courier" pitchFamily="2" charset="0"/>
             </a:endParaRPr>
           </a:p>
           <a:p>
+            <a:r>
+              <a:rPr lang="en-US" altLang="zh-CN" sz="1400" dirty="0">
+                <a:latin typeface="Courier" pitchFamily="2" charset="0"/>
+              </a:rPr>
+              <a:t>int main()</a:t>
+            </a:r>
+          </a:p>
+          <a:p>
+            <a:r>
+              <a:rPr lang="en-US" altLang="zh-CN" sz="1400" dirty="0">
+                <a:latin typeface="Courier" pitchFamily="2" charset="0"/>
+              </a:rPr>
+              <a:t>{</a:t>
+            </a:r>
+          </a:p>
+          <a:p>
+            <a:r>
+              <a:rPr lang="en-US" altLang="zh-CN" sz="1400" dirty="0">
+                <a:latin typeface="Courier" pitchFamily="2" charset="0"/>
+              </a:rPr>
+              <a:t>    auto a = 10;</a:t>
+            </a:r>
+          </a:p>
+          <a:p>
+            <a:r>
+              <a:rPr lang="en-US" altLang="zh-CN" sz="1400" dirty="0">
+                <a:latin typeface="Courier" pitchFamily="2" charset="0"/>
+              </a:rPr>
+              <a:t>    a = 20.5;</a:t>
+            </a:r>
+          </a:p>
+          <a:p>
+            <a:r>
+              <a:rPr lang="en-US" altLang="zh-CN" sz="1400" dirty="0">
+                <a:latin typeface="Courier" pitchFamily="2" charset="0"/>
+              </a:rPr>
+              <a:t>    a += 10.5;</a:t>
+            </a:r>
+          </a:p>
+          <a:p>
+            <a:r>
+              <a:rPr lang="en-US" altLang="zh-CN" sz="1400" dirty="0">
+                <a:latin typeface="Courier" pitchFamily="2" charset="0"/>
+              </a:rPr>
+              <a:t>    std::</a:t>
+            </a:r>
+            <a:r>
+              <a:rPr lang="en-US" altLang="zh-CN" sz="1400" dirty="0" err="1">
+                <a:latin typeface="Courier" pitchFamily="2" charset="0"/>
+              </a:rPr>
+              <a:t>cout</a:t>
+            </a:r>
+            <a:r>
+              <a:rPr lang="en-US" altLang="zh-CN" sz="1400" dirty="0">
+                <a:latin typeface="Courier" pitchFamily="2" charset="0"/>
+              </a:rPr>
+              <a:t> &lt;&lt; a &lt;&lt; std::</a:t>
+            </a:r>
+            <a:r>
+              <a:rPr lang="en-US" altLang="zh-CN" sz="1400" dirty="0" err="1">
+                <a:latin typeface="Courier" pitchFamily="2" charset="0"/>
+              </a:rPr>
+              <a:t>endl</a:t>
+            </a:r>
+            <a:r>
+              <a:rPr lang="en-US" altLang="zh-CN" sz="1400" dirty="0">
+                <a:latin typeface="Courier" pitchFamily="2" charset="0"/>
+              </a:rPr>
+              <a:t>;</a:t>
+            </a:r>
+          </a:p>
+          <a:p>
             <a:endParaRPr lang="en-US" altLang="zh-CN" sz="1400" dirty="0">
               <a:latin typeface="Courier" pitchFamily="2" charset="0"/>
             </a:endParaRPr>
           </a:p>
           <a:p>
+            <a:pPr indent="457200"/>
             <a:r>
               <a:rPr lang="en-US" altLang="zh-CN" sz="1400" dirty="0">
                 <a:latin typeface="Courier" pitchFamily="2" charset="0"/>
               </a:rPr>
-              <a:t>int main()</a:t>
+              <a:t>auto b=10.0;</a:t>
+            </a:r>
+          </a:p>
+          <a:p>
+            <a:pPr indent="457200"/>
+            <a:r>
+              <a:rPr lang="en-US" altLang="zh-CN" sz="1400" dirty="0">
+                <a:latin typeface="Courier" pitchFamily="2" charset="0"/>
+              </a:rPr>
+              <a:t>b = 20.5;</a:t>
+            </a:r>
+          </a:p>
+          <a:p>
+            <a:pPr indent="457200"/>
+            <a:r>
+              <a:rPr lang="en-US" altLang="zh-CN" sz="1400" dirty="0">
+                <a:latin typeface="Courier" pitchFamily="2" charset="0"/>
+              </a:rPr>
+              <a:t>b +=a;</a:t>
+            </a:r>
+          </a:p>
+          <a:p>
+            <a:pPr indent="457200"/>
+            <a:r>
+              <a:rPr lang="en-US" altLang="zh-CN" sz="1400" dirty="0">
+                <a:latin typeface="Courier" pitchFamily="2" charset="0"/>
+                <a:sym typeface="+mn-ea"/>
+              </a:rPr>
+              <a:t>std::</a:t>
+            </a:r>
+            <a:r>
+              <a:rPr lang="en-US" altLang="zh-CN" sz="1400" dirty="0" err="1">
+                <a:latin typeface="Courier" pitchFamily="2" charset="0"/>
+                <a:sym typeface="+mn-ea"/>
+              </a:rPr>
+              <a:t>cout</a:t>
+            </a:r>
+            <a:r>
+              <a:rPr lang="en-US" altLang="zh-CN" sz="1400" dirty="0">
+                <a:latin typeface="Courier" pitchFamily="2" charset="0"/>
+                <a:sym typeface="+mn-ea"/>
+              </a:rPr>
+              <a:t> &lt;&lt; b &lt;&lt; std::</a:t>
+            </a:r>
+            <a:r>
+              <a:rPr lang="en-US" altLang="zh-CN" sz="1400" dirty="0" err="1">
+                <a:latin typeface="Courier" pitchFamily="2" charset="0"/>
+                <a:sym typeface="+mn-ea"/>
+              </a:rPr>
+              <a:t>endl</a:t>
+            </a:r>
+            <a:r>
+              <a:rPr lang="en-US" altLang="zh-CN" sz="1400" dirty="0">
+                <a:latin typeface="Courier" pitchFamily="2" charset="0"/>
+                <a:sym typeface="+mn-ea"/>
+              </a:rPr>
+              <a:t>;</a:t>
             </a:r>
             <a:endParaRPr lang="en-US" altLang="zh-CN" sz="1400" dirty="0">
               <a:latin typeface="Courier" pitchFamily="2" charset="0"/>
             </a:endParaRPr>
           </a:p>
           <a:p>
-            <a:r>
-              <a:rPr lang="en-US" altLang="zh-CN" sz="1400" dirty="0">
-                <a:latin typeface="Courier" pitchFamily="2" charset="0"/>
-              </a:rPr>
-              <a:t>{</a:t>
-            </a:r>
             <a:endParaRPr lang="en-US" altLang="zh-CN" sz="1400" dirty="0">
               <a:latin typeface="Courier" pitchFamily="2" charset="0"/>
             </a:endParaRPr>
@@ -13221,177 +13282,16 @@
               <a:rPr lang="en-US" altLang="zh-CN" sz="1400" dirty="0">
                 <a:latin typeface="Courier" pitchFamily="2" charset="0"/>
               </a:rPr>
-              <a:t>    auto a = 10;</a:t>
-            </a:r>
-            <a:endParaRPr lang="en-US" altLang="zh-CN" sz="1400" dirty="0">
-              <a:latin typeface="Courier" pitchFamily="2" charset="0"/>
-            </a:endParaRPr>
+              <a:t>    return 0;</a:t>
+            </a:r>
           </a:p>
           <a:p>
             <a:r>
               <a:rPr lang="en-US" altLang="zh-CN" sz="1400" dirty="0">
                 <a:latin typeface="Courier" pitchFamily="2" charset="0"/>
               </a:rPr>
-              <a:t>    a = 20.5;</a:t>
-            </a:r>
-            <a:endParaRPr lang="en-US" altLang="zh-CN" sz="1400" dirty="0">
-              <a:latin typeface="Courier" pitchFamily="2" charset="0"/>
-            </a:endParaRPr>
-          </a:p>
-          <a:p>
-            <a:r>
-              <a:rPr lang="en-US" altLang="zh-CN" sz="1400" dirty="0">
-                <a:latin typeface="Courier" pitchFamily="2" charset="0"/>
-              </a:rPr>
-              <a:t>    a += 10.5;</a:t>
-            </a:r>
-            <a:endParaRPr lang="en-US" altLang="zh-CN" sz="1400" dirty="0">
-              <a:latin typeface="Courier" pitchFamily="2" charset="0"/>
-            </a:endParaRPr>
-          </a:p>
-          <a:p>
-            <a:r>
-              <a:rPr lang="en-US" altLang="zh-CN" sz="1400" dirty="0">
-                <a:latin typeface="Courier" pitchFamily="2" charset="0"/>
-              </a:rPr>
-              <a:t>    std::</a:t>
-            </a:r>
-            <a:r>
-              <a:rPr lang="en-US" altLang="zh-CN" sz="1400" dirty="0" err="1">
-                <a:latin typeface="Courier" pitchFamily="2" charset="0"/>
-              </a:rPr>
-              <a:t>cout</a:t>
-            </a:r>
-            <a:r>
-              <a:rPr lang="en-US" altLang="zh-CN" sz="1400" dirty="0">
-                <a:latin typeface="Courier" pitchFamily="2" charset="0"/>
-              </a:rPr>
-              <a:t> &lt;&lt; a &lt;&lt; std::</a:t>
-            </a:r>
-            <a:r>
-              <a:rPr lang="en-US" altLang="zh-CN" sz="1400" dirty="0" err="1">
-                <a:latin typeface="Courier" pitchFamily="2" charset="0"/>
-              </a:rPr>
-              <a:t>endl</a:t>
-            </a:r>
-            <a:r>
-              <a:rPr lang="en-US" altLang="zh-CN" sz="1400" dirty="0">
-                <a:latin typeface="Courier" pitchFamily="2" charset="0"/>
-              </a:rPr>
-              <a:t>;</a:t>
-            </a:r>
-            <a:endParaRPr lang="en-US" altLang="zh-CN" sz="1400" dirty="0">
-              <a:latin typeface="Courier" pitchFamily="2" charset="0"/>
-            </a:endParaRPr>
-          </a:p>
-          <a:p>
-            <a:endParaRPr lang="en-US" altLang="zh-CN" sz="1400" dirty="0">
-              <a:latin typeface="Courier" pitchFamily="2" charset="0"/>
-            </a:endParaRPr>
-          </a:p>
-          <a:p>
-            <a:pPr indent="457200"/>
-            <a:r>
-              <a:rPr lang="en-US" altLang="zh-CN" sz="1400" dirty="0">
-                <a:latin typeface="Courier" pitchFamily="2" charset="0"/>
-              </a:rPr>
-              <a:t>auto b=10.0;</a:t>
-            </a:r>
-            <a:endParaRPr lang="en-US" altLang="zh-CN" sz="1400" dirty="0">
-              <a:latin typeface="Courier" pitchFamily="2" charset="0"/>
-            </a:endParaRPr>
-          </a:p>
-          <a:p>
-            <a:pPr indent="457200"/>
-            <a:r>
-              <a:rPr lang="en-US" altLang="zh-CN" sz="1400" dirty="0">
-                <a:latin typeface="Courier" pitchFamily="2" charset="0"/>
-              </a:rPr>
-              <a:t>b = 20.5;</a:t>
-            </a:r>
-            <a:endParaRPr lang="en-US" altLang="zh-CN" sz="1400" dirty="0">
-              <a:latin typeface="Courier" pitchFamily="2" charset="0"/>
-            </a:endParaRPr>
-          </a:p>
-          <a:p>
-            <a:pPr indent="457200"/>
-            <a:r>
-              <a:rPr lang="en-US" altLang="zh-CN" sz="1400" dirty="0">
-                <a:latin typeface="Courier" pitchFamily="2" charset="0"/>
-              </a:rPr>
-              <a:t>b +=a;</a:t>
-            </a:r>
-            <a:endParaRPr lang="en-US" altLang="zh-CN" sz="1400" dirty="0">
-              <a:latin typeface="Courier" pitchFamily="2" charset="0"/>
-            </a:endParaRPr>
-          </a:p>
-          <a:p>
-            <a:pPr indent="457200"/>
-            <a:r>
-              <a:rPr lang="en-US" altLang="zh-CN" sz="1400" dirty="0">
-                <a:latin typeface="Courier" pitchFamily="2" charset="0"/>
-                <a:sym typeface="+mn-ea"/>
-              </a:rPr>
-              <a:t>std::</a:t>
-            </a:r>
-            <a:r>
-              <a:rPr lang="en-US" altLang="zh-CN" sz="1400" dirty="0" err="1">
-                <a:latin typeface="Courier" pitchFamily="2" charset="0"/>
-                <a:sym typeface="+mn-ea"/>
-              </a:rPr>
-              <a:t>cout</a:t>
-            </a:r>
-            <a:r>
-              <a:rPr lang="en-US" altLang="zh-CN" sz="1400" dirty="0">
-                <a:latin typeface="Courier" pitchFamily="2" charset="0"/>
-                <a:sym typeface="+mn-ea"/>
-              </a:rPr>
-              <a:t> &lt;&lt; b &lt;&lt; std::</a:t>
-            </a:r>
-            <a:r>
-              <a:rPr lang="en-US" altLang="zh-CN" sz="1400" dirty="0" err="1">
-                <a:latin typeface="Courier" pitchFamily="2" charset="0"/>
-                <a:sym typeface="+mn-ea"/>
-              </a:rPr>
-              <a:t>endl</a:t>
-            </a:r>
-            <a:r>
-              <a:rPr lang="en-US" altLang="zh-CN" sz="1400" dirty="0">
-                <a:latin typeface="Courier" pitchFamily="2" charset="0"/>
-                <a:sym typeface="+mn-ea"/>
-              </a:rPr>
-              <a:t>;</a:t>
-            </a:r>
-            <a:endParaRPr lang="en-US" altLang="zh-CN" sz="1400" dirty="0">
-              <a:latin typeface="Courier" pitchFamily="2" charset="0"/>
-            </a:endParaRPr>
-          </a:p>
-          <a:p>
-            <a:endParaRPr lang="en-US" altLang="zh-CN" sz="1400" dirty="0">
-              <a:latin typeface="Courier" pitchFamily="2" charset="0"/>
-            </a:endParaRPr>
-          </a:p>
-          <a:p>
-            <a:r>
-              <a:rPr lang="en-US" altLang="zh-CN" sz="1400" dirty="0">
-                <a:latin typeface="Courier" pitchFamily="2" charset="0"/>
-              </a:rPr>
-              <a:t>    return 0;</a:t>
-            </a:r>
-            <a:endParaRPr lang="en-US" altLang="zh-CN" sz="1400" dirty="0">
-              <a:latin typeface="Courier" pitchFamily="2" charset="0"/>
-            </a:endParaRPr>
-          </a:p>
-          <a:p>
-            <a:r>
-              <a:rPr lang="en-US" altLang="zh-CN" sz="1400" dirty="0">
-                <a:latin typeface="Courier" pitchFamily="2" charset="0"/>
-              </a:rPr>
               <a:t>    </a:t>
             </a:r>
-            <a:endParaRPr lang="en-US" altLang="zh-CN" sz="1400" dirty="0">
-              <a:latin typeface="Courier" pitchFamily="2" charset="0"/>
-            </a:endParaRPr>
           </a:p>
           <a:p>
             <a:r>
@@ -13565,21 +13465,18 @@
               <a:rPr lang="en-US" altLang="zh-CN" sz="1600" dirty="0"/>
               <a:t>int main()</a:t>
             </a:r>
-            <a:endParaRPr lang="en-US" altLang="zh-CN" sz="1600" dirty="0"/>
           </a:p>
           <a:p>
             <a:r>
               <a:rPr lang="en-US" altLang="zh-CN" sz="1600" dirty="0"/>
               <a:t>{</a:t>
             </a:r>
-            <a:endParaRPr lang="en-US" altLang="zh-CN" sz="1600" dirty="0"/>
           </a:p>
           <a:p>
             <a:r>
               <a:rPr lang="en-US" altLang="zh-CN" sz="1600" dirty="0"/>
               <a:t>    double f1 = 1.200;</a:t>
             </a:r>
-            <a:endParaRPr lang="en-US" altLang="zh-CN" sz="1600" dirty="0"/>
           </a:p>
           <a:p>
             <a:r>
@@ -13602,7 +13499,6 @@
               <a:rPr lang="en-US" altLang="zh-CN" sz="1600" dirty="0"/>
               <a:t>;</a:t>
             </a:r>
-            <a:endParaRPr lang="en-US" altLang="zh-CN" sz="1600" dirty="0"/>
           </a:p>
           <a:p>
             <a:r>
@@ -13625,7 +13521,6 @@
               <a:rPr lang="en-US" altLang="zh-CN" sz="1600" dirty="0"/>
               <a:t>;</a:t>
             </a:r>
-            <a:endParaRPr lang="en-US" altLang="zh-CN" sz="1600" dirty="0"/>
           </a:p>
           <a:p>
             <a:endParaRPr lang="en-US" altLang="zh-CN" sz="1600" dirty="0"/>
@@ -13635,7 +13530,6 @@
               <a:rPr lang="en-US" altLang="zh-CN" sz="1600" dirty="0"/>
               <a:t>    double f2 = 1.67E2;</a:t>
             </a:r>
-            <a:endParaRPr lang="en-US" altLang="zh-CN" sz="1600" dirty="0"/>
           </a:p>
           <a:p>
             <a:r>
@@ -13658,7 +13552,6 @@
               <a:rPr lang="en-US" altLang="zh-CN" sz="1600" dirty="0"/>
               <a:t>;</a:t>
             </a:r>
-            <a:endParaRPr lang="en-US" altLang="zh-CN" sz="1600" dirty="0"/>
           </a:p>
           <a:p>
             <a:endParaRPr lang="en-US" altLang="zh-CN" sz="1600" dirty="0"/>
@@ -13668,7 +13561,6 @@
               <a:rPr lang="en-US" altLang="zh-CN" sz="1600" dirty="0"/>
               <a:t>    double f3 = f2 + 1.0/9.0;</a:t>
             </a:r>
-            <a:endParaRPr lang="en-US" altLang="zh-CN" sz="1600" dirty="0"/>
           </a:p>
           <a:p>
             <a:r>
@@ -13691,7 +13583,6 @@
               <a:rPr lang="en-US" altLang="zh-CN" sz="1600" dirty="0"/>
               <a:t>;</a:t>
             </a:r>
-            <a:endParaRPr lang="en-US" altLang="zh-CN" sz="1600" dirty="0"/>
           </a:p>
           <a:p>
             <a:r>
@@ -13714,7 +13605,6 @@
               <a:rPr lang="en-US" altLang="zh-CN" sz="1600" dirty="0"/>
               <a:t>;</a:t>
             </a:r>
-            <a:endParaRPr lang="en-US" altLang="zh-CN" sz="1600" dirty="0"/>
           </a:p>
           <a:p>
             <a:endParaRPr lang="en-US" altLang="zh-CN" sz="1600" dirty="0"/>
@@ -13724,7 +13614,6 @@
               <a:rPr lang="en-US" altLang="zh-CN" sz="1600" dirty="0"/>
               <a:t>    double f4 = 2.3e-4;</a:t>
             </a:r>
-            <a:endParaRPr lang="en-US" altLang="zh-CN" sz="1600" dirty="0"/>
           </a:p>
           <a:p>
             <a:r>
@@ -13747,7 +13636,6 @@
               <a:rPr lang="en-US" altLang="zh-CN" sz="1600" dirty="0"/>
               <a:t>;</a:t>
             </a:r>
-            <a:endParaRPr lang="en-US" altLang="zh-CN" sz="1600" dirty="0"/>
           </a:p>
           <a:p>
             <a:r>
@@ -13770,7 +13658,6 @@
               <a:rPr lang="en-US" altLang="zh-CN" sz="1600" dirty="0"/>
               <a:t>;</a:t>
             </a:r>
-            <a:endParaRPr lang="en-US" altLang="zh-CN" sz="1600" dirty="0"/>
           </a:p>
           <a:p>
             <a:endParaRPr lang="en-US" altLang="zh-CN" sz="1600" dirty="0"/>
@@ -13780,7 +13667,6 @@
               <a:rPr lang="en-US" altLang="zh-CN" sz="1600" dirty="0"/>
               <a:t>    return 0;</a:t>
             </a:r>
-            <a:endParaRPr lang="en-US" altLang="zh-CN" sz="1600" dirty="0"/>
           </a:p>
           <a:p>
             <a:r>
@@ -13800,7 +13686,7 @@
           <p:nvPr/>
         </p:nvPicPr>
         <p:blipFill>
-          <a:blip r:embed="rId1"/>
+          <a:blip r:embed="rId3"/>
           <a:stretch>
             <a:fillRect/>
           </a:stretch>
@@ -14067,11 +13953,6 @@
               </a:rPr>
               <a:t>class</a:t>
             </a:r>
-            <a:endParaRPr lang="en-US" altLang="zh-CN" sz="2800" b="1" i="1" dirty="0">
-              <a:solidFill>
-                <a:prstClr val="black"/>
-              </a:solidFill>
-            </a:endParaRPr>
           </a:p>
         </p:txBody>
       </p:sp>
@@ -14140,11 +14021,6 @@
               </a:rPr>
               <a:t>() function has two prototypes,the first one is:</a:t>
             </a:r>
-            <a:endParaRPr lang="en-US" altLang="zh-CN" sz="2400" dirty="0">
-              <a:solidFill>
-                <a:prstClr val="black"/>
-              </a:solidFill>
-            </a:endParaRPr>
           </a:p>
           <a:p>
             <a:r>
@@ -14187,11 +14063,6 @@
               </a:rPr>
               <a:t>);</a:t>
             </a:r>
-            <a:endParaRPr lang="en-US" altLang="zh-CN" sz="2400" dirty="0">
-              <a:solidFill>
-                <a:prstClr val="black"/>
-              </a:solidFill>
-            </a:endParaRPr>
           </a:p>
         </p:txBody>
       </p:sp>
@@ -14241,11 +14112,6 @@
               </a:rPr>
               <a:t>output formats</a:t>
             </a:r>
-            <a:endParaRPr lang="en-US" altLang="zh-CN" sz="2800" b="1" dirty="0">
-              <a:solidFill>
-                <a:srgbClr val="00B0F0"/>
-              </a:solidFill>
-            </a:endParaRPr>
           </a:p>
           <a:p>
             <a:pPr indent="0">
@@ -14284,11 +14150,6 @@
               </a:rPr>
               <a:t>class</a:t>
             </a:r>
-            <a:endParaRPr lang="en-US" altLang="zh-CN" sz="2800" b="1" i="1" dirty="0">
-              <a:solidFill>
-                <a:prstClr val="black"/>
-              </a:solidFill>
-            </a:endParaRPr>
           </a:p>
           <a:p>
             <a:pPr indent="0">
@@ -14344,7 +14205,7 @@
           <p:nvPr/>
         </p:nvPicPr>
         <p:blipFill>
-          <a:blip r:embed="rId1"/>
+          <a:blip r:embed="rId3"/>
           <a:stretch>
             <a:fillRect/>
           </a:stretch>
@@ -14368,7 +14229,7 @@
           <p:nvPr/>
         </p:nvPicPr>
         <p:blipFill>
-          <a:blip r:embed="rId2"/>
+          <a:blip r:embed="rId4"/>
           <a:stretch>
             <a:fillRect/>
           </a:stretch>
@@ -14403,6 +14264,7 @@
           <a:bodyPr wrap="square" rtlCol="0">
             <a:spAutoFit/>
           </a:bodyPr>
+          <a:lstStyle/>
           <a:p>
             <a:endParaRPr lang="zh-CN" altLang="en-US"/>
           </a:p>
@@ -14652,11 +14514,6 @@
               </a:rPr>
               <a:t> class</a:t>
             </a:r>
-            <a:endParaRPr lang="en-US" altLang="zh-CN" sz="2800" b="1" i="1" dirty="0">
-              <a:solidFill>
-                <a:prstClr val="black"/>
-              </a:solidFill>
-            </a:endParaRPr>
           </a:p>
         </p:txBody>
       </p:sp>
@@ -14690,11 +14547,6 @@
               </a:rPr>
               <a:t>The second  one is:</a:t>
             </a:r>
-            <a:endParaRPr lang="en-US" altLang="zh-CN" sz="2400" dirty="0">
-              <a:solidFill>
-                <a:prstClr val="black"/>
-              </a:solidFill>
-            </a:endParaRPr>
           </a:p>
           <a:p>
             <a:r>
@@ -14737,11 +14589,6 @@
               </a:rPr>
               <a:t>);</a:t>
             </a:r>
-            <a:endParaRPr lang="en-US" altLang="zh-CN" sz="2400" dirty="0">
-              <a:solidFill>
-                <a:prstClr val="black"/>
-              </a:solidFill>
-            </a:endParaRPr>
           </a:p>
         </p:txBody>
       </p:sp>
@@ -14754,7 +14601,7 @@
           <p:nvPr/>
         </p:nvPicPr>
         <p:blipFill>
-          <a:blip r:embed="rId1">
+          <a:blip r:embed="rId3">
             <a:extLst>
               <a:ext uri="{28A0092B-C50C-407E-A947-70E740481C1C}">
                 <a14:useLocalDpi xmlns:a14="http://schemas.microsoft.com/office/drawing/2010/main" val="0"/>
@@ -14966,7 +14813,7 @@
           <p:nvPr/>
         </p:nvPicPr>
         <p:blipFill>
-          <a:blip r:embed="rId1"/>
+          <a:blip r:embed="rId3"/>
           <a:stretch>
             <a:fillRect/>
           </a:stretch>
@@ -15017,14 +14864,12 @@
               <a:rPr lang="en-US" altLang="zh-CN" dirty="0"/>
               <a:t>#include &lt;iostream&gt;</a:t>
             </a:r>
-            <a:endParaRPr lang="en-US" altLang="zh-CN" dirty="0"/>
           </a:p>
           <a:p>
             <a:r>
               <a:rPr lang="en-US" altLang="zh-CN" dirty="0"/>
               <a:t>using namespace std;</a:t>
             </a:r>
-            <a:endParaRPr lang="en-US" altLang="zh-CN" dirty="0"/>
           </a:p>
           <a:p>
             <a:endParaRPr lang="en-US" altLang="zh-CN" dirty="0"/>
@@ -15034,14 +14879,12 @@
               <a:rPr lang="en-US" altLang="zh-CN" dirty="0"/>
               <a:t>int main()</a:t>
             </a:r>
-            <a:endParaRPr lang="en-US" altLang="zh-CN" dirty="0"/>
           </a:p>
           <a:p>
             <a:r>
               <a:rPr lang="en-US" altLang="zh-CN" dirty="0"/>
               <a:t>{</a:t>
             </a:r>
-            <a:endParaRPr lang="en-US" altLang="zh-CN" dirty="0"/>
           </a:p>
           <a:p>
             <a:r>
@@ -15064,7 +14907,6 @@
               <a:rPr lang="en-US" altLang="zh-CN" dirty="0"/>
               <a:t>;</a:t>
             </a:r>
-            <a:endParaRPr lang="en-US" altLang="zh-CN" dirty="0"/>
           </a:p>
           <a:p>
             <a:r>
@@ -15079,7 +14921,6 @@
               <a:rPr lang="en-US" altLang="zh-CN" dirty="0"/>
               <a:t>(12);</a:t>
             </a:r>
-            <a:endParaRPr lang="en-US" altLang="zh-CN" dirty="0"/>
           </a:p>
           <a:p>
             <a:r>
@@ -15094,7 +14935,6 @@
               <a:rPr lang="en-US" altLang="zh-CN" dirty="0"/>
               <a:t>('+');</a:t>
             </a:r>
-            <a:endParaRPr lang="en-US" altLang="zh-CN" dirty="0"/>
           </a:p>
           <a:p>
             <a:r>
@@ -15117,7 +14957,6 @@
               <a:rPr lang="en-US" altLang="zh-CN" dirty="0"/>
               <a:t>;</a:t>
             </a:r>
-            <a:endParaRPr lang="en-US" altLang="zh-CN" dirty="0"/>
           </a:p>
           <a:p>
             <a:endParaRPr lang="en-US" altLang="zh-CN" dirty="0"/>
@@ -15135,7 +14974,6 @@
               <a:rPr lang="en-US" altLang="zh-CN" dirty="0"/>
               <a:t>(2);</a:t>
             </a:r>
-            <a:endParaRPr lang="en-US" altLang="zh-CN" dirty="0"/>
           </a:p>
           <a:p>
             <a:r>
@@ -15158,7 +14996,6 @@
               <a:rPr lang="en-US" altLang="zh-CN" dirty="0"/>
               <a:t>;</a:t>
             </a:r>
-            <a:endParaRPr lang="en-US" altLang="zh-CN" dirty="0"/>
           </a:p>
           <a:p>
             <a:r>
@@ -15173,7 +15010,6 @@
               <a:rPr lang="en-US" altLang="zh-CN" dirty="0"/>
               <a:t>(5);</a:t>
             </a:r>
-            <a:endParaRPr lang="en-US" altLang="zh-CN" dirty="0"/>
           </a:p>
           <a:p>
             <a:r>
@@ -15196,7 +15032,6 @@
               <a:rPr lang="en-US" altLang="zh-CN" dirty="0"/>
               <a:t>;</a:t>
             </a:r>
-            <a:endParaRPr lang="en-US" altLang="zh-CN" dirty="0"/>
           </a:p>
           <a:p>
             <a:endParaRPr lang="en-US" altLang="zh-CN" dirty="0"/>
@@ -15206,7 +15041,6 @@
               <a:rPr lang="en-US" altLang="zh-CN" dirty="0"/>
               <a:t>    return 0;</a:t>
             </a:r>
-            <a:endParaRPr lang="en-US" altLang="zh-CN" dirty="0"/>
           </a:p>
           <a:p>
             <a:r>
@@ -15267,11 +15101,6 @@
               </a:rPr>
               <a:t> class</a:t>
             </a:r>
-            <a:endParaRPr lang="en-US" altLang="zh-CN" sz="2800" b="1" i="1" dirty="0">
-              <a:solidFill>
-                <a:prstClr val="black"/>
-              </a:solidFill>
-            </a:endParaRPr>
           </a:p>
         </p:txBody>
       </p:sp>
@@ -15353,11 +15182,6 @@
               </a:rPr>
               <a:t>//set the field width</a:t>
             </a:r>
-            <a:endParaRPr lang="en-US" altLang="zh-CN" sz="2000" dirty="0">
-              <a:solidFill>
-                <a:srgbClr val="00B050"/>
-              </a:solidFill>
-            </a:endParaRPr>
           </a:p>
           <a:p>
             <a:r>
@@ -15416,11 +15240,6 @@
               </a:rPr>
               <a:t>// fill character to be used with justified field</a:t>
             </a:r>
-            <a:endParaRPr lang="en-US" altLang="zh-CN" sz="2000" dirty="0">
-              <a:solidFill>
-                <a:srgbClr val="00B050"/>
-              </a:solidFill>
-            </a:endParaRPr>
           </a:p>
           <a:p>
             <a:r>
@@ -15463,11 +15282,6 @@
               </a:rPr>
               <a:t>// set the precision of floating-point numbers</a:t>
             </a:r>
-            <a:endParaRPr lang="en-US" altLang="zh-CN" sz="2000" dirty="0">
-              <a:solidFill>
-                <a:srgbClr val="00B050"/>
-              </a:solidFill>
-            </a:endParaRPr>
           </a:p>
           <a:p>
             <a:endParaRPr lang="en-US" altLang="zh-CN" sz="2000" dirty="0">
@@ -15744,14 +15558,12 @@
               <a:rPr lang="en-US" altLang="zh-CN" dirty="0"/>
               <a:t>#include &lt;iostream&gt;</a:t>
             </a:r>
-            <a:endParaRPr lang="en-US" altLang="zh-CN" dirty="0"/>
           </a:p>
           <a:p>
             <a:r>
               <a:rPr lang="en-US" altLang="zh-CN" dirty="0"/>
               <a:t>using namespace std;</a:t>
             </a:r>
-            <a:endParaRPr lang="en-US" altLang="zh-CN" dirty="0"/>
           </a:p>
           <a:p>
             <a:endParaRPr lang="en-US" altLang="zh-CN" dirty="0"/>
@@ -15761,14 +15573,12 @@
               <a:rPr lang="en-US" altLang="zh-CN" dirty="0"/>
               <a:t>int main()</a:t>
             </a:r>
-            <a:endParaRPr lang="en-US" altLang="zh-CN" dirty="0"/>
           </a:p>
           <a:p>
             <a:r>
               <a:rPr lang="en-US" altLang="zh-CN" dirty="0"/>
               <a:t>{</a:t>
             </a:r>
-            <a:endParaRPr lang="en-US" altLang="zh-CN" dirty="0"/>
           </a:p>
           <a:p>
             <a:r>
@@ -15807,7 +15617,6 @@
               <a:rPr lang="en-US" altLang="zh-CN" b="1" dirty="0"/>
               <a:t>);</a:t>
             </a:r>
-            <a:endParaRPr lang="en-US" altLang="zh-CN" b="1" dirty="0"/>
           </a:p>
           <a:p>
             <a:r>
@@ -15830,7 +15639,6 @@
               <a:rPr lang="en-US" altLang="zh-CN" dirty="0"/>
               <a:t>;</a:t>
             </a:r>
-            <a:endParaRPr lang="en-US" altLang="zh-CN" dirty="0"/>
           </a:p>
           <a:p>
             <a:r>
@@ -15845,7 +15653,6 @@
               <a:rPr lang="en-US" altLang="zh-CN" dirty="0"/>
               <a:t>(12);</a:t>
             </a:r>
-            <a:endParaRPr lang="en-US" altLang="zh-CN" dirty="0"/>
           </a:p>
           <a:p>
             <a:r>
@@ -15860,7 +15667,6 @@
               <a:rPr lang="en-US" altLang="zh-CN" dirty="0"/>
               <a:t>('+');</a:t>
             </a:r>
-            <a:endParaRPr lang="en-US" altLang="zh-CN" dirty="0"/>
           </a:p>
           <a:p>
             <a:r>
@@ -15883,7 +15689,6 @@
               <a:rPr lang="en-US" altLang="zh-CN" dirty="0"/>
               <a:t>;</a:t>
             </a:r>
-            <a:endParaRPr lang="en-US" altLang="zh-CN" dirty="0"/>
           </a:p>
           <a:p>
             <a:endParaRPr lang="en-US" altLang="zh-CN" dirty="0"/>
@@ -15901,7 +15706,6 @@
               <a:rPr lang="en-US" altLang="zh-CN" dirty="0"/>
               <a:t>(2);</a:t>
             </a:r>
-            <a:endParaRPr lang="en-US" altLang="zh-CN" dirty="0"/>
           </a:p>
           <a:p>
             <a:r>
@@ -15924,7 +15728,6 @@
               <a:rPr lang="en-US" altLang="zh-CN" dirty="0"/>
               <a:t>;</a:t>
             </a:r>
-            <a:endParaRPr lang="en-US" altLang="zh-CN" dirty="0"/>
           </a:p>
           <a:p>
             <a:r>
@@ -15939,7 +15742,6 @@
               <a:rPr lang="en-US" altLang="zh-CN" dirty="0"/>
               <a:t>(5);</a:t>
             </a:r>
-            <a:endParaRPr lang="en-US" altLang="zh-CN" dirty="0"/>
           </a:p>
           <a:p>
             <a:r>
@@ -15962,7 +15764,6 @@
               <a:rPr lang="en-US" altLang="zh-CN" dirty="0"/>
               <a:t>;</a:t>
             </a:r>
-            <a:endParaRPr lang="en-US" altLang="zh-CN" dirty="0"/>
           </a:p>
           <a:p>
             <a:endParaRPr lang="en-US" altLang="zh-CN" dirty="0"/>
@@ -15972,7 +15773,6 @@
               <a:rPr lang="en-US" altLang="zh-CN" dirty="0"/>
               <a:t>    return 0;</a:t>
             </a:r>
-            <a:endParaRPr lang="en-US" altLang="zh-CN" dirty="0"/>
           </a:p>
           <a:p>
             <a:r>
@@ -15992,7 +15792,7 @@
           <p:nvPr/>
         </p:nvPicPr>
         <p:blipFill>
-          <a:blip r:embed="rId2"/>
+          <a:blip r:embed="rId4"/>
           <a:stretch>
             <a:fillRect/>
           </a:stretch>
@@ -16394,7 +16194,6 @@
                 <a:rPr lang="en-US" altLang="zh-CN" dirty="0"/>
                 <a:t>precision of </a:t>
               </a:r>
-              <a:endParaRPr lang="en-US" altLang="zh-CN" dirty="0"/>
             </a:p>
             <a:p>
               <a:r>
@@ -17051,14 +16850,12 @@
               <a:rPr lang="en-US" altLang="zh-CN" dirty="0"/>
               <a:t>#include &lt;iostream&gt;</a:t>
             </a:r>
-            <a:endParaRPr lang="en-US" altLang="zh-CN" dirty="0"/>
           </a:p>
           <a:p>
             <a:r>
               <a:rPr lang="en-US" altLang="zh-CN" dirty="0"/>
               <a:t>using namespace std;</a:t>
             </a:r>
-            <a:endParaRPr lang="en-US" altLang="zh-CN" dirty="0"/>
           </a:p>
           <a:p>
             <a:endParaRPr lang="en-US" altLang="zh-CN" dirty="0"/>
@@ -17068,28 +16865,24 @@
               <a:rPr lang="en-US" altLang="zh-CN" dirty="0"/>
               <a:t>int main()</a:t>
             </a:r>
-            <a:endParaRPr lang="en-US" altLang="zh-CN" dirty="0"/>
           </a:p>
           <a:p>
             <a:r>
               <a:rPr lang="en-US" altLang="zh-CN" dirty="0"/>
               <a:t>{</a:t>
             </a:r>
-            <a:endParaRPr lang="en-US" altLang="zh-CN" dirty="0"/>
           </a:p>
           <a:p>
             <a:r>
               <a:rPr lang="en-US" altLang="zh-CN" dirty="0"/>
               <a:t>    bool flag = true;</a:t>
             </a:r>
-            <a:endParaRPr lang="en-US" altLang="zh-CN" dirty="0"/>
           </a:p>
           <a:p>
             <a:r>
               <a:rPr lang="en-US" altLang="zh-CN" dirty="0"/>
               <a:t>    float f = 0.20f;</a:t>
             </a:r>
-            <a:endParaRPr lang="en-US" altLang="zh-CN" dirty="0"/>
           </a:p>
           <a:p>
             <a:endParaRPr lang="en-US" altLang="zh-CN" dirty="0"/>
@@ -17123,7 +16916,6 @@
               <a:rPr lang="en-US" altLang="zh-CN" dirty="0"/>
               <a:t>);</a:t>
             </a:r>
-            <a:endParaRPr lang="en-US" altLang="zh-CN" dirty="0"/>
           </a:p>
           <a:p>
             <a:r>
@@ -17154,7 +16946,6 @@
               <a:rPr lang="en-US" altLang="zh-CN" dirty="0"/>
               <a:t>);</a:t>
             </a:r>
-            <a:endParaRPr lang="en-US" altLang="zh-CN" dirty="0"/>
           </a:p>
           <a:p>
             <a:r>
@@ -17177,7 +16968,6 @@
               <a:rPr lang="en-US" altLang="zh-CN" dirty="0"/>
               <a:t>;</a:t>
             </a:r>
-            <a:endParaRPr lang="en-US" altLang="zh-CN" dirty="0"/>
           </a:p>
           <a:p>
             <a:r>
@@ -17200,7 +16990,6 @@
               <a:rPr lang="en-US" altLang="zh-CN" dirty="0"/>
               <a:t>;</a:t>
             </a:r>
-            <a:endParaRPr lang="en-US" altLang="zh-CN" dirty="0"/>
           </a:p>
           <a:p>
             <a:endParaRPr lang="en-US" altLang="zh-CN" dirty="0"/>
@@ -17234,7 +17023,6 @@
               <a:rPr lang="en-US" altLang="zh-CN" dirty="0"/>
               <a:t>);</a:t>
             </a:r>
-            <a:endParaRPr lang="en-US" altLang="zh-CN" dirty="0"/>
           </a:p>
           <a:p>
             <a:r>
@@ -17265,7 +17053,6 @@
               <a:rPr lang="en-US" altLang="zh-CN" dirty="0"/>
               <a:t>);</a:t>
             </a:r>
-            <a:endParaRPr lang="en-US" altLang="zh-CN" dirty="0"/>
           </a:p>
           <a:p>
             <a:r>
@@ -17288,7 +17075,6 @@
               <a:rPr lang="en-US" altLang="zh-CN" dirty="0"/>
               <a:t>;</a:t>
             </a:r>
-            <a:endParaRPr lang="en-US" altLang="zh-CN" dirty="0"/>
           </a:p>
           <a:p>
             <a:r>
@@ -17311,7 +17097,6 @@
               <a:rPr lang="en-US" altLang="zh-CN" dirty="0"/>
               <a:t>;</a:t>
             </a:r>
-            <a:endParaRPr lang="en-US" altLang="zh-CN" dirty="0"/>
           </a:p>
           <a:p>
             <a:endParaRPr lang="en-US" altLang="zh-CN" dirty="0"/>
@@ -17321,7 +17106,6 @@
               <a:rPr lang="en-US" altLang="zh-CN" dirty="0"/>
               <a:t>    return 0;</a:t>
             </a:r>
-            <a:endParaRPr lang="en-US" altLang="zh-CN" dirty="0"/>
           </a:p>
           <a:p>
             <a:r>
@@ -17341,7 +17125,7 @@
           <p:nvPr/>
         </p:nvPicPr>
         <p:blipFill>
-          <a:blip r:embed="rId1"/>
+          <a:blip r:embed="rId3"/>
           <a:stretch>
             <a:fillRect/>
           </a:stretch>
@@ -17915,7 +17699,7 @@
             <p:nvPr/>
           </p:nvPicPr>
           <p:blipFill>
-            <a:blip r:embed="rId1"/>
+            <a:blip r:embed="rId3"/>
             <a:stretch>
               <a:fillRect/>
             </a:stretch>
@@ -17939,7 +17723,7 @@
             <p:nvPr/>
           </p:nvPicPr>
           <p:blipFill>
-            <a:blip r:embed="rId2"/>
+            <a:blip r:embed="rId4"/>
             <a:stretch>
               <a:fillRect/>
             </a:stretch>
@@ -17978,7 +17762,7 @@
             <p:nvPr/>
           </p:nvPicPr>
           <p:blipFill>
-            <a:blip r:embed="rId3"/>
+            <a:blip r:embed="rId5"/>
             <a:stretch>
               <a:fillRect/>
             </a:stretch>
@@ -18002,7 +17786,7 @@
             <p:nvPr/>
           </p:nvPicPr>
           <p:blipFill>
-            <a:blip r:embed="rId4"/>
+            <a:blip r:embed="rId6"/>
             <a:stretch>
               <a:fillRect/>
             </a:stretch>
@@ -18181,14 +17965,12 @@
               <a:rPr lang="en-US" altLang="zh-CN" dirty="0"/>
               <a:t>#include &lt;iostream&gt;</a:t>
             </a:r>
-            <a:endParaRPr lang="en-US" altLang="zh-CN" dirty="0"/>
           </a:p>
           <a:p>
             <a:r>
               <a:rPr lang="en-US" altLang="zh-CN" dirty="0"/>
               <a:t>using namespace std;</a:t>
             </a:r>
-            <a:endParaRPr lang="en-US" altLang="zh-CN" dirty="0"/>
           </a:p>
           <a:p>
             <a:endParaRPr lang="en-US" altLang="zh-CN" dirty="0"/>
@@ -18198,35 +17980,30 @@
               <a:rPr lang="en-US" altLang="zh-CN" dirty="0"/>
               <a:t>int main()</a:t>
             </a:r>
-            <a:endParaRPr lang="en-US" altLang="zh-CN" dirty="0"/>
           </a:p>
           <a:p>
             <a:r>
               <a:rPr lang="en-US" altLang="zh-CN" dirty="0"/>
               <a:t>{</a:t>
             </a:r>
-            <a:endParaRPr lang="en-US" altLang="zh-CN" dirty="0"/>
           </a:p>
           <a:p>
             <a:r>
               <a:rPr lang="en-US" altLang="zh-CN" dirty="0"/>
               <a:t>    bool flag = false;</a:t>
             </a:r>
-            <a:endParaRPr lang="en-US" altLang="zh-CN" dirty="0"/>
           </a:p>
           <a:p>
             <a:r>
               <a:rPr lang="en-US" altLang="zh-CN" dirty="0"/>
               <a:t>    double a = 2.3876;</a:t>
             </a:r>
-            <a:endParaRPr lang="en-US" altLang="zh-CN" dirty="0"/>
           </a:p>
           <a:p>
             <a:r>
               <a:rPr lang="en-US" altLang="zh-CN" dirty="0"/>
               <a:t>    double b = 0.46e2;</a:t>
             </a:r>
-            <a:endParaRPr lang="en-US" altLang="zh-CN" dirty="0"/>
           </a:p>
           <a:p>
             <a:endParaRPr lang="en-US" altLang="zh-CN" dirty="0"/>
@@ -18260,7 +18037,6 @@
               <a:rPr lang="en-US" altLang="zh-CN" dirty="0"/>
               <a:t>;</a:t>
             </a:r>
-            <a:endParaRPr lang="en-US" altLang="zh-CN" dirty="0"/>
           </a:p>
           <a:p>
             <a:r>
@@ -18283,7 +18059,6 @@
               <a:rPr lang="en-US" altLang="zh-CN" dirty="0"/>
               <a:t>;</a:t>
             </a:r>
-            <a:endParaRPr lang="en-US" altLang="zh-CN" dirty="0"/>
           </a:p>
           <a:p>
             <a:r>
@@ -18306,14 +18081,12 @@
               <a:rPr lang="en-US" altLang="zh-CN" dirty="0"/>
               <a:t>;</a:t>
             </a:r>
-            <a:endParaRPr lang="en-US" altLang="zh-CN" dirty="0"/>
           </a:p>
           <a:p>
             <a:r>
               <a:rPr lang="en-US" altLang="zh-CN" dirty="0"/>
               <a:t>   </a:t>
             </a:r>
-            <a:endParaRPr lang="en-US" altLang="zh-CN" dirty="0"/>
           </a:p>
           <a:p>
             <a:r>
@@ -18344,7 +18117,6 @@
               <a:rPr lang="en-US" altLang="zh-CN" dirty="0"/>
               <a:t>;</a:t>
             </a:r>
-            <a:endParaRPr lang="en-US" altLang="zh-CN" dirty="0"/>
           </a:p>
           <a:p>
             <a:r>
@@ -18367,7 +18139,6 @@
               <a:rPr lang="en-US" altLang="zh-CN" dirty="0"/>
               <a:t>::fixed);</a:t>
             </a:r>
-            <a:endParaRPr lang="en-US" altLang="zh-CN" dirty="0"/>
           </a:p>
           <a:p>
             <a:r>
@@ -18390,7 +18161,6 @@
               <a:rPr lang="en-US" altLang="zh-CN" dirty="0"/>
               <a:t>;</a:t>
             </a:r>
-            <a:endParaRPr lang="en-US" altLang="zh-CN" dirty="0"/>
           </a:p>
           <a:p>
             <a:r>
@@ -18413,7 +18183,6 @@
               <a:rPr lang="en-US" altLang="zh-CN" dirty="0"/>
               <a:t>;</a:t>
             </a:r>
-            <a:endParaRPr lang="en-US" altLang="zh-CN" dirty="0"/>
           </a:p>
           <a:p>
             <a:endParaRPr lang="en-US" altLang="zh-CN" dirty="0"/>
@@ -18423,7 +18192,6 @@
               <a:rPr lang="en-US" altLang="zh-CN" dirty="0"/>
               <a:t>    return 0;</a:t>
             </a:r>
-            <a:endParaRPr lang="en-US" altLang="zh-CN" dirty="0"/>
           </a:p>
           <a:p>
             <a:r>
@@ -18443,7 +18211,7 @@
           <p:nvPr/>
         </p:nvPicPr>
         <p:blipFill>
-          <a:blip r:embed="rId1"/>
+          <a:blip r:embed="rId3"/>
           <a:stretch>
             <a:fillRect/>
           </a:stretch>
@@ -18862,20 +18630,20 @@
 </file>
 
 <file path=ppt/tags/tag1.xml><?xml version="1.0" encoding="utf-8"?>
-<p:tagLst xmlns:p="http://schemas.openxmlformats.org/presentationml/2006/main">
-  <p:tag name="KSO_WM_BEAUTIFY_FLAG" val=""/>
+<p:tagLst xmlns:a="http://schemas.openxmlformats.org/drawingml/2006/main" xmlns:r="http://schemas.openxmlformats.org/officeDocument/2006/relationships" xmlns:p="http://schemas.openxmlformats.org/presentationml/2006/main">
+  <p:tag name="COMMONDATA" val="eyJoZGlkIjoiMTM4NzBlMWU3ODgyMDBmYTBjYWFjMTgxZWUwMmYyNDEifQ=="/>
 </p:tagLst>
 </file>
 
 <file path=ppt/tags/tag2.xml><?xml version="1.0" encoding="utf-8"?>
-<p:tagLst xmlns:p="http://schemas.openxmlformats.org/presentationml/2006/main">
+<p:tagLst xmlns:a="http://schemas.openxmlformats.org/drawingml/2006/main" xmlns:r="http://schemas.openxmlformats.org/officeDocument/2006/relationships" xmlns:p="http://schemas.openxmlformats.org/presentationml/2006/main">
   <p:tag name="KSO_WM_BEAUTIFY_FLAG" val=""/>
 </p:tagLst>
 </file>
 
 <file path=ppt/tags/tag3.xml><?xml version="1.0" encoding="utf-8"?>
-<p:tagLst xmlns:p="http://schemas.openxmlformats.org/presentationml/2006/main">
-  <p:tag name="commondata" val="eyJoZGlkIjoiMTM4NzBlMWU3ODgyMDBmYTBjYWFjMTgxZWUwMmYyNDEifQ=="/>
+<p:tagLst xmlns:a="http://schemas.openxmlformats.org/drawingml/2006/main" xmlns:r="http://schemas.openxmlformats.org/officeDocument/2006/relationships" xmlns:p="http://schemas.openxmlformats.org/presentationml/2006/main">
+  <p:tag name="KSO_WM_BEAUTIFY_FLAG" val=""/>
 </p:tagLst>
 </file>
 
@@ -19130,6 +18898,8 @@
       </a:bgFillStyleLst>
     </a:fmtScheme>
   </a:themeElements>
+  <a:objectDefaults/>
+  <a:extraClrSchemeLst/>
   <a:extLst>
     <a:ext uri="{05A4C25C-085E-4340-85A3-A5531E510DB2}">
       <thm15:themeFamily xmlns:thm15="http://schemas.microsoft.com/office/thememl/2012/main" name="Office Theme" id="{62F939B6-93AF-4DB8-9C6B-D6C7DFDC589F}" vid="{4A3C46E8-61CC-4603-A589-7422A47A8E4A}"/>
@@ -19389,6 +19159,8 @@
       </a:bgFillStyleLst>
     </a:fmtScheme>
   </a:themeElements>
+  <a:objectDefaults/>
+  <a:extraClrSchemeLst/>
   <a:extLst>
     <a:ext uri="{05A4C25C-085E-4340-85A3-A5531E510DB2}">
       <thm15:themeFamily xmlns:thm15="http://schemas.microsoft.com/office/thememl/2012/main" name="Office Theme" id="{62F939B6-93AF-4DB8-9C6B-D6C7DFDC589F}" vid="{4A3C46E8-61CC-4603-A589-7422A47A8E4A}"/>
